--- a/supplementary/figures/graph_lumber-cashew.pptx
+++ b/supplementary/figures/graph_lumber-cashew.pptx
@@ -2,13 +2,13 @@
 <file path=ppt/presentation.xml><?xml version="1.0" encoding="utf-8"?>
 <p:presentation xmlns:a="http://schemas.openxmlformats.org/drawingml/2006/main" xmlns:r="http://schemas.openxmlformats.org/officeDocument/2006/relationships" xmlns:p="http://schemas.openxmlformats.org/presentationml/2006/main">
   <p:sldMasterIdLst>
-    <p:sldMasterId id="2147483648" r:id="rId5"/>
+    <p:sldMasterId id="2147483648" r:id="rId1"/>
   </p:sldMasterIdLst>
   <p:notesMasterIdLst>
-    <p:notesMasterId r:id="rId7"/>
+    <p:notesMasterId r:id="rId3"/>
   </p:notesMasterIdLst>
   <p:sldIdLst>
-    <p:sldId id="256" r:id="rId8"/>
+    <p:sldId id="256" r:id="rId2"/>
   </p:sldIdLst>
   <p:sldSz cx="12446000" cy="4953000"/>
   <p:notesSz cx="6858000" cy="9144000"/>
@@ -89,13 +89,14 @@
 </p:presentation>
 </file>
 
-<file path=ppt/commentAuthors.xml><?xml version="1.0" encoding="utf-8"?>
-<p:cmAuthorLst xmlns:a="http://schemas.openxmlformats.org/drawingml/2006/main" xmlns:r="http://schemas.openxmlformats.org/officeDocument/2006/relationships" xmlns:p="http://schemas.openxmlformats.org/presentationml/2006/main"/>
-</file>
-
 <file path=ppt/notesMasters/notesMaster1.xml><?xml version="1.0" encoding="utf-8"?>
 <p:notesMaster xmlns:a="http://schemas.openxmlformats.org/drawingml/2006/main" xmlns:r="http://schemas.openxmlformats.org/officeDocument/2006/relationships" xmlns:p="http://schemas.openxmlformats.org/presentationml/2006/main">
   <p:cSld>
+    <p:bg>
+      <p:bgRef idx="1001">
+        <a:schemeClr val="bg1"/>
+      </p:bgRef>
+    </p:bg>
     <p:spTree>
       <p:nvGrpSpPr>
         <p:cNvPr id="1" name=""/>
@@ -113,7 +114,9 @@
       <p:sp>
         <p:nvSpPr>
           <p:cNvPr id="29" name="Shape 29"/>
-          <p:cNvSpPr/>
+          <p:cNvSpPr>
+            <a:spLocks noGrp="1" noRot="1" noChangeAspect="1"/>
+          </p:cNvSpPr>
           <p:nvPr>
             <p:ph type="sldImg"/>
           </p:nvPr>
@@ -132,13 +135,16 @@
           <a:lstStyle/>
           <a:p>
             <a:pPr lvl="0"/>
+            <a:endParaRPr/>
           </a:p>
         </p:txBody>
       </p:sp>
       <p:sp>
         <p:nvSpPr>
           <p:cNvPr id="30" name="Shape 30"/>
-          <p:cNvSpPr/>
+          <p:cNvSpPr>
+            <a:spLocks noGrp="1"/>
+          </p:cNvSpPr>
           <p:nvPr>
             <p:ph type="body" sz="quarter" idx="1"/>
           </p:nvPr>
@@ -157,10 +163,16 @@
           <a:lstStyle/>
           <a:p>
             <a:pPr lvl="0"/>
+            <a:endParaRPr/>
           </a:p>
         </p:txBody>
       </p:sp>
     </p:spTree>
+    <p:extLst>
+      <p:ext uri="{BB962C8B-B14F-4D97-AF65-F5344CB8AC3E}">
+        <p14:creationId xmlns:p14="http://schemas.microsoft.com/office/powerpoint/2010/main" val="1783688617"/>
+      </p:ext>
+    </p:extLst>
   </p:cSld>
   <p:clrMap bg1="lt1" tx1="dk1" bg2="lt2" tx2="dk2" accent1="accent1" accent2="accent2" accent3="accent3" accent4="accent4" accent5="accent5" accent6="accent6" hlink="hlink" folHlink="folHlink"/>
   <p:notesStyle>
@@ -268,7 +280,7 @@
 </file>
 
 <file path=ppt/slideLayouts/slideLayout1.xml><?xml version="1.0" encoding="utf-8"?>
-<p:sldLayout xmlns:a="http://schemas.openxmlformats.org/drawingml/2006/main" xmlns:r="http://schemas.openxmlformats.org/officeDocument/2006/relationships" xmlns:p="http://schemas.openxmlformats.org/presentationml/2006/main" type="tx" showMasterSp="1" showMasterPhAnim="1">
+<p:sldLayout xmlns:a="http://schemas.openxmlformats.org/drawingml/2006/main" xmlns:r="http://schemas.openxmlformats.org/officeDocument/2006/relationships" xmlns:p="http://schemas.openxmlformats.org/presentationml/2006/main" type="tx">
   <p:cSld name="Title &amp; Subtitle">
     <p:spTree>
       <p:nvGrpSpPr>
@@ -287,7 +299,9 @@
       <p:sp>
         <p:nvSpPr>
           <p:cNvPr id="5" name="Shape 5"/>
-          <p:cNvSpPr/>
+          <p:cNvSpPr>
+            <a:spLocks noGrp="1"/>
+          </p:cNvSpPr>
           <p:nvPr>
             <p:ph type="title"/>
           </p:nvPr>
@@ -314,7 +328,9 @@
       <p:sp>
         <p:nvSpPr>
           <p:cNvPr id="6" name="Shape 6"/>
-          <p:cNvSpPr/>
+          <p:cNvSpPr>
+            <a:spLocks noGrp="1"/>
+          </p:cNvSpPr>
           <p:nvPr>
             <p:ph type="body" idx="1"/>
           </p:nvPr>
@@ -335,7 +351,6 @@
               <a:rPr sz="1600"/>
               <a:t>Body Level One</a:t>
             </a:r>
-            <a:endParaRPr sz="1600"/>
           </a:p>
           <a:p>
             <a:pPr lvl="1">
@@ -345,7 +360,6 @@
               <a:rPr sz="1600"/>
               <a:t>Body Level Two</a:t>
             </a:r>
-            <a:endParaRPr sz="1600"/>
           </a:p>
           <a:p>
             <a:pPr lvl="2">
@@ -355,7 +369,6 @@
               <a:rPr sz="1600"/>
               <a:t>Body Level Three</a:t>
             </a:r>
-            <a:endParaRPr sz="1600"/>
           </a:p>
           <a:p>
             <a:pPr lvl="3">
@@ -365,7 +378,6 @@
               <a:rPr sz="1600"/>
               <a:t>Body Level Four</a:t>
             </a:r>
-            <a:endParaRPr sz="1600"/>
           </a:p>
           <a:p>
             <a:pPr lvl="4">
@@ -383,12 +395,12 @@
   <p:clrMapOvr>
     <a:masterClrMapping/>
   </p:clrMapOvr>
-  <p:transition spd="med" advClick="1"/>
+  <p:transition spd="med"/>
 </p:sldLayout>
 </file>
 
 <file path=ppt/slideLayouts/slideLayout10.xml><?xml version="1.0" encoding="utf-8"?>
-<p:sldLayout xmlns:a="http://schemas.openxmlformats.org/drawingml/2006/main" xmlns:r="http://schemas.openxmlformats.org/officeDocument/2006/relationships" xmlns:p="http://schemas.openxmlformats.org/presentationml/2006/main" type="tx" showMasterSp="1" showMasterPhAnim="1">
+<p:sldLayout xmlns:a="http://schemas.openxmlformats.org/drawingml/2006/main" xmlns:r="http://schemas.openxmlformats.org/officeDocument/2006/relationships" xmlns:p="http://schemas.openxmlformats.org/presentationml/2006/main" type="tx">
   <p:cSld name="Quote">
     <p:spTree>
       <p:nvGrpSpPr>
@@ -409,12 +421,12 @@
   <p:clrMapOvr>
     <a:masterClrMapping/>
   </p:clrMapOvr>
-  <p:transition spd="med" advClick="1"/>
+  <p:transition spd="med"/>
 </p:sldLayout>
 </file>
 
 <file path=ppt/slideLayouts/slideLayout11.xml><?xml version="1.0" encoding="utf-8"?>
-<p:sldLayout xmlns:a="http://schemas.openxmlformats.org/drawingml/2006/main" xmlns:r="http://schemas.openxmlformats.org/officeDocument/2006/relationships" xmlns:p="http://schemas.openxmlformats.org/presentationml/2006/main" type="tx" showMasterSp="1" showMasterPhAnim="1">
+<p:sldLayout xmlns:a="http://schemas.openxmlformats.org/drawingml/2006/main" xmlns:r="http://schemas.openxmlformats.org/officeDocument/2006/relationships" xmlns:p="http://schemas.openxmlformats.org/presentationml/2006/main" type="tx">
   <p:cSld name="Photo">
     <p:spTree>
       <p:nvGrpSpPr>
@@ -435,12 +447,12 @@
   <p:clrMapOvr>
     <a:masterClrMapping/>
   </p:clrMapOvr>
-  <p:transition spd="med" advClick="1"/>
+  <p:transition spd="med"/>
 </p:sldLayout>
 </file>
 
 <file path=ppt/slideLayouts/slideLayout12.xml><?xml version="1.0" encoding="utf-8"?>
-<p:sldLayout xmlns:a="http://schemas.openxmlformats.org/drawingml/2006/main" xmlns:r="http://schemas.openxmlformats.org/officeDocument/2006/relationships" xmlns:p="http://schemas.openxmlformats.org/presentationml/2006/main" type="tx" showMasterSp="1" showMasterPhAnim="1">
+<p:sldLayout xmlns:a="http://schemas.openxmlformats.org/drawingml/2006/main" xmlns:r="http://schemas.openxmlformats.org/officeDocument/2006/relationships" xmlns:p="http://schemas.openxmlformats.org/presentationml/2006/main" type="tx">
   <p:cSld name="Blank">
     <p:spTree>
       <p:nvGrpSpPr>
@@ -461,12 +473,12 @@
   <p:clrMapOvr>
     <a:masterClrMapping/>
   </p:clrMapOvr>
-  <p:transition spd="med" advClick="1"/>
+  <p:transition spd="med"/>
 </p:sldLayout>
 </file>
 
 <file path=ppt/slideLayouts/slideLayout2.xml><?xml version="1.0" encoding="utf-8"?>
-<p:sldLayout xmlns:a="http://schemas.openxmlformats.org/drawingml/2006/main" xmlns:r="http://schemas.openxmlformats.org/officeDocument/2006/relationships" xmlns:p="http://schemas.openxmlformats.org/presentationml/2006/main" type="tx" showMasterSp="1" showMasterPhAnim="1">
+<p:sldLayout xmlns:a="http://schemas.openxmlformats.org/drawingml/2006/main" xmlns:r="http://schemas.openxmlformats.org/officeDocument/2006/relationships" xmlns:p="http://schemas.openxmlformats.org/presentationml/2006/main" type="tx">
   <p:cSld name="Photo - Horizontal">
     <p:spTree>
       <p:nvGrpSpPr>
@@ -485,7 +497,9 @@
       <p:sp>
         <p:nvSpPr>
           <p:cNvPr id="8" name="Shape 8"/>
-          <p:cNvSpPr/>
+          <p:cNvSpPr>
+            <a:spLocks noGrp="1"/>
+          </p:cNvSpPr>
           <p:nvPr>
             <p:ph type="title"/>
           </p:nvPr>
@@ -516,7 +530,9 @@
       <p:sp>
         <p:nvSpPr>
           <p:cNvPr id="9" name="Shape 9"/>
-          <p:cNvSpPr/>
+          <p:cNvSpPr>
+            <a:spLocks noGrp="1"/>
+          </p:cNvSpPr>
           <p:nvPr>
             <p:ph type="body" idx="1"/>
           </p:nvPr>
@@ -541,7 +557,6 @@
               <a:rPr sz="1600"/>
               <a:t>Body Level One</a:t>
             </a:r>
-            <a:endParaRPr sz="1600"/>
           </a:p>
           <a:p>
             <a:pPr lvl="1">
@@ -551,7 +566,6 @@
               <a:rPr sz="1600"/>
               <a:t>Body Level Two</a:t>
             </a:r>
-            <a:endParaRPr sz="1600"/>
           </a:p>
           <a:p>
             <a:pPr lvl="2">
@@ -561,7 +575,6 @@
               <a:rPr sz="1600"/>
               <a:t>Body Level Three</a:t>
             </a:r>
-            <a:endParaRPr sz="1600"/>
           </a:p>
           <a:p>
             <a:pPr lvl="3">
@@ -571,7 +584,6 @@
               <a:rPr sz="1600"/>
               <a:t>Body Level Four</a:t>
             </a:r>
-            <a:endParaRPr sz="1600"/>
           </a:p>
           <a:p>
             <a:pPr lvl="4">
@@ -589,12 +601,12 @@
   <p:clrMapOvr>
     <a:masterClrMapping/>
   </p:clrMapOvr>
-  <p:transition spd="med" advClick="1"/>
+  <p:transition spd="med"/>
 </p:sldLayout>
 </file>
 
 <file path=ppt/slideLayouts/slideLayout3.xml><?xml version="1.0" encoding="utf-8"?>
-<p:sldLayout xmlns:a="http://schemas.openxmlformats.org/drawingml/2006/main" xmlns:r="http://schemas.openxmlformats.org/officeDocument/2006/relationships" xmlns:p="http://schemas.openxmlformats.org/presentationml/2006/main" type="tx" showMasterSp="1" showMasterPhAnim="1">
+<p:sldLayout xmlns:a="http://schemas.openxmlformats.org/drawingml/2006/main" xmlns:r="http://schemas.openxmlformats.org/officeDocument/2006/relationships" xmlns:p="http://schemas.openxmlformats.org/presentationml/2006/main" type="tx">
   <p:cSld name="Title - Center">
     <p:spTree>
       <p:nvGrpSpPr>
@@ -613,7 +625,9 @@
       <p:sp>
         <p:nvSpPr>
           <p:cNvPr id="11" name="Shape 11"/>
-          <p:cNvSpPr/>
+          <p:cNvSpPr>
+            <a:spLocks noGrp="1"/>
+          </p:cNvSpPr>
           <p:nvPr>
             <p:ph type="title"/>
           </p:nvPr>
@@ -646,12 +660,12 @@
   <p:clrMapOvr>
     <a:masterClrMapping/>
   </p:clrMapOvr>
-  <p:transition spd="med" advClick="1"/>
+  <p:transition spd="med"/>
 </p:sldLayout>
 </file>
 
 <file path=ppt/slideLayouts/slideLayout4.xml><?xml version="1.0" encoding="utf-8"?>
-<p:sldLayout xmlns:a="http://schemas.openxmlformats.org/drawingml/2006/main" xmlns:r="http://schemas.openxmlformats.org/officeDocument/2006/relationships" xmlns:p="http://schemas.openxmlformats.org/presentationml/2006/main" type="tx" showMasterSp="1" showMasterPhAnim="1">
+<p:sldLayout xmlns:a="http://schemas.openxmlformats.org/drawingml/2006/main" xmlns:r="http://schemas.openxmlformats.org/officeDocument/2006/relationships" xmlns:p="http://schemas.openxmlformats.org/presentationml/2006/main" type="tx">
   <p:cSld name="Photo - Vertical">
     <p:spTree>
       <p:nvGrpSpPr>
@@ -670,7 +684,9 @@
       <p:sp>
         <p:nvSpPr>
           <p:cNvPr id="13" name="Shape 13"/>
-          <p:cNvSpPr/>
+          <p:cNvSpPr>
+            <a:spLocks noGrp="1"/>
+          </p:cNvSpPr>
           <p:nvPr>
             <p:ph type="title"/>
           </p:nvPr>
@@ -705,7 +721,9 @@
       <p:sp>
         <p:nvSpPr>
           <p:cNvPr id="14" name="Shape 14"/>
-          <p:cNvSpPr/>
+          <p:cNvSpPr>
+            <a:spLocks noGrp="1"/>
+          </p:cNvSpPr>
           <p:nvPr>
             <p:ph type="body" idx="1"/>
           </p:nvPr>
@@ -730,7 +748,6 @@
               <a:rPr sz="1600"/>
               <a:t>Body Level One</a:t>
             </a:r>
-            <a:endParaRPr sz="1600"/>
           </a:p>
           <a:p>
             <a:pPr lvl="1">
@@ -740,7 +757,6 @@
               <a:rPr sz="1600"/>
               <a:t>Body Level Two</a:t>
             </a:r>
-            <a:endParaRPr sz="1600"/>
           </a:p>
           <a:p>
             <a:pPr lvl="2">
@@ -750,7 +766,6 @@
               <a:rPr sz="1600"/>
               <a:t>Body Level Three</a:t>
             </a:r>
-            <a:endParaRPr sz="1600"/>
           </a:p>
           <a:p>
             <a:pPr lvl="3">
@@ -760,7 +775,6 @@
               <a:rPr sz="1600"/>
               <a:t>Body Level Four</a:t>
             </a:r>
-            <a:endParaRPr sz="1600"/>
           </a:p>
           <a:p>
             <a:pPr lvl="4">
@@ -778,12 +792,12 @@
   <p:clrMapOvr>
     <a:masterClrMapping/>
   </p:clrMapOvr>
-  <p:transition spd="med" advClick="1"/>
+  <p:transition spd="med"/>
 </p:sldLayout>
 </file>
 
 <file path=ppt/slideLayouts/slideLayout5.xml><?xml version="1.0" encoding="utf-8"?>
-<p:sldLayout xmlns:a="http://schemas.openxmlformats.org/drawingml/2006/main" xmlns:r="http://schemas.openxmlformats.org/officeDocument/2006/relationships" xmlns:p="http://schemas.openxmlformats.org/presentationml/2006/main" type="tx" showMasterSp="1" showMasterPhAnim="1">
+<p:sldLayout xmlns:a="http://schemas.openxmlformats.org/drawingml/2006/main" xmlns:r="http://schemas.openxmlformats.org/officeDocument/2006/relationships" xmlns:p="http://schemas.openxmlformats.org/presentationml/2006/main" type="tx">
   <p:cSld name="Title - Top">
     <p:spTree>
       <p:nvGrpSpPr>
@@ -802,7 +816,9 @@
       <p:sp>
         <p:nvSpPr>
           <p:cNvPr id="16" name="Shape 16"/>
-          <p:cNvSpPr/>
+          <p:cNvSpPr>
+            <a:spLocks noGrp="1"/>
+          </p:cNvSpPr>
           <p:nvPr>
             <p:ph type="title"/>
           </p:nvPr>
@@ -835,12 +851,12 @@
   <p:clrMapOvr>
     <a:masterClrMapping/>
   </p:clrMapOvr>
-  <p:transition spd="med" advClick="1"/>
+  <p:transition spd="med"/>
 </p:sldLayout>
 </file>
 
 <file path=ppt/slideLayouts/slideLayout6.xml><?xml version="1.0" encoding="utf-8"?>
-<p:sldLayout xmlns:a="http://schemas.openxmlformats.org/drawingml/2006/main" xmlns:r="http://schemas.openxmlformats.org/officeDocument/2006/relationships" xmlns:p="http://schemas.openxmlformats.org/presentationml/2006/main" type="tx" showMasterSp="1" showMasterPhAnim="1">
+<p:sldLayout xmlns:a="http://schemas.openxmlformats.org/drawingml/2006/main" xmlns:r="http://schemas.openxmlformats.org/officeDocument/2006/relationships" xmlns:p="http://schemas.openxmlformats.org/presentationml/2006/main" type="tx">
   <p:cSld name="Title &amp; Bullets">
     <p:spTree>
       <p:nvGrpSpPr>
@@ -859,7 +875,9 @@
       <p:sp>
         <p:nvSpPr>
           <p:cNvPr id="18" name="Shape 18"/>
-          <p:cNvSpPr/>
+          <p:cNvSpPr>
+            <a:spLocks noGrp="1"/>
+          </p:cNvSpPr>
           <p:nvPr>
             <p:ph type="title"/>
           </p:nvPr>
@@ -890,7 +908,9 @@
       <p:sp>
         <p:nvSpPr>
           <p:cNvPr id="19" name="Shape 19"/>
-          <p:cNvSpPr/>
+          <p:cNvSpPr>
+            <a:spLocks noGrp="1"/>
+          </p:cNvSpPr>
           <p:nvPr>
             <p:ph type="body" idx="1"/>
           </p:nvPr>
@@ -985,12 +1005,12 @@
   <p:clrMapOvr>
     <a:masterClrMapping/>
   </p:clrMapOvr>
-  <p:transition spd="med" advClick="1"/>
+  <p:transition spd="med"/>
 </p:sldLayout>
 </file>
 
 <file path=ppt/slideLayouts/slideLayout7.xml><?xml version="1.0" encoding="utf-8"?>
-<p:sldLayout xmlns:a="http://schemas.openxmlformats.org/drawingml/2006/main" xmlns:r="http://schemas.openxmlformats.org/officeDocument/2006/relationships" xmlns:p="http://schemas.openxmlformats.org/presentationml/2006/main" type="tx" showMasterSp="1" showMasterPhAnim="1">
+<p:sldLayout xmlns:a="http://schemas.openxmlformats.org/drawingml/2006/main" xmlns:r="http://schemas.openxmlformats.org/officeDocument/2006/relationships" xmlns:p="http://schemas.openxmlformats.org/presentationml/2006/main" type="tx">
   <p:cSld name="Title, Bullets &amp; Photo">
     <p:spTree>
       <p:nvGrpSpPr>
@@ -1009,7 +1029,9 @@
       <p:sp>
         <p:nvSpPr>
           <p:cNvPr id="21" name="Shape 21"/>
-          <p:cNvSpPr/>
+          <p:cNvSpPr>
+            <a:spLocks noGrp="1"/>
+          </p:cNvSpPr>
           <p:nvPr>
             <p:ph type="title"/>
           </p:nvPr>
@@ -1040,7 +1062,9 @@
       <p:sp>
         <p:nvSpPr>
           <p:cNvPr id="22" name="Shape 22"/>
-          <p:cNvSpPr/>
+          <p:cNvSpPr>
+            <a:spLocks noGrp="1"/>
+          </p:cNvSpPr>
           <p:nvPr>
             <p:ph type="body" idx="1"/>
           </p:nvPr>
@@ -1106,7 +1130,6 @@
               <a:rPr sz="1400"/>
               <a:t>Body Level One</a:t>
             </a:r>
-            <a:endParaRPr sz="1400"/>
           </a:p>
           <a:p>
             <a:pPr lvl="1">
@@ -1116,7 +1139,6 @@
               <a:rPr sz="1400"/>
               <a:t>Body Level Two</a:t>
             </a:r>
-            <a:endParaRPr sz="1400"/>
           </a:p>
           <a:p>
             <a:pPr lvl="2">
@@ -1126,7 +1148,6 @@
               <a:rPr sz="1400"/>
               <a:t>Body Level Three</a:t>
             </a:r>
-            <a:endParaRPr sz="1400"/>
           </a:p>
           <a:p>
             <a:pPr lvl="3">
@@ -1136,7 +1157,6 @@
               <a:rPr sz="1400"/>
               <a:t>Body Level Four</a:t>
             </a:r>
-            <a:endParaRPr sz="1400"/>
           </a:p>
           <a:p>
             <a:pPr lvl="4">
@@ -1154,12 +1174,12 @@
   <p:clrMapOvr>
     <a:masterClrMapping/>
   </p:clrMapOvr>
-  <p:transition spd="med" advClick="1"/>
+  <p:transition spd="med"/>
 </p:sldLayout>
 </file>
 
 <file path=ppt/slideLayouts/slideLayout8.xml><?xml version="1.0" encoding="utf-8"?>
-<p:sldLayout xmlns:a="http://schemas.openxmlformats.org/drawingml/2006/main" xmlns:r="http://schemas.openxmlformats.org/officeDocument/2006/relationships" xmlns:p="http://schemas.openxmlformats.org/presentationml/2006/main" type="tx" showMasterSp="1" showMasterPhAnim="1">
+<p:sldLayout xmlns:a="http://schemas.openxmlformats.org/drawingml/2006/main" xmlns:r="http://schemas.openxmlformats.org/officeDocument/2006/relationships" xmlns:p="http://schemas.openxmlformats.org/presentationml/2006/main" type="tx">
   <p:cSld name="Bullets">
     <p:spTree>
       <p:nvGrpSpPr>
@@ -1178,7 +1198,9 @@
       <p:sp>
         <p:nvSpPr>
           <p:cNvPr id="24" name="Shape 24"/>
-          <p:cNvSpPr/>
+          <p:cNvSpPr>
+            <a:spLocks noGrp="1"/>
+          </p:cNvSpPr>
           <p:nvPr>
             <p:ph type="body" idx="1"/>
           </p:nvPr>
@@ -1273,12 +1295,12 @@
   <p:clrMapOvr>
     <a:masterClrMapping/>
   </p:clrMapOvr>
-  <p:transition spd="med" advClick="1"/>
+  <p:transition spd="med"/>
 </p:sldLayout>
 </file>
 
 <file path=ppt/slideLayouts/slideLayout9.xml><?xml version="1.0" encoding="utf-8"?>
-<p:sldLayout xmlns:a="http://schemas.openxmlformats.org/drawingml/2006/main" xmlns:r="http://schemas.openxmlformats.org/officeDocument/2006/relationships" xmlns:p="http://schemas.openxmlformats.org/presentationml/2006/main" type="tx" showMasterSp="1" showMasterPhAnim="1">
+<p:sldLayout xmlns:a="http://schemas.openxmlformats.org/drawingml/2006/main" xmlns:r="http://schemas.openxmlformats.org/officeDocument/2006/relationships" xmlns:p="http://schemas.openxmlformats.org/presentationml/2006/main" type="tx">
   <p:cSld name="Photo - 3 Up">
     <p:spTree>
       <p:nvGrpSpPr>
@@ -1299,7 +1321,7 @@
   <p:clrMapOvr>
     <a:masterClrMapping/>
   </p:clrMapOvr>
-  <p:transition spd="med" advClick="1"/>
+  <p:transition spd="med"/>
 </p:sldLayout>
 </file>
 
@@ -1311,6 +1333,7 @@
         <a:solidFill>
           <a:srgbClr val="FFFFFF"/>
         </a:solidFill>
+        <a:effectLst/>
       </p:bgPr>
     </p:bg>
     <p:spTree>
@@ -1330,7 +1353,9 @@
       <p:sp>
         <p:nvSpPr>
           <p:cNvPr id="2" name="Shape 2"/>
-          <p:cNvSpPr/>
+          <p:cNvSpPr>
+            <a:spLocks noGrp="1"/>
+          </p:cNvSpPr>
           <p:nvPr>
             <p:ph type="title"/>
           </p:nvPr>
@@ -1348,13 +1373,13 @@
           </a:ln>
           <a:extLst>
             <a:ext uri="{C572A759-6A51-4108-AA02-DFA0A04FC94B}">
-              <ma14:wrappingTextBoxFlag xmlns:ma14="http://schemas.microsoft.com/office/mac/drawingml/2011/main" val="1"/>
+              <ma14:wrappingTextBoxFlag xmlns:ma14="http://schemas.microsoft.com/office/mac/drawingml/2011/main" xmlns="" val="1"/>
             </a:ext>
           </a:extLst>
         </p:spPr>
         <p:txBody>
           <a:bodyPr lIns="0" tIns="0" rIns="0" bIns="0" anchor="b">
-            <a:normAutofit fontScale="100000" lnSpcReduction="0"/>
+            <a:normAutofit/>
           </a:bodyPr>
           <a:lstStyle/>
           <a:p>
@@ -1371,7 +1396,9 @@
       <p:sp>
         <p:nvSpPr>
           <p:cNvPr id="3" name="Shape 3"/>
-          <p:cNvSpPr/>
+          <p:cNvSpPr>
+            <a:spLocks noGrp="1"/>
+          </p:cNvSpPr>
           <p:nvPr>
             <p:ph type="body" idx="1"/>
           </p:nvPr>
@@ -1389,13 +1416,13 @@
           </a:ln>
           <a:extLst>
             <a:ext uri="{C572A759-6A51-4108-AA02-DFA0A04FC94B}">
-              <ma14:wrappingTextBoxFlag xmlns:ma14="http://schemas.microsoft.com/office/mac/drawingml/2011/main" val="1"/>
+              <ma14:wrappingTextBoxFlag xmlns:ma14="http://schemas.microsoft.com/office/mac/drawingml/2011/main" xmlns="" val="1"/>
             </a:ext>
           </a:extLst>
         </p:spPr>
         <p:txBody>
           <a:bodyPr lIns="0" tIns="0" rIns="0" bIns="0">
-            <a:normAutofit fontScale="100000" lnSpcReduction="0"/>
+            <a:normAutofit/>
           </a:bodyPr>
           <a:lstStyle/>
           <a:p>
@@ -1406,7 +1433,6 @@
               <a:rPr sz="1600"/>
               <a:t>Body Level One</a:t>
             </a:r>
-            <a:endParaRPr sz="1600"/>
           </a:p>
           <a:p>
             <a:pPr lvl="1">
@@ -1416,7 +1442,6 @@
               <a:rPr sz="1600"/>
               <a:t>Body Level Two</a:t>
             </a:r>
-            <a:endParaRPr sz="1600"/>
           </a:p>
           <a:p>
             <a:pPr lvl="2">
@@ -1426,7 +1451,6 @@
               <a:rPr sz="1600"/>
               <a:t>Body Level Three</a:t>
             </a:r>
-            <a:endParaRPr sz="1600"/>
           </a:p>
           <a:p>
             <a:pPr lvl="3">
@@ -1436,7 +1460,6 @@
               <a:rPr sz="1600"/>
               <a:t>Body Level Four</a:t>
             </a:r>
-            <a:endParaRPr sz="1600"/>
           </a:p>
           <a:p>
             <a:pPr lvl="4">
@@ -1453,20 +1476,20 @@
   </p:cSld>
   <p:clrMap bg1="lt1" tx1="dk1" bg2="lt2" tx2="dk2" accent1="accent1" accent2="accent2" accent3="accent3" accent4="accent4" accent5="accent5" accent6="accent6" hlink="hlink" folHlink="folHlink"/>
   <p:sldLayoutIdLst>
-    <p:sldLayoutId id="2147483649" r:id="rId2"/>
-    <p:sldLayoutId id="2147483650" r:id="rId3"/>
-    <p:sldLayoutId id="2147483651" r:id="rId4"/>
-    <p:sldLayoutId id="2147483652" r:id="rId5"/>
-    <p:sldLayoutId id="2147483653" r:id="rId6"/>
-    <p:sldLayoutId id="2147483654" r:id="rId7"/>
-    <p:sldLayoutId id="2147483655" r:id="rId8"/>
-    <p:sldLayoutId id="2147483656" r:id="rId9"/>
-    <p:sldLayoutId id="2147483657" r:id="rId10"/>
-    <p:sldLayoutId id="2147483658" r:id="rId11"/>
-    <p:sldLayoutId id="2147483659" r:id="rId12"/>
-    <p:sldLayoutId id="2147483660" r:id="rId13"/>
+    <p:sldLayoutId id="2147483649" r:id="rId1"/>
+    <p:sldLayoutId id="2147483650" r:id="rId2"/>
+    <p:sldLayoutId id="2147483651" r:id="rId3"/>
+    <p:sldLayoutId id="2147483652" r:id="rId4"/>
+    <p:sldLayoutId id="2147483653" r:id="rId5"/>
+    <p:sldLayoutId id="2147483654" r:id="rId6"/>
+    <p:sldLayoutId id="2147483655" r:id="rId7"/>
+    <p:sldLayoutId id="2147483656" r:id="rId8"/>
+    <p:sldLayoutId id="2147483657" r:id="rId9"/>
+    <p:sldLayoutId id="2147483658" r:id="rId10"/>
+    <p:sldLayoutId id="2147483659" r:id="rId11"/>
+    <p:sldLayoutId id="2147483660" r:id="rId12"/>
   </p:sldLayoutIdLst>
-  <p:transition spd="med" advClick="1"/>
+  <p:transition spd="med"/>
   <p:txStyles>
     <p:titleStyle>
       <a:lvl1pPr algn="ctr" defTabSz="584200">
@@ -1730,7 +1753,7 @@
 </file>
 
 <file path=ppt/slides/slide1.xml><?xml version="1.0" encoding="utf-8"?>
-<p:sld xmlns:a="http://schemas.openxmlformats.org/drawingml/2006/main" xmlns:r="http://schemas.openxmlformats.org/officeDocument/2006/relationships" xmlns:p="http://schemas.openxmlformats.org/presentationml/2006/main" showMasterSp="1" showMasterPhAnim="1">
+<p:sld xmlns:a="http://schemas.openxmlformats.org/drawingml/2006/main" xmlns:r="http://schemas.openxmlformats.org/officeDocument/2006/relationships" xmlns:p="http://schemas.openxmlformats.org/presentationml/2006/main">
   <p:cSld>
     <p:spTree>
       <p:nvGrpSpPr>
@@ -1746,39 +1769,103 @@
           <a:chExt cx="0" cy="0"/>
         </a:xfrm>
       </p:grpSpPr>
+      <p:pic>
+        <p:nvPicPr>
+          <p:cNvPr id="32" name="image1.png"/>
+          <p:cNvPicPr/>
+          <p:nvPr/>
+        </p:nvPicPr>
+        <p:blipFill>
+          <a:blip r:embed="rId2">
+            <a:extLst/>
+          </a:blip>
+          <a:srcRect l="12898" t="22107" r="9707" b="25257"/>
+          <a:stretch>
+            <a:fillRect/>
+          </a:stretch>
+        </p:blipFill>
+        <p:spPr>
+          <a:xfrm rot="16200000" flipH="1">
+            <a:off x="8623835" y="1211366"/>
+            <a:ext cx="4943640" cy="2520970"/>
+          </a:xfrm>
+          <a:prstGeom prst="rect">
+            <a:avLst/>
+          </a:prstGeom>
+          <a:ln w="12700" cap="flat">
+            <a:noFill/>
+            <a:miter lim="400000"/>
+          </a:ln>
+          <a:effectLst/>
+        </p:spPr>
+      </p:pic>
       <p:grpSp>
         <p:nvGrpSpPr>
-          <p:cNvPr id="74" name="Group 74"/>
+          <p:cNvPr id="35" name="Group 35"/>
           <p:cNvGrpSpPr/>
           <p:nvPr/>
         </p:nvGrpSpPr>
         <p:grpSpPr>
           <a:xfrm>
-            <a:off x="115261" y="-1"/>
-            <a:ext cx="12240878" cy="4953002"/>
+            <a:off x="4338717" y="-2"/>
+            <a:ext cx="2522469" cy="4943600"/>
             <a:chOff x="0" y="0"/>
-            <a:chExt cx="12240876" cy="4953000"/>
+            <a:chExt cx="2522468" cy="4943596"/>
           </a:xfrm>
         </p:grpSpPr>
+        <p:sp>
+          <p:nvSpPr>
+            <p:cNvPr id="33" name="Shape 33"/>
+            <p:cNvSpPr/>
+            <p:nvPr/>
+          </p:nvSpPr>
+          <p:spPr>
+            <a:xfrm>
+              <a:off x="0" y="65"/>
+              <a:ext cx="2522469" cy="4943532"/>
+            </a:xfrm>
+            <a:prstGeom prst="rect">
+              <a:avLst/>
+            </a:prstGeom>
+            <a:solidFill>
+              <a:srgbClr val="01188F"/>
+            </a:solidFill>
+            <a:ln w="12700" cap="flat">
+              <a:noFill/>
+              <a:miter lim="400000"/>
+            </a:ln>
+            <a:effectLst/>
+          </p:spPr>
+          <p:txBody>
+            <a:bodyPr wrap="square" lIns="0" tIns="0" rIns="0" bIns="0" numCol="1" anchor="ctr">
+              <a:noAutofit/>
+            </a:bodyPr>
+            <a:lstStyle/>
+            <a:p>
+              <a:pPr lvl="0"/>
+              <a:endParaRPr/>
+            </a:p>
+          </p:txBody>
+        </p:sp>
         <p:pic>
           <p:nvPicPr>
-            <p:cNvPr id="32" name="image1.png"/>
+            <p:cNvPr id="34" name="image2.png"/>
             <p:cNvPicPr/>
             <p:nvPr/>
           </p:nvPicPr>
           <p:blipFill>
-            <a:blip r:embed="rId2">
+            <a:blip r:embed="rId3">
               <a:extLst/>
             </a:blip>
-            <a:srcRect l="12898" t="22107" r="9707" b="25257"/>
+            <a:srcRect l="13515" t="21752" r="15959" b="25050"/>
             <a:stretch>
               <a:fillRect/>
             </a:stretch>
           </p:blipFill>
           <p:spPr>
-            <a:xfrm flipH="1" rot="16200000">
-              <a:off x="8508573" y="1211366"/>
-              <a:ext cx="4943638" cy="2520970"/>
+            <a:xfrm rot="16200000" flipH="1">
+              <a:off x="-968786" y="968785"/>
+              <a:ext cx="4460040" cy="2522469"/>
             </a:xfrm>
             <a:prstGeom prst="rect">
               <a:avLst/>
@@ -1790,223 +1877,298 @@
             <a:effectLst/>
           </p:spPr>
         </p:pic>
-        <p:grpSp>
-          <p:nvGrpSpPr>
-            <p:cNvPr id="35" name="Group 35"/>
-            <p:cNvGrpSpPr/>
-            <p:nvPr/>
-          </p:nvGrpSpPr>
-          <p:grpSpPr>
-            <a:xfrm>
-              <a:off x="4223455" y="-1"/>
-              <a:ext cx="2522469" cy="4943598"/>
-              <a:chOff x="0" y="0"/>
-              <a:chExt cx="2522468" cy="4943596"/>
-            </a:xfrm>
-          </p:grpSpPr>
-          <p:sp>
-            <p:nvSpPr>
-              <p:cNvPr id="33" name="Shape 33"/>
-              <p:cNvSpPr/>
-              <p:nvPr/>
-            </p:nvSpPr>
-            <p:spPr>
-              <a:xfrm>
-                <a:off x="0" y="65"/>
-                <a:ext cx="2522469" cy="4943532"/>
-              </a:xfrm>
-              <a:prstGeom prst="rect">
-                <a:avLst/>
-              </a:prstGeom>
-              <a:solidFill>
-                <a:srgbClr val="01188F"/>
-              </a:solidFill>
-              <a:ln w="12700" cap="flat">
-                <a:noFill/>
-                <a:miter lim="400000"/>
-              </a:ln>
-              <a:effectLst/>
-            </p:spPr>
-            <p:txBody>
-              <a:bodyPr wrap="square" lIns="0" tIns="0" rIns="0" bIns="0" numCol="1" anchor="ctr">
-                <a:noAutofit/>
-              </a:bodyPr>
-              <a:lstStyle/>
-              <a:p>
-                <a:pPr lvl="0"/>
-              </a:p>
-            </p:txBody>
-          </p:sp>
-          <p:pic>
-            <p:nvPicPr>
-              <p:cNvPr id="34" name="image2.png"/>
-              <p:cNvPicPr/>
-              <p:nvPr/>
-            </p:nvPicPr>
-            <p:blipFill>
-              <a:blip r:embed="rId3">
-                <a:extLst/>
-              </a:blip>
-              <a:srcRect l="13515" t="21752" r="15959" b="25050"/>
-              <a:stretch>
-                <a:fillRect/>
-              </a:stretch>
-            </p:blipFill>
-            <p:spPr>
-              <a:xfrm flipH="1" rot="16200000">
-                <a:off x="-968786" y="968785"/>
-                <a:ext cx="4460040" cy="2522469"/>
-              </a:xfrm>
-              <a:prstGeom prst="rect">
-                <a:avLst/>
-              </a:prstGeom>
-              <a:ln w="12700" cap="flat">
-                <a:noFill/>
-                <a:miter lim="400000"/>
-              </a:ln>
-              <a:effectLst/>
-            </p:spPr>
-          </p:pic>
-        </p:grpSp>
-        <p:pic>
-          <p:nvPicPr>
-            <p:cNvPr id="36" name="image3.png"/>
-            <p:cNvPicPr/>
-            <p:nvPr/>
-          </p:nvPicPr>
-          <p:blipFill>
-            <a:blip r:embed="rId4">
-              <a:extLst/>
-            </a:blip>
-            <a:srcRect l="13022" t="22149" r="9979" b="25457"/>
-            <a:stretch>
-              <a:fillRect/>
-            </a:stretch>
-          </p:blipFill>
-          <p:spPr>
-            <a:xfrm flipH="1" rot="16200000">
-              <a:off x="270160" y="1218569"/>
-              <a:ext cx="4938096" cy="2520828"/>
-            </a:xfrm>
-            <a:prstGeom prst="rect">
-              <a:avLst/>
-            </a:prstGeom>
-            <a:ln w="12700" cap="flat">
-              <a:noFill/>
-              <a:miter lim="400000"/>
-            </a:ln>
-            <a:effectLst/>
-          </p:spPr>
-        </p:pic>
-        <p:pic>
-          <p:nvPicPr>
-            <p:cNvPr id="37" name="image4.png"/>
-            <p:cNvPicPr/>
-            <p:nvPr/>
-          </p:nvPicPr>
-          <p:blipFill>
-            <a:blip r:embed="rId5">
-              <a:extLst/>
-            </a:blip>
-            <a:srcRect l="13033" t="21950" r="9677" b="25369"/>
-            <a:stretch>
-              <a:fillRect/>
-            </a:stretch>
-          </p:blipFill>
-          <p:spPr>
-            <a:xfrm flipH="1" rot="16200000">
-              <a:off x="5761152" y="1208581"/>
-              <a:ext cx="4943531" cy="2526434"/>
-            </a:xfrm>
-            <a:prstGeom prst="rect">
-              <a:avLst/>
-            </a:prstGeom>
-            <a:ln w="12700" cap="flat">
-              <a:noFill/>
-              <a:miter lim="400000"/>
-            </a:ln>
-            <a:effectLst/>
-          </p:spPr>
-        </p:pic>
-        <p:pic>
-          <p:nvPicPr>
-            <p:cNvPr id="38" name="image5.png"/>
-            <p:cNvPicPr/>
-            <p:nvPr/>
-          </p:nvPicPr>
-          <p:blipFill>
-            <a:blip r:embed="rId6">
-              <a:extLst/>
-            </a:blip>
-            <a:srcRect l="36118" t="7807" r="32699" b="11145"/>
-            <a:stretch>
-              <a:fillRect/>
-            </a:stretch>
-          </p:blipFill>
-          <p:spPr>
-            <a:xfrm flipH="1" rot="10800000">
-              <a:off x="120" y="4859"/>
-              <a:ext cx="1254895" cy="2446940"/>
-            </a:xfrm>
-            <a:prstGeom prst="rect">
-              <a:avLst/>
-            </a:prstGeom>
-            <a:ln w="12700" cap="flat">
-              <a:noFill/>
-              <a:miter lim="400000"/>
-            </a:ln>
-            <a:effectLst/>
-          </p:spPr>
-        </p:pic>
-        <p:pic>
-          <p:nvPicPr>
-            <p:cNvPr id="39" name="image6.png"/>
-            <p:cNvPicPr/>
-            <p:nvPr/>
-          </p:nvPicPr>
-          <p:blipFill>
-            <a:blip r:embed="rId7">
-              <a:extLst/>
-            </a:blip>
-            <a:srcRect l="36140" t="7848" r="32598" b="10920"/>
-            <a:stretch>
-              <a:fillRect/>
-            </a:stretch>
-          </p:blipFill>
-          <p:spPr>
-            <a:xfrm flipH="1" rot="10800000">
-              <a:off x="0" y="2506116"/>
-              <a:ext cx="1255215" cy="2446885"/>
-            </a:xfrm>
-            <a:prstGeom prst="rect">
-              <a:avLst/>
-            </a:prstGeom>
-            <a:ln w="12700" cap="flat">
-              <a:noFill/>
-              <a:miter lim="400000"/>
-            </a:ln>
-            <a:effectLst/>
-          </p:spPr>
-        </p:pic>
+      </p:grpSp>
+      <p:pic>
+        <p:nvPicPr>
+          <p:cNvPr id="36" name="image3.png"/>
+          <p:cNvPicPr/>
+          <p:nvPr/>
+        </p:nvPicPr>
+        <p:blipFill>
+          <a:blip r:embed="rId4">
+            <a:extLst/>
+          </a:blip>
+          <a:srcRect l="13022" t="22149" r="9979" b="25457"/>
+          <a:stretch>
+            <a:fillRect/>
+          </a:stretch>
+        </p:blipFill>
+        <p:spPr>
+          <a:xfrm rot="16200000" flipH="1">
+            <a:off x="385420" y="1218569"/>
+            <a:ext cx="4938098" cy="2520828"/>
+          </a:xfrm>
+          <a:prstGeom prst="rect">
+            <a:avLst/>
+          </a:prstGeom>
+          <a:ln w="12700" cap="flat">
+            <a:noFill/>
+            <a:miter lim="400000"/>
+          </a:ln>
+          <a:effectLst/>
+        </p:spPr>
+      </p:pic>
+      <p:pic>
+        <p:nvPicPr>
+          <p:cNvPr id="37" name="image4.png"/>
+          <p:cNvPicPr/>
+          <p:nvPr/>
+        </p:nvPicPr>
+        <p:blipFill>
+          <a:blip r:embed="rId5">
+            <a:extLst/>
+          </a:blip>
+          <a:srcRect l="13033" t="21950" r="9677" b="25369"/>
+          <a:stretch>
+            <a:fillRect/>
+          </a:stretch>
+        </p:blipFill>
+        <p:spPr>
+          <a:xfrm rot="16200000" flipH="1">
+            <a:off x="5876413" y="1208581"/>
+            <a:ext cx="4943533" cy="2526434"/>
+          </a:xfrm>
+          <a:prstGeom prst="rect">
+            <a:avLst/>
+          </a:prstGeom>
+          <a:ln w="12700" cap="flat">
+            <a:noFill/>
+            <a:miter lim="400000"/>
+          </a:ln>
+          <a:effectLst/>
+        </p:spPr>
+      </p:pic>
+      <p:pic>
+        <p:nvPicPr>
+          <p:cNvPr id="38" name="image5.png"/>
+          <p:cNvPicPr/>
+          <p:nvPr/>
+        </p:nvPicPr>
+        <p:blipFill>
+          <a:blip r:embed="rId6">
+            <a:extLst/>
+          </a:blip>
+          <a:srcRect l="36118" t="7807" r="32699" b="11145"/>
+          <a:stretch>
+            <a:fillRect/>
+          </a:stretch>
+        </p:blipFill>
+        <p:spPr>
+          <a:xfrm rot="10800000" flipH="1">
+            <a:off x="115381" y="4858"/>
+            <a:ext cx="1254895" cy="2446941"/>
+          </a:xfrm>
+          <a:prstGeom prst="rect">
+            <a:avLst/>
+          </a:prstGeom>
+          <a:ln w="12700" cap="flat">
+            <a:noFill/>
+            <a:miter lim="400000"/>
+          </a:ln>
+          <a:effectLst/>
+        </p:spPr>
+      </p:pic>
+      <p:pic>
+        <p:nvPicPr>
+          <p:cNvPr id="39" name="image6.png"/>
+          <p:cNvPicPr/>
+          <p:nvPr/>
+        </p:nvPicPr>
+        <p:blipFill>
+          <a:blip r:embed="rId7">
+            <a:extLst/>
+          </a:blip>
+          <a:srcRect l="36140" t="7848" r="32598" b="10920"/>
+          <a:stretch>
+            <a:fillRect/>
+          </a:stretch>
+        </p:blipFill>
+        <p:spPr>
+          <a:xfrm rot="10800000" flipH="1">
+            <a:off x="115261" y="2506116"/>
+            <a:ext cx="1255215" cy="2446886"/>
+          </a:xfrm>
+          <a:prstGeom prst="rect">
+            <a:avLst/>
+          </a:prstGeom>
+          <a:ln w="12700" cap="flat">
+            <a:noFill/>
+            <a:miter lim="400000"/>
+          </a:ln>
+          <a:effectLst/>
+        </p:spPr>
+      </p:pic>
+      <p:sp>
+        <p:nvSpPr>
+          <p:cNvPr id="40" name="Shape 40"/>
+          <p:cNvSpPr/>
+          <p:nvPr/>
+        </p:nvSpPr>
+        <p:spPr>
+          <a:xfrm rot="5400000">
+            <a:off x="8749098" y="2432995"/>
+            <a:ext cx="116532" cy="91870"/>
+          </a:xfrm>
+          <a:prstGeom prst="leftRightArrow">
+            <a:avLst>
+              <a:gd name="adj1" fmla="val 56627"/>
+              <a:gd name="adj2" fmla="val 40274"/>
+            </a:avLst>
+          </a:prstGeom>
+          <a:solidFill>
+            <a:srgbClr val="70E1DC"/>
+          </a:solidFill>
+          <a:ln w="3175" cap="flat">
+            <a:solidFill>
+              <a:srgbClr val="000000"/>
+            </a:solidFill>
+            <a:prstDash val="solid"/>
+            <a:miter lim="400000"/>
+          </a:ln>
+          <a:effectLst/>
+        </p:spPr>
+        <p:txBody>
+          <a:bodyPr wrap="square" lIns="0" tIns="0" rIns="0" bIns="0" numCol="1" anchor="ctr">
+            <a:noAutofit/>
+          </a:bodyPr>
+          <a:lstStyle/>
+          <a:p>
+            <a:pPr lvl="0" algn="l" defTabSz="896111">
+              <a:defRPr>
+                <a:solidFill>
+                  <a:srgbClr val="FFFFFF"/>
+                </a:solidFill>
+                <a:latin typeface="Calibri"/>
+                <a:ea typeface="Calibri"/>
+                <a:cs typeface="Calibri"/>
+                <a:sym typeface="Calibri"/>
+              </a:defRPr>
+            </a:pPr>
+            <a:endParaRPr/>
+          </a:p>
+        </p:txBody>
+      </p:sp>
+      <p:sp>
+        <p:nvSpPr>
+          <p:cNvPr id="41" name="Shape 41"/>
+          <p:cNvSpPr/>
+          <p:nvPr/>
+        </p:nvSpPr>
+        <p:spPr>
+          <a:xfrm rot="5400000">
+            <a:off x="8749098" y="2555985"/>
+            <a:ext cx="116532" cy="91870"/>
+          </a:xfrm>
+          <a:prstGeom prst="leftRightArrow">
+            <a:avLst>
+              <a:gd name="adj1" fmla="val 56627"/>
+              <a:gd name="adj2" fmla="val 40274"/>
+            </a:avLst>
+          </a:prstGeom>
+          <a:solidFill>
+            <a:srgbClr val="70E1DC"/>
+          </a:solidFill>
+          <a:ln w="3175" cap="flat">
+            <a:solidFill>
+              <a:srgbClr val="000000"/>
+            </a:solidFill>
+            <a:prstDash val="solid"/>
+            <a:miter lim="400000"/>
+          </a:ln>
+          <a:effectLst/>
+        </p:spPr>
+        <p:txBody>
+          <a:bodyPr wrap="square" lIns="0" tIns="0" rIns="0" bIns="0" numCol="1" anchor="ctr">
+            <a:noAutofit/>
+          </a:bodyPr>
+          <a:lstStyle/>
+          <a:p>
+            <a:pPr lvl="0" algn="l" defTabSz="896111">
+              <a:defRPr>
+                <a:solidFill>
+                  <a:srgbClr val="FFFFFF"/>
+                </a:solidFill>
+                <a:latin typeface="Calibri"/>
+                <a:ea typeface="Calibri"/>
+                <a:cs typeface="Calibri"/>
+                <a:sym typeface="Calibri"/>
+              </a:defRPr>
+            </a:pPr>
+            <a:endParaRPr/>
+          </a:p>
+        </p:txBody>
+      </p:sp>
+      <p:grpSp>
+        <p:nvGrpSpPr>
+          <p:cNvPr id="44" name="Group 44"/>
+          <p:cNvGrpSpPr/>
+          <p:nvPr/>
+        </p:nvGrpSpPr>
+        <p:grpSpPr>
+          <a:xfrm>
+            <a:off x="8756865" y="1368590"/>
+            <a:ext cx="78954" cy="164789"/>
+            <a:chOff x="0" y="0"/>
+            <a:chExt cx="78952" cy="164787"/>
+          </a:xfrm>
+        </p:grpSpPr>
         <p:sp>
           <p:nvSpPr>
-            <p:cNvPr id="40" name="Shape 40"/>
+            <p:cNvPr id="42" name="Shape 42"/>
             <p:cNvSpPr/>
             <p:nvPr/>
           </p:nvSpPr>
           <p:spPr>
-            <a:xfrm rot="5400000">
-              <a:off x="8913622" y="2432995"/>
-              <a:ext cx="116532" cy="91870"/>
+            <a:xfrm rot="16200000" flipH="1">
+              <a:off x="-402" y="85433"/>
+              <a:ext cx="79758" cy="78954"/>
             </a:xfrm>
-            <a:prstGeom prst="leftRightArrow">
-              <a:avLst>
-                <a:gd name="adj1" fmla="val 56627"/>
-                <a:gd name="adj2" fmla="val 40274"/>
-              </a:avLst>
-            </a:prstGeom>
-            <a:solidFill>
-              <a:srgbClr val="70E1DC"/>
+            <a:custGeom>
+              <a:avLst/>
+              <a:gdLst/>
+              <a:ahLst/>
+              <a:cxnLst>
+                <a:cxn ang="0">
+                  <a:pos x="wd2" y="hd2"/>
+                </a:cxn>
+                <a:cxn ang="5400000">
+                  <a:pos x="wd2" y="hd2"/>
+                </a:cxn>
+                <a:cxn ang="10800000">
+                  <a:pos x="wd2" y="hd2"/>
+                </a:cxn>
+                <a:cxn ang="16200000">
+                  <a:pos x="wd2" y="hd2"/>
+                </a:cxn>
+              </a:cxnLst>
+              <a:rect l="0" t="0" r="r" b="b"/>
+              <a:pathLst>
+                <a:path w="21168" h="21227" extrusionOk="0">
+                  <a:moveTo>
+                    <a:pt x="0" y="51"/>
+                  </a:moveTo>
+                  <a:lnTo>
+                    <a:pt x="0" y="21227"/>
+                  </a:lnTo>
+                  <a:lnTo>
+                    <a:pt x="21085" y="21227"/>
+                  </a:lnTo>
+                  <a:cubicBezTo>
+                    <a:pt x="21600" y="15702"/>
+                    <a:pt x="19696" y="10224"/>
+                    <a:pt x="15852" y="6173"/>
+                  </a:cubicBezTo>
+                  <a:cubicBezTo>
+                    <a:pt x="11776" y="1877"/>
+                    <a:pt x="5950" y="-373"/>
+                    <a:pt x="0" y="51"/>
+                  </a:cubicBezTo>
+                  <a:close/>
+                </a:path>
+              </a:pathLst>
+            </a:custGeom>
+            <a:solidFill>
+              <a:srgbClr val="FFFFFF"/>
             </a:solidFill>
             <a:ln w="3175" cap="flat">
               <a:solidFill>
@@ -2018,44 +2180,75 @@
             <a:effectLst/>
           </p:spPr>
           <p:txBody>
-            <a:bodyPr wrap="square" lIns="0" tIns="0" rIns="0" bIns="0" numCol="1" anchor="ctr">
+            <a:bodyPr wrap="square" lIns="0" tIns="0" rIns="0" bIns="0" numCol="1" anchor="t">
               <a:noAutofit/>
             </a:bodyPr>
             <a:lstStyle/>
             <a:p>
-              <a:pPr lvl="0" algn="l" defTabSz="896111">
-                <a:defRPr>
-                  <a:solidFill>
-                    <a:srgbClr val="FFFFFF"/>
-                  </a:solidFill>
-                  <a:latin typeface="Calibri"/>
-                  <a:ea typeface="Calibri"/>
-                  <a:cs typeface="Calibri"/>
-                  <a:sym typeface="Calibri"/>
-                </a:defRPr>
+              <a:pPr lvl="0" algn="l" defTabSz="448055">
+                <a:defRPr sz="1100"/>
               </a:pPr>
+              <a:endParaRPr/>
             </a:p>
           </p:txBody>
         </p:sp>
         <p:sp>
           <p:nvSpPr>
-            <p:cNvPr id="41" name="Shape 41"/>
+            <p:cNvPr id="43" name="Shape 43"/>
             <p:cNvSpPr/>
             <p:nvPr/>
           </p:nvSpPr>
           <p:spPr>
-            <a:xfrm rot="5400000">
-              <a:off x="8913622" y="2555985"/>
-              <a:ext cx="116532" cy="91870"/>
+            <a:xfrm rot="5400000" flipH="1">
+              <a:off x="-401" y="401"/>
+              <a:ext cx="79756" cy="78953"/>
             </a:xfrm>
-            <a:prstGeom prst="leftRightArrow">
-              <a:avLst>
-                <a:gd name="adj1" fmla="val 56627"/>
-                <a:gd name="adj2" fmla="val 40274"/>
-              </a:avLst>
-            </a:prstGeom>
-            <a:solidFill>
-              <a:srgbClr val="70E1DC"/>
+            <a:custGeom>
+              <a:avLst/>
+              <a:gdLst/>
+              <a:ahLst/>
+              <a:cxnLst>
+                <a:cxn ang="0">
+                  <a:pos x="wd2" y="hd2"/>
+                </a:cxn>
+                <a:cxn ang="5400000">
+                  <a:pos x="wd2" y="hd2"/>
+                </a:cxn>
+                <a:cxn ang="10800000">
+                  <a:pos x="wd2" y="hd2"/>
+                </a:cxn>
+                <a:cxn ang="16200000">
+                  <a:pos x="wd2" y="hd2"/>
+                </a:cxn>
+              </a:cxnLst>
+              <a:rect l="0" t="0" r="r" b="b"/>
+              <a:pathLst>
+                <a:path w="21168" h="21227" extrusionOk="0">
+                  <a:moveTo>
+                    <a:pt x="0" y="51"/>
+                  </a:moveTo>
+                  <a:lnTo>
+                    <a:pt x="0" y="21227"/>
+                  </a:lnTo>
+                  <a:lnTo>
+                    <a:pt x="21085" y="21227"/>
+                  </a:lnTo>
+                  <a:cubicBezTo>
+                    <a:pt x="21600" y="15702"/>
+                    <a:pt x="19696" y="10224"/>
+                    <a:pt x="15852" y="6173"/>
+                  </a:cubicBezTo>
+                  <a:cubicBezTo>
+                    <a:pt x="11776" y="1877"/>
+                    <a:pt x="5950" y="-373"/>
+                    <a:pt x="0" y="51"/>
+                  </a:cubicBezTo>
+                  <a:close/>
+                </a:path>
+              </a:pathLst>
+            </a:custGeom>
+            <a:solidFill>
+              <a:srgbClr val="FFFFFF"/>
             </a:solidFill>
             <a:ln w="3175" cap="flat">
               <a:solidFill>
@@ -2067,217 +2260,190 @@
             <a:effectLst/>
           </p:spPr>
           <p:txBody>
-            <a:bodyPr wrap="square" lIns="0" tIns="0" rIns="0" bIns="0" numCol="1" anchor="ctr">
+            <a:bodyPr wrap="square" lIns="0" tIns="0" rIns="0" bIns="0" numCol="1" anchor="t">
               <a:noAutofit/>
             </a:bodyPr>
             <a:lstStyle/>
             <a:p>
-              <a:pPr lvl="0" algn="l" defTabSz="896111">
-                <a:defRPr>
-                  <a:solidFill>
-                    <a:srgbClr val="FFFFFF"/>
-                  </a:solidFill>
-                  <a:latin typeface="Calibri"/>
-                  <a:ea typeface="Calibri"/>
-                  <a:cs typeface="Calibri"/>
-                  <a:sym typeface="Calibri"/>
-                </a:defRPr>
+              <a:pPr lvl="0" algn="l" defTabSz="448055">
+                <a:defRPr sz="1100"/>
               </a:pPr>
+              <a:endParaRPr/>
             </a:p>
           </p:txBody>
         </p:sp>
-        <p:grpSp>
-          <p:nvGrpSpPr>
-            <p:cNvPr id="44" name="Group 44"/>
-            <p:cNvGrpSpPr/>
-            <p:nvPr/>
-          </p:nvGrpSpPr>
-          <p:grpSpPr>
-            <a:xfrm>
-              <a:off x="8921389" y="1368590"/>
-              <a:ext cx="78954" cy="164789"/>
-              <a:chOff x="0" y="0"/>
-              <a:chExt cx="78952" cy="164787"/>
-            </a:xfrm>
-          </p:grpSpPr>
-          <p:sp>
-            <p:nvSpPr>
-              <p:cNvPr id="42" name="Shape 42"/>
-              <p:cNvSpPr/>
-              <p:nvPr/>
-            </p:nvSpPr>
-            <p:spPr>
-              <a:xfrm flipH="1" rot="16200000">
-                <a:off x="-402" y="85433"/>
-                <a:ext cx="79758" cy="78954"/>
-              </a:xfrm>
-              <a:custGeom>
-                <a:avLst/>
-                <a:gdLst/>
-                <a:ahLst/>
-                <a:cxnLst>
-                  <a:cxn ang="0">
-                    <a:pos x="wd2" y="hd2"/>
-                  </a:cxn>
-                  <a:cxn ang="5400000">
-                    <a:pos x="wd2" y="hd2"/>
-                  </a:cxn>
-                  <a:cxn ang="10800000">
-                    <a:pos x="wd2" y="hd2"/>
-                  </a:cxn>
-                  <a:cxn ang="16200000">
-                    <a:pos x="wd2" y="hd2"/>
-                  </a:cxn>
-                </a:cxnLst>
-                <a:rect l="0" t="0" r="r" b="b"/>
-                <a:pathLst>
-                  <a:path w="21168" h="21227" fill="norm" stroke="1" extrusionOk="0">
-                    <a:moveTo>
-                      <a:pt x="0" y="51"/>
-                    </a:moveTo>
-                    <a:lnTo>
-                      <a:pt x="0" y="21227"/>
-                    </a:lnTo>
-                    <a:lnTo>
-                      <a:pt x="21085" y="21227"/>
-                    </a:lnTo>
-                    <a:cubicBezTo>
-                      <a:pt x="21600" y="15702"/>
-                      <a:pt x="19696" y="10224"/>
-                      <a:pt x="15852" y="6173"/>
-                    </a:cubicBezTo>
-                    <a:cubicBezTo>
-                      <a:pt x="11776" y="1877"/>
-                      <a:pt x="5950" y="-373"/>
-                      <a:pt x="0" y="51"/>
-                    </a:cubicBezTo>
-                    <a:close/>
-                  </a:path>
-                </a:pathLst>
-              </a:custGeom>
-              <a:solidFill>
-                <a:srgbClr val="FFFFFF"/>
-              </a:solidFill>
-              <a:ln w="3175" cap="flat">
+      </p:grpSp>
+      <p:sp>
+        <p:nvSpPr>
+          <p:cNvPr id="45" name="Shape 45"/>
+          <p:cNvSpPr/>
+          <p:nvPr/>
+        </p:nvSpPr>
+        <p:spPr>
+          <a:xfrm rot="5400000">
+            <a:off x="8744509" y="1977265"/>
+            <a:ext cx="116532" cy="91870"/>
+          </a:xfrm>
+          <a:prstGeom prst="leftRightArrow">
+            <a:avLst>
+              <a:gd name="adj1" fmla="val 56627"/>
+              <a:gd name="adj2" fmla="val 40274"/>
+            </a:avLst>
+          </a:prstGeom>
+          <a:solidFill>
+            <a:srgbClr val="70E1DC"/>
+          </a:solidFill>
+          <a:ln w="3175" cap="flat">
+            <a:solidFill>
+              <a:srgbClr val="000000"/>
+            </a:solidFill>
+            <a:prstDash val="solid"/>
+            <a:miter lim="400000"/>
+          </a:ln>
+          <a:effectLst/>
+        </p:spPr>
+        <p:txBody>
+          <a:bodyPr wrap="square" lIns="0" tIns="0" rIns="0" bIns="0" numCol="1" anchor="ctr">
+            <a:noAutofit/>
+          </a:bodyPr>
+          <a:lstStyle/>
+          <a:p>
+            <a:pPr lvl="0" algn="l" defTabSz="896111">
+              <a:defRPr>
                 <a:solidFill>
-                  <a:srgbClr val="000000"/>
+                  <a:srgbClr val="FFFFFF"/>
                 </a:solidFill>
-                <a:prstDash val="solid"/>
-                <a:miter lim="400000"/>
-              </a:ln>
-              <a:effectLst/>
-            </p:spPr>
-            <p:txBody>
-              <a:bodyPr wrap="square" lIns="0" tIns="0" rIns="0" bIns="0" numCol="1" anchor="t">
-                <a:noAutofit/>
-              </a:bodyPr>
-              <a:lstStyle/>
-              <a:p>
-                <a:pPr lvl="0" algn="l" defTabSz="448055">
-                  <a:defRPr sz="1100"/>
-                </a:pPr>
-              </a:p>
-            </p:txBody>
-          </p:sp>
-          <p:sp>
-            <p:nvSpPr>
-              <p:cNvPr id="43" name="Shape 43"/>
-              <p:cNvSpPr/>
-              <p:nvPr/>
-            </p:nvSpPr>
-            <p:spPr>
-              <a:xfrm flipH="1" rot="5400000">
-                <a:off x="-401" y="401"/>
-                <a:ext cx="79756" cy="78953"/>
-              </a:xfrm>
-              <a:custGeom>
-                <a:avLst/>
-                <a:gdLst/>
-                <a:ahLst/>
-                <a:cxnLst>
-                  <a:cxn ang="0">
-                    <a:pos x="wd2" y="hd2"/>
-                  </a:cxn>
-                  <a:cxn ang="5400000">
-                    <a:pos x="wd2" y="hd2"/>
-                  </a:cxn>
-                  <a:cxn ang="10800000">
-                    <a:pos x="wd2" y="hd2"/>
-                  </a:cxn>
-                  <a:cxn ang="16200000">
-                    <a:pos x="wd2" y="hd2"/>
-                  </a:cxn>
-                </a:cxnLst>
-                <a:rect l="0" t="0" r="r" b="b"/>
-                <a:pathLst>
-                  <a:path w="21168" h="21227" fill="norm" stroke="1" extrusionOk="0">
-                    <a:moveTo>
-                      <a:pt x="0" y="51"/>
-                    </a:moveTo>
-                    <a:lnTo>
-                      <a:pt x="0" y="21227"/>
-                    </a:lnTo>
-                    <a:lnTo>
-                      <a:pt x="21085" y="21227"/>
-                    </a:lnTo>
-                    <a:cubicBezTo>
-                      <a:pt x="21600" y="15702"/>
-                      <a:pt x="19696" y="10224"/>
-                      <a:pt x="15852" y="6173"/>
-                    </a:cubicBezTo>
-                    <a:cubicBezTo>
-                      <a:pt x="11776" y="1877"/>
-                      <a:pt x="5950" y="-373"/>
-                      <a:pt x="0" y="51"/>
-                    </a:cubicBezTo>
-                    <a:close/>
-                  </a:path>
-                </a:pathLst>
-              </a:custGeom>
-              <a:solidFill>
-                <a:srgbClr val="FFFFFF"/>
-              </a:solidFill>
-              <a:ln w="3175" cap="flat">
+                <a:latin typeface="Calibri"/>
+                <a:ea typeface="Calibri"/>
+                <a:cs typeface="Calibri"/>
+                <a:sym typeface="Calibri"/>
+              </a:defRPr>
+            </a:pPr>
+            <a:endParaRPr/>
+          </a:p>
+        </p:txBody>
+      </p:sp>
+      <p:sp>
+        <p:nvSpPr>
+          <p:cNvPr id="46" name="Shape 46"/>
+          <p:cNvSpPr/>
+          <p:nvPr/>
+        </p:nvSpPr>
+        <p:spPr>
+          <a:xfrm rot="5400000">
+            <a:off x="8749098" y="1640334"/>
+            <a:ext cx="116532" cy="91871"/>
+          </a:xfrm>
+          <a:prstGeom prst="leftRightArrow">
+            <a:avLst>
+              <a:gd name="adj1" fmla="val 56627"/>
+              <a:gd name="adj2" fmla="val 40274"/>
+            </a:avLst>
+          </a:prstGeom>
+          <a:solidFill>
+            <a:srgbClr val="70E1DC"/>
+          </a:solidFill>
+          <a:ln w="3175" cap="flat">
+            <a:solidFill>
+              <a:srgbClr val="000000"/>
+            </a:solidFill>
+            <a:prstDash val="solid"/>
+            <a:miter lim="400000"/>
+          </a:ln>
+          <a:effectLst/>
+        </p:spPr>
+        <p:txBody>
+          <a:bodyPr wrap="square" lIns="0" tIns="0" rIns="0" bIns="0" numCol="1" anchor="ctr">
+            <a:noAutofit/>
+          </a:bodyPr>
+          <a:lstStyle/>
+          <a:p>
+            <a:pPr lvl="0" algn="l" defTabSz="896111">
+              <a:defRPr>
                 <a:solidFill>
-                  <a:srgbClr val="000000"/>
+                  <a:srgbClr val="FFFFFF"/>
                 </a:solidFill>
-                <a:prstDash val="solid"/>
-                <a:miter lim="400000"/>
-              </a:ln>
-              <a:effectLst/>
-            </p:spPr>
-            <p:txBody>
-              <a:bodyPr wrap="square" lIns="0" tIns="0" rIns="0" bIns="0" numCol="1" anchor="t">
-                <a:noAutofit/>
-              </a:bodyPr>
-              <a:lstStyle/>
-              <a:p>
-                <a:pPr lvl="0" algn="l" defTabSz="448055">
-                  <a:defRPr sz="1100"/>
-                </a:pPr>
-              </a:p>
-            </p:txBody>
-          </p:sp>
-        </p:grpSp>
+                <a:latin typeface="Calibri"/>
+                <a:ea typeface="Calibri"/>
+                <a:cs typeface="Calibri"/>
+                <a:sym typeface="Calibri"/>
+              </a:defRPr>
+            </a:pPr>
+            <a:endParaRPr/>
+          </a:p>
+        </p:txBody>
+      </p:sp>
+      <p:grpSp>
+        <p:nvGrpSpPr>
+          <p:cNvPr id="49" name="Group 49"/>
+          <p:cNvGrpSpPr/>
+          <p:nvPr/>
+        </p:nvGrpSpPr>
+        <p:grpSpPr>
+          <a:xfrm>
+            <a:off x="8756865" y="3038738"/>
+            <a:ext cx="78954" cy="164787"/>
+            <a:chOff x="0" y="0"/>
+            <a:chExt cx="78952" cy="164785"/>
+          </a:xfrm>
+        </p:grpSpPr>
         <p:sp>
           <p:nvSpPr>
-            <p:cNvPr id="45" name="Shape 45"/>
+            <p:cNvPr id="47" name="Shape 47"/>
             <p:cNvSpPr/>
             <p:nvPr/>
           </p:nvSpPr>
           <p:spPr>
-            <a:xfrm rot="5400000">
-              <a:off x="8909033" y="1977265"/>
-              <a:ext cx="116532" cy="91870"/>
+            <a:xfrm rot="16200000" flipH="1">
+              <a:off x="-401" y="85432"/>
+              <a:ext cx="79756" cy="78954"/>
             </a:xfrm>
-            <a:prstGeom prst="leftRightArrow">
-              <a:avLst>
-                <a:gd name="adj1" fmla="val 56627"/>
-                <a:gd name="adj2" fmla="val 40274"/>
-              </a:avLst>
-            </a:prstGeom>
-            <a:solidFill>
-              <a:srgbClr val="70E1DC"/>
+            <a:custGeom>
+              <a:avLst/>
+              <a:gdLst/>
+              <a:ahLst/>
+              <a:cxnLst>
+                <a:cxn ang="0">
+                  <a:pos x="wd2" y="hd2"/>
+                </a:cxn>
+                <a:cxn ang="5400000">
+                  <a:pos x="wd2" y="hd2"/>
+                </a:cxn>
+                <a:cxn ang="10800000">
+                  <a:pos x="wd2" y="hd2"/>
+                </a:cxn>
+                <a:cxn ang="16200000">
+                  <a:pos x="wd2" y="hd2"/>
+                </a:cxn>
+              </a:cxnLst>
+              <a:rect l="0" t="0" r="r" b="b"/>
+              <a:pathLst>
+                <a:path w="21168" h="21227" extrusionOk="0">
+                  <a:moveTo>
+                    <a:pt x="0" y="51"/>
+                  </a:moveTo>
+                  <a:lnTo>
+                    <a:pt x="0" y="21227"/>
+                  </a:lnTo>
+                  <a:lnTo>
+                    <a:pt x="21085" y="21227"/>
+                  </a:lnTo>
+                  <a:cubicBezTo>
+                    <a:pt x="21600" y="15702"/>
+                    <a:pt x="19696" y="10224"/>
+                    <a:pt x="15852" y="6173"/>
+                  </a:cubicBezTo>
+                  <a:cubicBezTo>
+                    <a:pt x="11776" y="1877"/>
+                    <a:pt x="5950" y="-373"/>
+                    <a:pt x="0" y="51"/>
+                  </a:cubicBezTo>
+                  <a:close/>
+                </a:path>
+              </a:pathLst>
+            </a:custGeom>
+            <a:solidFill>
+              <a:srgbClr val="FFFFFF"/>
             </a:solidFill>
             <a:ln w="3175" cap="flat">
               <a:solidFill>
@@ -2289,44 +2455,75 @@
             <a:effectLst/>
           </p:spPr>
           <p:txBody>
-            <a:bodyPr wrap="square" lIns="0" tIns="0" rIns="0" bIns="0" numCol="1" anchor="ctr">
+            <a:bodyPr wrap="square" lIns="0" tIns="0" rIns="0" bIns="0" numCol="1" anchor="t">
               <a:noAutofit/>
             </a:bodyPr>
             <a:lstStyle/>
             <a:p>
-              <a:pPr lvl="0" algn="l" defTabSz="896111">
-                <a:defRPr>
-                  <a:solidFill>
-                    <a:srgbClr val="FFFFFF"/>
-                  </a:solidFill>
-                  <a:latin typeface="Calibri"/>
-                  <a:ea typeface="Calibri"/>
-                  <a:cs typeface="Calibri"/>
-                  <a:sym typeface="Calibri"/>
-                </a:defRPr>
+              <a:pPr lvl="0" algn="l" defTabSz="448055">
+                <a:defRPr sz="1100"/>
               </a:pPr>
+              <a:endParaRPr/>
             </a:p>
           </p:txBody>
         </p:sp>
         <p:sp>
           <p:nvSpPr>
-            <p:cNvPr id="46" name="Shape 46"/>
+            <p:cNvPr id="48" name="Shape 48"/>
             <p:cNvSpPr/>
             <p:nvPr/>
           </p:nvSpPr>
           <p:spPr>
-            <a:xfrm rot="5400000">
-              <a:off x="8913622" y="1640334"/>
-              <a:ext cx="116532" cy="91871"/>
+            <a:xfrm rot="5400000" flipH="1">
+              <a:off x="-401" y="401"/>
+              <a:ext cx="79756" cy="78953"/>
             </a:xfrm>
-            <a:prstGeom prst="leftRightArrow">
-              <a:avLst>
-                <a:gd name="adj1" fmla="val 56627"/>
-                <a:gd name="adj2" fmla="val 40274"/>
-              </a:avLst>
-            </a:prstGeom>
-            <a:solidFill>
-              <a:srgbClr val="70E1DC"/>
+            <a:custGeom>
+              <a:avLst/>
+              <a:gdLst/>
+              <a:ahLst/>
+              <a:cxnLst>
+                <a:cxn ang="0">
+                  <a:pos x="wd2" y="hd2"/>
+                </a:cxn>
+                <a:cxn ang="5400000">
+                  <a:pos x="wd2" y="hd2"/>
+                </a:cxn>
+                <a:cxn ang="10800000">
+                  <a:pos x="wd2" y="hd2"/>
+                </a:cxn>
+                <a:cxn ang="16200000">
+                  <a:pos x="wd2" y="hd2"/>
+                </a:cxn>
+              </a:cxnLst>
+              <a:rect l="0" t="0" r="r" b="b"/>
+              <a:pathLst>
+                <a:path w="21168" h="21227" extrusionOk="0">
+                  <a:moveTo>
+                    <a:pt x="0" y="51"/>
+                  </a:moveTo>
+                  <a:lnTo>
+                    <a:pt x="0" y="21227"/>
+                  </a:lnTo>
+                  <a:lnTo>
+                    <a:pt x="21085" y="21227"/>
+                  </a:lnTo>
+                  <a:cubicBezTo>
+                    <a:pt x="21600" y="15702"/>
+                    <a:pt x="19696" y="10224"/>
+                    <a:pt x="15852" y="6173"/>
+                  </a:cubicBezTo>
+                  <a:cubicBezTo>
+                    <a:pt x="11776" y="1877"/>
+                    <a:pt x="5950" y="-373"/>
+                    <a:pt x="0" y="51"/>
+                  </a:cubicBezTo>
+                  <a:close/>
+                </a:path>
+              </a:pathLst>
+            </a:custGeom>
+            <a:solidFill>
+              <a:srgbClr val="FFFFFF"/>
             </a:solidFill>
             <a:ln w="3175" cap="flat">
               <a:solidFill>
@@ -2338,1427 +2535,88 @@
             <a:effectLst/>
           </p:spPr>
           <p:txBody>
-            <a:bodyPr wrap="square" lIns="0" tIns="0" rIns="0" bIns="0" numCol="1" anchor="ctr">
+            <a:bodyPr wrap="square" lIns="0" tIns="0" rIns="0" bIns="0" numCol="1" anchor="t">
               <a:noAutofit/>
             </a:bodyPr>
             <a:lstStyle/>
             <a:p>
-              <a:pPr lvl="0" algn="l" defTabSz="896111">
-                <a:defRPr>
-                  <a:solidFill>
-                    <a:srgbClr val="FFFFFF"/>
-                  </a:solidFill>
-                  <a:latin typeface="Calibri"/>
-                  <a:ea typeface="Calibri"/>
-                  <a:cs typeface="Calibri"/>
-                  <a:sym typeface="Calibri"/>
-                </a:defRPr>
+              <a:pPr lvl="0" algn="l" defTabSz="448055">
+                <a:defRPr sz="1100"/>
               </a:pPr>
+              <a:endParaRPr/>
             </a:p>
           </p:txBody>
         </p:sp>
-        <p:grpSp>
-          <p:nvGrpSpPr>
-            <p:cNvPr id="49" name="Group 49"/>
-            <p:cNvGrpSpPr/>
-            <p:nvPr/>
-          </p:nvGrpSpPr>
-          <p:grpSpPr>
-            <a:xfrm>
-              <a:off x="8921389" y="3038738"/>
-              <a:ext cx="78954" cy="164787"/>
-              <a:chOff x="0" y="0"/>
-              <a:chExt cx="78952" cy="164785"/>
-            </a:xfrm>
-          </p:grpSpPr>
-          <p:sp>
-            <p:nvSpPr>
-              <p:cNvPr id="47" name="Shape 47"/>
-              <p:cNvSpPr/>
-              <p:nvPr/>
-            </p:nvSpPr>
-            <p:spPr>
-              <a:xfrm flipH="1" rot="16200000">
-                <a:off x="-401" y="85432"/>
-                <a:ext cx="79756" cy="78954"/>
-              </a:xfrm>
-              <a:custGeom>
-                <a:avLst/>
-                <a:gdLst/>
-                <a:ahLst/>
-                <a:cxnLst>
-                  <a:cxn ang="0">
-                    <a:pos x="wd2" y="hd2"/>
-                  </a:cxn>
-                  <a:cxn ang="5400000">
-                    <a:pos x="wd2" y="hd2"/>
-                  </a:cxn>
-                  <a:cxn ang="10800000">
-                    <a:pos x="wd2" y="hd2"/>
-                  </a:cxn>
-                  <a:cxn ang="16200000">
-                    <a:pos x="wd2" y="hd2"/>
-                  </a:cxn>
-                </a:cxnLst>
-                <a:rect l="0" t="0" r="r" b="b"/>
-                <a:pathLst>
-                  <a:path w="21168" h="21227" fill="norm" stroke="1" extrusionOk="0">
-                    <a:moveTo>
-                      <a:pt x="0" y="51"/>
-                    </a:moveTo>
-                    <a:lnTo>
-                      <a:pt x="0" y="21227"/>
-                    </a:lnTo>
-                    <a:lnTo>
-                      <a:pt x="21085" y="21227"/>
-                    </a:lnTo>
-                    <a:cubicBezTo>
-                      <a:pt x="21600" y="15702"/>
-                      <a:pt x="19696" y="10224"/>
-                      <a:pt x="15852" y="6173"/>
-                    </a:cubicBezTo>
-                    <a:cubicBezTo>
-                      <a:pt x="11776" y="1877"/>
-                      <a:pt x="5950" y="-373"/>
-                      <a:pt x="0" y="51"/>
-                    </a:cubicBezTo>
-                    <a:close/>
-                  </a:path>
-                </a:pathLst>
-              </a:custGeom>
-              <a:solidFill>
-                <a:srgbClr val="FFFFFF"/>
-              </a:solidFill>
-              <a:ln w="3175" cap="flat">
-                <a:solidFill>
-                  <a:srgbClr val="000000"/>
-                </a:solidFill>
-                <a:prstDash val="solid"/>
-                <a:miter lim="400000"/>
-              </a:ln>
-              <a:effectLst/>
-            </p:spPr>
-            <p:txBody>
-              <a:bodyPr wrap="square" lIns="0" tIns="0" rIns="0" bIns="0" numCol="1" anchor="t">
-                <a:noAutofit/>
-              </a:bodyPr>
-              <a:lstStyle/>
-              <a:p>
-                <a:pPr lvl="0" algn="l" defTabSz="448055">
-                  <a:defRPr sz="1100"/>
-                </a:pPr>
-              </a:p>
-            </p:txBody>
-          </p:sp>
-          <p:sp>
-            <p:nvSpPr>
-              <p:cNvPr id="48" name="Shape 48"/>
-              <p:cNvSpPr/>
-              <p:nvPr/>
-            </p:nvSpPr>
-            <p:spPr>
-              <a:xfrm flipH="1" rot="5400000">
-                <a:off x="-401" y="401"/>
-                <a:ext cx="79756" cy="78953"/>
-              </a:xfrm>
-              <a:custGeom>
-                <a:avLst/>
-                <a:gdLst/>
-                <a:ahLst/>
-                <a:cxnLst>
-                  <a:cxn ang="0">
-                    <a:pos x="wd2" y="hd2"/>
-                  </a:cxn>
-                  <a:cxn ang="5400000">
-                    <a:pos x="wd2" y="hd2"/>
-                  </a:cxn>
-                  <a:cxn ang="10800000">
-                    <a:pos x="wd2" y="hd2"/>
-                  </a:cxn>
-                  <a:cxn ang="16200000">
-                    <a:pos x="wd2" y="hd2"/>
-                  </a:cxn>
-                </a:cxnLst>
-                <a:rect l="0" t="0" r="r" b="b"/>
-                <a:pathLst>
-                  <a:path w="21168" h="21227" fill="norm" stroke="1" extrusionOk="0">
-                    <a:moveTo>
-                      <a:pt x="0" y="51"/>
-                    </a:moveTo>
-                    <a:lnTo>
-                      <a:pt x="0" y="21227"/>
-                    </a:lnTo>
-                    <a:lnTo>
-                      <a:pt x="21085" y="21227"/>
-                    </a:lnTo>
-                    <a:cubicBezTo>
-                      <a:pt x="21600" y="15702"/>
-                      <a:pt x="19696" y="10224"/>
-                      <a:pt x="15852" y="6173"/>
-                    </a:cubicBezTo>
-                    <a:cubicBezTo>
-                      <a:pt x="11776" y="1877"/>
-                      <a:pt x="5950" y="-373"/>
-                      <a:pt x="0" y="51"/>
-                    </a:cubicBezTo>
-                    <a:close/>
-                  </a:path>
-                </a:pathLst>
-              </a:custGeom>
-              <a:solidFill>
-                <a:srgbClr val="FFFFFF"/>
-              </a:solidFill>
-              <a:ln w="3175" cap="flat">
-                <a:solidFill>
-                  <a:srgbClr val="000000"/>
-                </a:solidFill>
-                <a:prstDash val="solid"/>
-                <a:miter lim="400000"/>
-              </a:ln>
-              <a:effectLst/>
-            </p:spPr>
-            <p:txBody>
-              <a:bodyPr wrap="square" lIns="0" tIns="0" rIns="0" bIns="0" numCol="1" anchor="t">
-                <a:noAutofit/>
-              </a:bodyPr>
-              <a:lstStyle/>
-              <a:p>
-                <a:pPr lvl="0" algn="l" defTabSz="448055">
-                  <a:defRPr sz="1100"/>
-                </a:pPr>
-              </a:p>
-            </p:txBody>
-          </p:sp>
-        </p:grpSp>
-        <p:grpSp>
-          <p:nvGrpSpPr>
-            <p:cNvPr id="52" name="Group 52"/>
-            <p:cNvGrpSpPr/>
-            <p:nvPr/>
-          </p:nvGrpSpPr>
-          <p:grpSpPr>
-            <a:xfrm>
-              <a:off x="8742945" y="2783487"/>
-              <a:ext cx="164788" cy="78955"/>
-              <a:chOff x="0" y="0"/>
-              <a:chExt cx="164786" cy="78953"/>
-            </a:xfrm>
-          </p:grpSpPr>
-          <p:sp>
-            <p:nvSpPr>
-              <p:cNvPr id="50" name="Shape 50"/>
-              <p:cNvSpPr/>
-              <p:nvPr/>
-            </p:nvSpPr>
-            <p:spPr>
-              <a:xfrm flipH="1">
-                <a:off x="-1" y="0"/>
-                <a:ext cx="79757" cy="78955"/>
-              </a:xfrm>
-              <a:custGeom>
-                <a:avLst/>
-                <a:gdLst/>
-                <a:ahLst/>
-                <a:cxnLst>
-                  <a:cxn ang="0">
-                    <a:pos x="wd2" y="hd2"/>
-                  </a:cxn>
-                  <a:cxn ang="5400000">
-                    <a:pos x="wd2" y="hd2"/>
-                  </a:cxn>
-                  <a:cxn ang="10800000">
-                    <a:pos x="wd2" y="hd2"/>
-                  </a:cxn>
-                  <a:cxn ang="16200000">
-                    <a:pos x="wd2" y="hd2"/>
-                  </a:cxn>
-                </a:cxnLst>
-                <a:rect l="0" t="0" r="r" b="b"/>
-                <a:pathLst>
-                  <a:path w="21168" h="21227" fill="norm" stroke="1" extrusionOk="0">
-                    <a:moveTo>
-                      <a:pt x="0" y="51"/>
-                    </a:moveTo>
-                    <a:lnTo>
-                      <a:pt x="0" y="21227"/>
-                    </a:lnTo>
-                    <a:lnTo>
-                      <a:pt x="21085" y="21227"/>
-                    </a:lnTo>
-                    <a:cubicBezTo>
-                      <a:pt x="21600" y="15702"/>
-                      <a:pt x="19696" y="10224"/>
-                      <a:pt x="15852" y="6173"/>
-                    </a:cubicBezTo>
-                    <a:cubicBezTo>
-                      <a:pt x="11776" y="1877"/>
-                      <a:pt x="5950" y="-373"/>
-                      <a:pt x="0" y="51"/>
-                    </a:cubicBezTo>
-                    <a:close/>
-                  </a:path>
-                </a:pathLst>
-              </a:custGeom>
-              <a:solidFill>
-                <a:srgbClr val="FFFFFF"/>
-              </a:solidFill>
-              <a:ln w="3175" cap="flat">
-                <a:solidFill>
-                  <a:srgbClr val="000000"/>
-                </a:solidFill>
-                <a:prstDash val="solid"/>
-                <a:miter lim="400000"/>
-              </a:ln>
-              <a:effectLst/>
-            </p:spPr>
-            <p:txBody>
-              <a:bodyPr wrap="square" lIns="0" tIns="0" rIns="0" bIns="0" numCol="1" anchor="t">
-                <a:noAutofit/>
-              </a:bodyPr>
-              <a:lstStyle/>
-              <a:p>
-                <a:pPr lvl="0" algn="l" defTabSz="448055">
-                  <a:defRPr sz="1100"/>
-                </a:pPr>
-              </a:p>
-            </p:txBody>
-          </p:sp>
-          <p:sp>
-            <p:nvSpPr>
-              <p:cNvPr id="51" name="Shape 51"/>
-              <p:cNvSpPr/>
-              <p:nvPr/>
-            </p:nvSpPr>
-            <p:spPr>
-              <a:xfrm flipH="1" rot="10800000">
-                <a:off x="85032" y="1"/>
-                <a:ext cx="79755" cy="78954"/>
-              </a:xfrm>
-              <a:custGeom>
-                <a:avLst/>
-                <a:gdLst/>
-                <a:ahLst/>
-                <a:cxnLst>
-                  <a:cxn ang="0">
-                    <a:pos x="wd2" y="hd2"/>
-                  </a:cxn>
-                  <a:cxn ang="5400000">
-                    <a:pos x="wd2" y="hd2"/>
-                  </a:cxn>
-                  <a:cxn ang="10800000">
-                    <a:pos x="wd2" y="hd2"/>
-                  </a:cxn>
-                  <a:cxn ang="16200000">
-                    <a:pos x="wd2" y="hd2"/>
-                  </a:cxn>
-                </a:cxnLst>
-                <a:rect l="0" t="0" r="r" b="b"/>
-                <a:pathLst>
-                  <a:path w="21168" h="21227" fill="norm" stroke="1" extrusionOk="0">
-                    <a:moveTo>
-                      <a:pt x="0" y="51"/>
-                    </a:moveTo>
-                    <a:lnTo>
-                      <a:pt x="0" y="21227"/>
-                    </a:lnTo>
-                    <a:lnTo>
-                      <a:pt x="21085" y="21227"/>
-                    </a:lnTo>
-                    <a:cubicBezTo>
-                      <a:pt x="21600" y="15702"/>
-                      <a:pt x="19696" y="10224"/>
-                      <a:pt x="15852" y="6173"/>
-                    </a:cubicBezTo>
-                    <a:cubicBezTo>
-                      <a:pt x="11776" y="1877"/>
-                      <a:pt x="5950" y="-373"/>
-                      <a:pt x="0" y="51"/>
-                    </a:cubicBezTo>
-                    <a:close/>
-                  </a:path>
-                </a:pathLst>
-              </a:custGeom>
-              <a:solidFill>
-                <a:srgbClr val="FFFFFF"/>
-              </a:solidFill>
-              <a:ln w="3175" cap="flat">
-                <a:solidFill>
-                  <a:srgbClr val="000000"/>
-                </a:solidFill>
-                <a:prstDash val="solid"/>
-                <a:miter lim="400000"/>
-              </a:ln>
-              <a:effectLst/>
-            </p:spPr>
-            <p:txBody>
-              <a:bodyPr wrap="square" lIns="0" tIns="0" rIns="0" bIns="0" numCol="1" anchor="t">
-                <a:noAutofit/>
-              </a:bodyPr>
-              <a:lstStyle/>
-              <a:p>
-                <a:pPr lvl="0" algn="l" defTabSz="448055">
-                  <a:defRPr sz="1100"/>
-                </a:pPr>
-              </a:p>
-            </p:txBody>
-          </p:sp>
-        </p:grpSp>
-        <p:grpSp>
-          <p:nvGrpSpPr>
-            <p:cNvPr id="55" name="Group 55"/>
-            <p:cNvGrpSpPr/>
-            <p:nvPr/>
-          </p:nvGrpSpPr>
-          <p:grpSpPr>
-            <a:xfrm>
-              <a:off x="8544090" y="3938593"/>
-              <a:ext cx="78954" cy="164787"/>
-              <a:chOff x="0" y="0"/>
-              <a:chExt cx="78952" cy="164785"/>
-            </a:xfrm>
-          </p:grpSpPr>
-          <p:sp>
-            <p:nvSpPr>
-              <p:cNvPr id="53" name="Shape 53"/>
-              <p:cNvSpPr/>
-              <p:nvPr/>
-            </p:nvSpPr>
-            <p:spPr>
-              <a:xfrm flipH="1" rot="16200000">
-                <a:off x="-401" y="85432"/>
-                <a:ext cx="79756" cy="78954"/>
-              </a:xfrm>
-              <a:custGeom>
-                <a:avLst/>
-                <a:gdLst/>
-                <a:ahLst/>
-                <a:cxnLst>
-                  <a:cxn ang="0">
-                    <a:pos x="wd2" y="hd2"/>
-                  </a:cxn>
-                  <a:cxn ang="5400000">
-                    <a:pos x="wd2" y="hd2"/>
-                  </a:cxn>
-                  <a:cxn ang="10800000">
-                    <a:pos x="wd2" y="hd2"/>
-                  </a:cxn>
-                  <a:cxn ang="16200000">
-                    <a:pos x="wd2" y="hd2"/>
-                  </a:cxn>
-                </a:cxnLst>
-                <a:rect l="0" t="0" r="r" b="b"/>
-                <a:pathLst>
-                  <a:path w="21168" h="21227" fill="norm" stroke="1" extrusionOk="0">
-                    <a:moveTo>
-                      <a:pt x="0" y="51"/>
-                    </a:moveTo>
-                    <a:lnTo>
-                      <a:pt x="0" y="21227"/>
-                    </a:lnTo>
-                    <a:lnTo>
-                      <a:pt x="21085" y="21227"/>
-                    </a:lnTo>
-                    <a:cubicBezTo>
-                      <a:pt x="21600" y="15702"/>
-                      <a:pt x="19696" y="10224"/>
-                      <a:pt x="15852" y="6173"/>
-                    </a:cubicBezTo>
-                    <a:cubicBezTo>
-                      <a:pt x="11776" y="1877"/>
-                      <a:pt x="5950" y="-373"/>
-                      <a:pt x="0" y="51"/>
-                    </a:cubicBezTo>
-                    <a:close/>
-                  </a:path>
-                </a:pathLst>
-              </a:custGeom>
-              <a:solidFill>
-                <a:srgbClr val="FFFFFF"/>
-              </a:solidFill>
-              <a:ln w="3175" cap="flat">
-                <a:solidFill>
-                  <a:srgbClr val="000000"/>
-                </a:solidFill>
-                <a:prstDash val="solid"/>
-                <a:miter lim="400000"/>
-              </a:ln>
-              <a:effectLst/>
-            </p:spPr>
-            <p:txBody>
-              <a:bodyPr wrap="square" lIns="0" tIns="0" rIns="0" bIns="0" numCol="1" anchor="t">
-                <a:noAutofit/>
-              </a:bodyPr>
-              <a:lstStyle/>
-              <a:p>
-                <a:pPr lvl="0" algn="l" defTabSz="448055">
-                  <a:defRPr sz="1100"/>
-                </a:pPr>
-              </a:p>
-            </p:txBody>
-          </p:sp>
-          <p:sp>
-            <p:nvSpPr>
-              <p:cNvPr id="54" name="Shape 54"/>
-              <p:cNvSpPr/>
-              <p:nvPr/>
-            </p:nvSpPr>
-            <p:spPr>
-              <a:xfrm flipH="1" rot="5400000">
-                <a:off x="-401" y="401"/>
-                <a:ext cx="79756" cy="78953"/>
-              </a:xfrm>
-              <a:custGeom>
-                <a:avLst/>
-                <a:gdLst/>
-                <a:ahLst/>
-                <a:cxnLst>
-                  <a:cxn ang="0">
-                    <a:pos x="wd2" y="hd2"/>
-                  </a:cxn>
-                  <a:cxn ang="5400000">
-                    <a:pos x="wd2" y="hd2"/>
-                  </a:cxn>
-                  <a:cxn ang="10800000">
-                    <a:pos x="wd2" y="hd2"/>
-                  </a:cxn>
-                  <a:cxn ang="16200000">
-                    <a:pos x="wd2" y="hd2"/>
-                  </a:cxn>
-                </a:cxnLst>
-                <a:rect l="0" t="0" r="r" b="b"/>
-                <a:pathLst>
-                  <a:path w="21168" h="21227" fill="norm" stroke="1" extrusionOk="0">
-                    <a:moveTo>
-                      <a:pt x="0" y="51"/>
-                    </a:moveTo>
-                    <a:lnTo>
-                      <a:pt x="0" y="21227"/>
-                    </a:lnTo>
-                    <a:lnTo>
-                      <a:pt x="21085" y="21227"/>
-                    </a:lnTo>
-                    <a:cubicBezTo>
-                      <a:pt x="21600" y="15702"/>
-                      <a:pt x="19696" y="10224"/>
-                      <a:pt x="15852" y="6173"/>
-                    </a:cubicBezTo>
-                    <a:cubicBezTo>
-                      <a:pt x="11776" y="1877"/>
-                      <a:pt x="5950" y="-373"/>
-                      <a:pt x="0" y="51"/>
-                    </a:cubicBezTo>
-                    <a:close/>
-                  </a:path>
-                </a:pathLst>
-              </a:custGeom>
-              <a:solidFill>
-                <a:srgbClr val="FFFFFF"/>
-              </a:solidFill>
-              <a:ln w="3175" cap="flat">
-                <a:solidFill>
-                  <a:srgbClr val="000000"/>
-                </a:solidFill>
-                <a:prstDash val="solid"/>
-                <a:miter lim="400000"/>
-              </a:ln>
-              <a:effectLst/>
-            </p:spPr>
-            <p:txBody>
-              <a:bodyPr wrap="square" lIns="0" tIns="0" rIns="0" bIns="0" numCol="1" anchor="t">
-                <a:noAutofit/>
-              </a:bodyPr>
-              <a:lstStyle/>
-              <a:p>
-                <a:pPr lvl="0" algn="l" defTabSz="448055">
-                  <a:defRPr sz="1100"/>
-                </a:pPr>
-              </a:p>
-            </p:txBody>
-          </p:sp>
-        </p:grpSp>
-        <p:grpSp>
-          <p:nvGrpSpPr>
-            <p:cNvPr id="58" name="Group 58"/>
-            <p:cNvGrpSpPr/>
-            <p:nvPr/>
-          </p:nvGrpSpPr>
-          <p:grpSpPr>
-            <a:xfrm>
-              <a:off x="11661144" y="1368591"/>
-              <a:ext cx="78954" cy="164787"/>
-              <a:chOff x="0" y="0"/>
-              <a:chExt cx="78952" cy="164785"/>
-            </a:xfrm>
-          </p:grpSpPr>
-          <p:sp>
-            <p:nvSpPr>
-              <p:cNvPr id="56" name="Shape 56"/>
-              <p:cNvSpPr/>
-              <p:nvPr/>
-            </p:nvSpPr>
-            <p:spPr>
-              <a:xfrm flipH="1" rot="16200000">
-                <a:off x="-401" y="85432"/>
-                <a:ext cx="79756" cy="78954"/>
-              </a:xfrm>
-              <a:custGeom>
-                <a:avLst/>
-                <a:gdLst/>
-                <a:ahLst/>
-                <a:cxnLst>
-                  <a:cxn ang="0">
-                    <a:pos x="wd2" y="hd2"/>
-                  </a:cxn>
-                  <a:cxn ang="5400000">
-                    <a:pos x="wd2" y="hd2"/>
-                  </a:cxn>
-                  <a:cxn ang="10800000">
-                    <a:pos x="wd2" y="hd2"/>
-                  </a:cxn>
-                  <a:cxn ang="16200000">
-                    <a:pos x="wd2" y="hd2"/>
-                  </a:cxn>
-                </a:cxnLst>
-                <a:rect l="0" t="0" r="r" b="b"/>
-                <a:pathLst>
-                  <a:path w="21168" h="21227" fill="norm" stroke="1" extrusionOk="0">
-                    <a:moveTo>
-                      <a:pt x="0" y="51"/>
-                    </a:moveTo>
-                    <a:lnTo>
-                      <a:pt x="0" y="21227"/>
-                    </a:lnTo>
-                    <a:lnTo>
-                      <a:pt x="21085" y="21227"/>
-                    </a:lnTo>
-                    <a:cubicBezTo>
-                      <a:pt x="21600" y="15702"/>
-                      <a:pt x="19696" y="10224"/>
-                      <a:pt x="15852" y="6173"/>
-                    </a:cubicBezTo>
-                    <a:cubicBezTo>
-                      <a:pt x="11776" y="1877"/>
-                      <a:pt x="5950" y="-373"/>
-                      <a:pt x="0" y="51"/>
-                    </a:cubicBezTo>
-                    <a:close/>
-                  </a:path>
-                </a:pathLst>
-              </a:custGeom>
-              <a:solidFill>
-                <a:srgbClr val="FFFFFF"/>
-              </a:solidFill>
-              <a:ln w="3175" cap="flat">
-                <a:solidFill>
-                  <a:srgbClr val="000000"/>
-                </a:solidFill>
-                <a:prstDash val="solid"/>
-                <a:miter lim="400000"/>
-              </a:ln>
-              <a:effectLst/>
-            </p:spPr>
-            <p:txBody>
-              <a:bodyPr wrap="square" lIns="0" tIns="0" rIns="0" bIns="0" numCol="1" anchor="t">
-                <a:noAutofit/>
-              </a:bodyPr>
-              <a:lstStyle/>
-              <a:p>
-                <a:pPr lvl="0" algn="l" defTabSz="448055">
-                  <a:defRPr sz="1100"/>
-                </a:pPr>
-              </a:p>
-            </p:txBody>
-          </p:sp>
-          <p:sp>
-            <p:nvSpPr>
-              <p:cNvPr id="57" name="Shape 57"/>
-              <p:cNvSpPr/>
-              <p:nvPr/>
-            </p:nvSpPr>
-            <p:spPr>
-              <a:xfrm flipH="1" rot="5400000">
-                <a:off x="-401" y="401"/>
-                <a:ext cx="79756" cy="78953"/>
-              </a:xfrm>
-              <a:custGeom>
-                <a:avLst/>
-                <a:gdLst/>
-                <a:ahLst/>
-                <a:cxnLst>
-                  <a:cxn ang="0">
-                    <a:pos x="wd2" y="hd2"/>
-                  </a:cxn>
-                  <a:cxn ang="5400000">
-                    <a:pos x="wd2" y="hd2"/>
-                  </a:cxn>
-                  <a:cxn ang="10800000">
-                    <a:pos x="wd2" y="hd2"/>
-                  </a:cxn>
-                  <a:cxn ang="16200000">
-                    <a:pos x="wd2" y="hd2"/>
-                  </a:cxn>
-                </a:cxnLst>
-                <a:rect l="0" t="0" r="r" b="b"/>
-                <a:pathLst>
-                  <a:path w="21168" h="21227" fill="norm" stroke="1" extrusionOk="0">
-                    <a:moveTo>
-                      <a:pt x="0" y="51"/>
-                    </a:moveTo>
-                    <a:lnTo>
-                      <a:pt x="0" y="21227"/>
-                    </a:lnTo>
-                    <a:lnTo>
-                      <a:pt x="21085" y="21227"/>
-                    </a:lnTo>
-                    <a:cubicBezTo>
-                      <a:pt x="21600" y="15702"/>
-                      <a:pt x="19696" y="10224"/>
-                      <a:pt x="15852" y="6173"/>
-                    </a:cubicBezTo>
-                    <a:cubicBezTo>
-                      <a:pt x="11776" y="1877"/>
-                      <a:pt x="5950" y="-373"/>
-                      <a:pt x="0" y="51"/>
-                    </a:cubicBezTo>
-                    <a:close/>
-                  </a:path>
-                </a:pathLst>
-              </a:custGeom>
-              <a:solidFill>
-                <a:srgbClr val="FFFFFF"/>
-              </a:solidFill>
-              <a:ln w="3175" cap="flat">
-                <a:solidFill>
-                  <a:srgbClr val="000000"/>
-                </a:solidFill>
-                <a:prstDash val="solid"/>
-                <a:miter lim="400000"/>
-              </a:ln>
-              <a:effectLst/>
-            </p:spPr>
-            <p:txBody>
-              <a:bodyPr wrap="square" lIns="0" tIns="0" rIns="0" bIns="0" numCol="1" anchor="t">
-                <a:noAutofit/>
-              </a:bodyPr>
-              <a:lstStyle/>
-              <a:p>
-                <a:pPr lvl="0" algn="l" defTabSz="448055">
-                  <a:defRPr sz="1100"/>
-                </a:pPr>
-              </a:p>
-            </p:txBody>
-          </p:sp>
-        </p:grpSp>
-        <p:grpSp>
-          <p:nvGrpSpPr>
-            <p:cNvPr id="61" name="Group 61"/>
-            <p:cNvGrpSpPr/>
-            <p:nvPr/>
-          </p:nvGrpSpPr>
-          <p:grpSpPr>
-            <a:xfrm>
-              <a:off x="11661144" y="3038738"/>
-              <a:ext cx="78954" cy="164787"/>
-              <a:chOff x="0" y="0"/>
-              <a:chExt cx="78952" cy="164785"/>
-            </a:xfrm>
-          </p:grpSpPr>
-          <p:sp>
-            <p:nvSpPr>
-              <p:cNvPr id="59" name="Shape 59"/>
-              <p:cNvSpPr/>
-              <p:nvPr/>
-            </p:nvSpPr>
-            <p:spPr>
-              <a:xfrm flipH="1" rot="16200000">
-                <a:off x="-401" y="85432"/>
-                <a:ext cx="79756" cy="78954"/>
-              </a:xfrm>
-              <a:custGeom>
-                <a:avLst/>
-                <a:gdLst/>
-                <a:ahLst/>
-                <a:cxnLst>
-                  <a:cxn ang="0">
-                    <a:pos x="wd2" y="hd2"/>
-                  </a:cxn>
-                  <a:cxn ang="5400000">
-                    <a:pos x="wd2" y="hd2"/>
-                  </a:cxn>
-                  <a:cxn ang="10800000">
-                    <a:pos x="wd2" y="hd2"/>
-                  </a:cxn>
-                  <a:cxn ang="16200000">
-                    <a:pos x="wd2" y="hd2"/>
-                  </a:cxn>
-                </a:cxnLst>
-                <a:rect l="0" t="0" r="r" b="b"/>
-                <a:pathLst>
-                  <a:path w="21168" h="21227" fill="norm" stroke="1" extrusionOk="0">
-                    <a:moveTo>
-                      <a:pt x="0" y="51"/>
-                    </a:moveTo>
-                    <a:lnTo>
-                      <a:pt x="0" y="21227"/>
-                    </a:lnTo>
-                    <a:lnTo>
-                      <a:pt x="21085" y="21227"/>
-                    </a:lnTo>
-                    <a:cubicBezTo>
-                      <a:pt x="21600" y="15702"/>
-                      <a:pt x="19696" y="10224"/>
-                      <a:pt x="15852" y="6173"/>
-                    </a:cubicBezTo>
-                    <a:cubicBezTo>
-                      <a:pt x="11776" y="1877"/>
-                      <a:pt x="5950" y="-373"/>
-                      <a:pt x="0" y="51"/>
-                    </a:cubicBezTo>
-                    <a:close/>
-                  </a:path>
-                </a:pathLst>
-              </a:custGeom>
-              <a:solidFill>
-                <a:srgbClr val="FFFFFF"/>
-              </a:solidFill>
-              <a:ln w="3175" cap="flat">
-                <a:solidFill>
-                  <a:srgbClr val="000000"/>
-                </a:solidFill>
-                <a:prstDash val="solid"/>
-                <a:miter lim="400000"/>
-              </a:ln>
-              <a:effectLst/>
-            </p:spPr>
-            <p:txBody>
-              <a:bodyPr wrap="square" lIns="0" tIns="0" rIns="0" bIns="0" numCol="1" anchor="t">
-                <a:noAutofit/>
-              </a:bodyPr>
-              <a:lstStyle/>
-              <a:p>
-                <a:pPr lvl="0" algn="l" defTabSz="448055">
-                  <a:defRPr sz="1100"/>
-                </a:pPr>
-              </a:p>
-            </p:txBody>
-          </p:sp>
-          <p:sp>
-            <p:nvSpPr>
-              <p:cNvPr id="60" name="Shape 60"/>
-              <p:cNvSpPr/>
-              <p:nvPr/>
-            </p:nvSpPr>
-            <p:spPr>
-              <a:xfrm flipH="1" rot="5400000">
-                <a:off x="-401" y="401"/>
-                <a:ext cx="79756" cy="78953"/>
-              </a:xfrm>
-              <a:custGeom>
-                <a:avLst/>
-                <a:gdLst/>
-                <a:ahLst/>
-                <a:cxnLst>
-                  <a:cxn ang="0">
-                    <a:pos x="wd2" y="hd2"/>
-                  </a:cxn>
-                  <a:cxn ang="5400000">
-                    <a:pos x="wd2" y="hd2"/>
-                  </a:cxn>
-                  <a:cxn ang="10800000">
-                    <a:pos x="wd2" y="hd2"/>
-                  </a:cxn>
-                  <a:cxn ang="16200000">
-                    <a:pos x="wd2" y="hd2"/>
-                  </a:cxn>
-                </a:cxnLst>
-                <a:rect l="0" t="0" r="r" b="b"/>
-                <a:pathLst>
-                  <a:path w="21168" h="21227" fill="norm" stroke="1" extrusionOk="0">
-                    <a:moveTo>
-                      <a:pt x="0" y="51"/>
-                    </a:moveTo>
-                    <a:lnTo>
-                      <a:pt x="0" y="21227"/>
-                    </a:lnTo>
-                    <a:lnTo>
-                      <a:pt x="21085" y="21227"/>
-                    </a:lnTo>
-                    <a:cubicBezTo>
-                      <a:pt x="21600" y="15702"/>
-                      <a:pt x="19696" y="10224"/>
-                      <a:pt x="15852" y="6173"/>
-                    </a:cubicBezTo>
-                    <a:cubicBezTo>
-                      <a:pt x="11776" y="1877"/>
-                      <a:pt x="5950" y="-373"/>
-                      <a:pt x="0" y="51"/>
-                    </a:cubicBezTo>
-                    <a:close/>
-                  </a:path>
-                </a:pathLst>
-              </a:custGeom>
-              <a:solidFill>
-                <a:srgbClr val="FFFFFF"/>
-              </a:solidFill>
-              <a:ln w="3175" cap="flat">
-                <a:solidFill>
-                  <a:srgbClr val="000000"/>
-                </a:solidFill>
-                <a:prstDash val="solid"/>
-                <a:miter lim="400000"/>
-              </a:ln>
-              <a:effectLst/>
-            </p:spPr>
-            <p:txBody>
-              <a:bodyPr wrap="square" lIns="0" tIns="0" rIns="0" bIns="0" numCol="1" anchor="t">
-                <a:noAutofit/>
-              </a:bodyPr>
-              <a:lstStyle/>
-              <a:p>
-                <a:pPr lvl="0" algn="l" defTabSz="448055">
-                  <a:defRPr sz="1100"/>
-                </a:pPr>
-              </a:p>
-            </p:txBody>
-          </p:sp>
-        </p:grpSp>
-        <p:grpSp>
-          <p:nvGrpSpPr>
-            <p:cNvPr id="64" name="Group 64"/>
-            <p:cNvGrpSpPr/>
-            <p:nvPr/>
-          </p:nvGrpSpPr>
-          <p:grpSpPr>
-            <a:xfrm>
-              <a:off x="11474348" y="2783487"/>
-              <a:ext cx="164788" cy="78955"/>
-              <a:chOff x="0" y="0"/>
-              <a:chExt cx="164786" cy="78953"/>
-            </a:xfrm>
-          </p:grpSpPr>
-          <p:sp>
-            <p:nvSpPr>
-              <p:cNvPr id="62" name="Shape 62"/>
-              <p:cNvSpPr/>
-              <p:nvPr/>
-            </p:nvSpPr>
-            <p:spPr>
-              <a:xfrm flipH="1">
-                <a:off x="-1" y="0"/>
-                <a:ext cx="79757" cy="78955"/>
-              </a:xfrm>
-              <a:custGeom>
-                <a:avLst/>
-                <a:gdLst/>
-                <a:ahLst/>
-                <a:cxnLst>
-                  <a:cxn ang="0">
-                    <a:pos x="wd2" y="hd2"/>
-                  </a:cxn>
-                  <a:cxn ang="5400000">
-                    <a:pos x="wd2" y="hd2"/>
-                  </a:cxn>
-                  <a:cxn ang="10800000">
-                    <a:pos x="wd2" y="hd2"/>
-                  </a:cxn>
-                  <a:cxn ang="16200000">
-                    <a:pos x="wd2" y="hd2"/>
-                  </a:cxn>
-                </a:cxnLst>
-                <a:rect l="0" t="0" r="r" b="b"/>
-                <a:pathLst>
-                  <a:path w="21168" h="21227" fill="norm" stroke="1" extrusionOk="0">
-                    <a:moveTo>
-                      <a:pt x="0" y="51"/>
-                    </a:moveTo>
-                    <a:lnTo>
-                      <a:pt x="0" y="21227"/>
-                    </a:lnTo>
-                    <a:lnTo>
-                      <a:pt x="21085" y="21227"/>
-                    </a:lnTo>
-                    <a:cubicBezTo>
-                      <a:pt x="21600" y="15702"/>
-                      <a:pt x="19696" y="10224"/>
-                      <a:pt x="15852" y="6173"/>
-                    </a:cubicBezTo>
-                    <a:cubicBezTo>
-                      <a:pt x="11776" y="1877"/>
-                      <a:pt x="5950" y="-373"/>
-                      <a:pt x="0" y="51"/>
-                    </a:cubicBezTo>
-                    <a:close/>
-                  </a:path>
-                </a:pathLst>
-              </a:custGeom>
-              <a:solidFill>
-                <a:srgbClr val="FFFFFF"/>
-              </a:solidFill>
-              <a:ln w="3175" cap="flat">
-                <a:solidFill>
-                  <a:srgbClr val="000000"/>
-                </a:solidFill>
-                <a:prstDash val="solid"/>
-                <a:miter lim="400000"/>
-              </a:ln>
-              <a:effectLst/>
-            </p:spPr>
-            <p:txBody>
-              <a:bodyPr wrap="square" lIns="0" tIns="0" rIns="0" bIns="0" numCol="1" anchor="t">
-                <a:noAutofit/>
-              </a:bodyPr>
-              <a:lstStyle/>
-              <a:p>
-                <a:pPr lvl="0" algn="l" defTabSz="448055">
-                  <a:defRPr sz="1100"/>
-                </a:pPr>
-              </a:p>
-            </p:txBody>
-          </p:sp>
-          <p:sp>
-            <p:nvSpPr>
-              <p:cNvPr id="63" name="Shape 63"/>
-              <p:cNvSpPr/>
-              <p:nvPr/>
-            </p:nvSpPr>
-            <p:spPr>
-              <a:xfrm flipH="1" rot="10800000">
-                <a:off x="85032" y="1"/>
-                <a:ext cx="79755" cy="78954"/>
-              </a:xfrm>
-              <a:custGeom>
-                <a:avLst/>
-                <a:gdLst/>
-                <a:ahLst/>
-                <a:cxnLst>
-                  <a:cxn ang="0">
-                    <a:pos x="wd2" y="hd2"/>
-                  </a:cxn>
-                  <a:cxn ang="5400000">
-                    <a:pos x="wd2" y="hd2"/>
-                  </a:cxn>
-                  <a:cxn ang="10800000">
-                    <a:pos x="wd2" y="hd2"/>
-                  </a:cxn>
-                  <a:cxn ang="16200000">
-                    <a:pos x="wd2" y="hd2"/>
-                  </a:cxn>
-                </a:cxnLst>
-                <a:rect l="0" t="0" r="r" b="b"/>
-                <a:pathLst>
-                  <a:path w="21168" h="21227" fill="norm" stroke="1" extrusionOk="0">
-                    <a:moveTo>
-                      <a:pt x="0" y="51"/>
-                    </a:moveTo>
-                    <a:lnTo>
-                      <a:pt x="0" y="21227"/>
-                    </a:lnTo>
-                    <a:lnTo>
-                      <a:pt x="21085" y="21227"/>
-                    </a:lnTo>
-                    <a:cubicBezTo>
-                      <a:pt x="21600" y="15702"/>
-                      <a:pt x="19696" y="10224"/>
-                      <a:pt x="15852" y="6173"/>
-                    </a:cubicBezTo>
-                    <a:cubicBezTo>
-                      <a:pt x="11776" y="1877"/>
-                      <a:pt x="5950" y="-373"/>
-                      <a:pt x="0" y="51"/>
-                    </a:cubicBezTo>
-                    <a:close/>
-                  </a:path>
-                </a:pathLst>
-              </a:custGeom>
-              <a:solidFill>
-                <a:srgbClr val="FFFFFF"/>
-              </a:solidFill>
-              <a:ln w="3175" cap="flat">
-                <a:solidFill>
-                  <a:srgbClr val="000000"/>
-                </a:solidFill>
-                <a:prstDash val="solid"/>
-                <a:miter lim="400000"/>
-              </a:ln>
-              <a:effectLst/>
-            </p:spPr>
-            <p:txBody>
-              <a:bodyPr wrap="square" lIns="0" tIns="0" rIns="0" bIns="0" numCol="1" anchor="t">
-                <a:noAutofit/>
-              </a:bodyPr>
-              <a:lstStyle/>
-              <a:p>
-                <a:pPr lvl="0" algn="l" defTabSz="448055">
-                  <a:defRPr sz="1100"/>
-                </a:pPr>
-              </a:p>
-            </p:txBody>
-          </p:sp>
-        </p:grpSp>
-        <p:grpSp>
-          <p:nvGrpSpPr>
-            <p:cNvPr id="67" name="Group 67"/>
-            <p:cNvGrpSpPr/>
-            <p:nvPr/>
-          </p:nvGrpSpPr>
-          <p:grpSpPr>
-            <a:xfrm>
-              <a:off x="11277228" y="3938593"/>
-              <a:ext cx="78954" cy="164787"/>
-              <a:chOff x="0" y="0"/>
-              <a:chExt cx="78952" cy="164785"/>
-            </a:xfrm>
-          </p:grpSpPr>
-          <p:sp>
-            <p:nvSpPr>
-              <p:cNvPr id="65" name="Shape 65"/>
-              <p:cNvSpPr/>
-              <p:nvPr/>
-            </p:nvSpPr>
-            <p:spPr>
-              <a:xfrm flipH="1" rot="16200000">
-                <a:off x="-401" y="85432"/>
-                <a:ext cx="79756" cy="78954"/>
-              </a:xfrm>
-              <a:custGeom>
-                <a:avLst/>
-                <a:gdLst/>
-                <a:ahLst/>
-                <a:cxnLst>
-                  <a:cxn ang="0">
-                    <a:pos x="wd2" y="hd2"/>
-                  </a:cxn>
-                  <a:cxn ang="5400000">
-                    <a:pos x="wd2" y="hd2"/>
-                  </a:cxn>
-                  <a:cxn ang="10800000">
-                    <a:pos x="wd2" y="hd2"/>
-                  </a:cxn>
-                  <a:cxn ang="16200000">
-                    <a:pos x="wd2" y="hd2"/>
-                  </a:cxn>
-                </a:cxnLst>
-                <a:rect l="0" t="0" r="r" b="b"/>
-                <a:pathLst>
-                  <a:path w="21168" h="21227" fill="norm" stroke="1" extrusionOk="0">
-                    <a:moveTo>
-                      <a:pt x="0" y="51"/>
-                    </a:moveTo>
-                    <a:lnTo>
-                      <a:pt x="0" y="21227"/>
-                    </a:lnTo>
-                    <a:lnTo>
-                      <a:pt x="21085" y="21227"/>
-                    </a:lnTo>
-                    <a:cubicBezTo>
-                      <a:pt x="21600" y="15702"/>
-                      <a:pt x="19696" y="10224"/>
-                      <a:pt x="15852" y="6173"/>
-                    </a:cubicBezTo>
-                    <a:cubicBezTo>
-                      <a:pt x="11776" y="1877"/>
-                      <a:pt x="5950" y="-373"/>
-                      <a:pt x="0" y="51"/>
-                    </a:cubicBezTo>
-                    <a:close/>
-                  </a:path>
-                </a:pathLst>
-              </a:custGeom>
-              <a:solidFill>
-                <a:srgbClr val="FFFFFF"/>
-              </a:solidFill>
-              <a:ln w="3175" cap="flat">
-                <a:solidFill>
-                  <a:srgbClr val="000000"/>
-                </a:solidFill>
-                <a:prstDash val="solid"/>
-                <a:miter lim="400000"/>
-              </a:ln>
-              <a:effectLst/>
-            </p:spPr>
-            <p:txBody>
-              <a:bodyPr wrap="square" lIns="0" tIns="0" rIns="0" bIns="0" numCol="1" anchor="t">
-                <a:noAutofit/>
-              </a:bodyPr>
-              <a:lstStyle/>
-              <a:p>
-                <a:pPr lvl="0" algn="l" defTabSz="448055">
-                  <a:defRPr sz="1100"/>
-                </a:pPr>
-              </a:p>
-            </p:txBody>
-          </p:sp>
-          <p:sp>
-            <p:nvSpPr>
-              <p:cNvPr id="66" name="Shape 66"/>
-              <p:cNvSpPr/>
-              <p:nvPr/>
-            </p:nvSpPr>
-            <p:spPr>
-              <a:xfrm flipH="1" rot="5400000">
-                <a:off x="-401" y="401"/>
-                <a:ext cx="79756" cy="78953"/>
-              </a:xfrm>
-              <a:custGeom>
-                <a:avLst/>
-                <a:gdLst/>
-                <a:ahLst/>
-                <a:cxnLst>
-                  <a:cxn ang="0">
-                    <a:pos x="wd2" y="hd2"/>
-                  </a:cxn>
-                  <a:cxn ang="5400000">
-                    <a:pos x="wd2" y="hd2"/>
-                  </a:cxn>
-                  <a:cxn ang="10800000">
-                    <a:pos x="wd2" y="hd2"/>
-                  </a:cxn>
-                  <a:cxn ang="16200000">
-                    <a:pos x="wd2" y="hd2"/>
-                  </a:cxn>
-                </a:cxnLst>
-                <a:rect l="0" t="0" r="r" b="b"/>
-                <a:pathLst>
-                  <a:path w="21168" h="21227" fill="norm" stroke="1" extrusionOk="0">
-                    <a:moveTo>
-                      <a:pt x="0" y="51"/>
-                    </a:moveTo>
-                    <a:lnTo>
-                      <a:pt x="0" y="21227"/>
-                    </a:lnTo>
-                    <a:lnTo>
-                      <a:pt x="21085" y="21227"/>
-                    </a:lnTo>
-                    <a:cubicBezTo>
-                      <a:pt x="21600" y="15702"/>
-                      <a:pt x="19696" y="10224"/>
-                      <a:pt x="15852" y="6173"/>
-                    </a:cubicBezTo>
-                    <a:cubicBezTo>
-                      <a:pt x="11776" y="1877"/>
-                      <a:pt x="5950" y="-373"/>
-                      <a:pt x="0" y="51"/>
-                    </a:cubicBezTo>
-                    <a:close/>
-                  </a:path>
-                </a:pathLst>
-              </a:custGeom>
-              <a:solidFill>
-                <a:srgbClr val="FFFFFF"/>
-              </a:solidFill>
-              <a:ln w="3175" cap="flat">
-                <a:solidFill>
-                  <a:srgbClr val="000000"/>
-                </a:solidFill>
-                <a:prstDash val="solid"/>
-                <a:miter lim="400000"/>
-              </a:ln>
-              <a:effectLst/>
-            </p:spPr>
-            <p:txBody>
-              <a:bodyPr wrap="square" lIns="0" tIns="0" rIns="0" bIns="0" numCol="1" anchor="t">
-                <a:noAutofit/>
-              </a:bodyPr>
-              <a:lstStyle/>
-              <a:p>
-                <a:pPr lvl="0" algn="l" defTabSz="448055">
-                  <a:defRPr sz="1100"/>
-                </a:pPr>
-              </a:p>
-            </p:txBody>
-          </p:sp>
-        </p:grpSp>
-        <p:grpSp>
-          <p:nvGrpSpPr>
-            <p:cNvPr id="70" name="Group 70"/>
-            <p:cNvGrpSpPr/>
-            <p:nvPr/>
-          </p:nvGrpSpPr>
-          <p:grpSpPr>
-            <a:xfrm>
-              <a:off x="11474348" y="2131573"/>
-              <a:ext cx="164788" cy="78956"/>
-              <a:chOff x="0" y="0"/>
-              <a:chExt cx="164786" cy="78954"/>
-            </a:xfrm>
-          </p:grpSpPr>
-          <p:sp>
-            <p:nvSpPr>
-              <p:cNvPr id="68" name="Shape 68"/>
-              <p:cNvSpPr/>
-              <p:nvPr/>
-            </p:nvSpPr>
-            <p:spPr>
-              <a:xfrm flipH="1">
-                <a:off x="-1" y="0"/>
-                <a:ext cx="79757" cy="78956"/>
-              </a:xfrm>
-              <a:custGeom>
-                <a:avLst/>
-                <a:gdLst/>
-                <a:ahLst/>
-                <a:cxnLst>
-                  <a:cxn ang="0">
-                    <a:pos x="wd2" y="hd2"/>
-                  </a:cxn>
-                  <a:cxn ang="5400000">
-                    <a:pos x="wd2" y="hd2"/>
-                  </a:cxn>
-                  <a:cxn ang="10800000">
-                    <a:pos x="wd2" y="hd2"/>
-                  </a:cxn>
-                  <a:cxn ang="16200000">
-                    <a:pos x="wd2" y="hd2"/>
-                  </a:cxn>
-                </a:cxnLst>
-                <a:rect l="0" t="0" r="r" b="b"/>
-                <a:pathLst>
-                  <a:path w="21168" h="21227" fill="norm" stroke="1" extrusionOk="0">
-                    <a:moveTo>
-                      <a:pt x="0" y="51"/>
-                    </a:moveTo>
-                    <a:lnTo>
-                      <a:pt x="0" y="21227"/>
-                    </a:lnTo>
-                    <a:lnTo>
-                      <a:pt x="21085" y="21227"/>
-                    </a:lnTo>
-                    <a:cubicBezTo>
-                      <a:pt x="21600" y="15702"/>
-                      <a:pt x="19696" y="10224"/>
-                      <a:pt x="15852" y="6173"/>
-                    </a:cubicBezTo>
-                    <a:cubicBezTo>
-                      <a:pt x="11776" y="1877"/>
-                      <a:pt x="5950" y="-373"/>
-                      <a:pt x="0" y="51"/>
-                    </a:cubicBezTo>
-                    <a:close/>
-                  </a:path>
-                </a:pathLst>
-              </a:custGeom>
-              <a:solidFill>
-                <a:srgbClr val="FFFFFF"/>
-              </a:solidFill>
-              <a:ln w="3175" cap="flat">
-                <a:solidFill>
-                  <a:srgbClr val="000000"/>
-                </a:solidFill>
-                <a:prstDash val="solid"/>
-                <a:miter lim="400000"/>
-              </a:ln>
-              <a:effectLst/>
-            </p:spPr>
-            <p:txBody>
-              <a:bodyPr wrap="square" lIns="0" tIns="0" rIns="0" bIns="0" numCol="1" anchor="t">
-                <a:noAutofit/>
-              </a:bodyPr>
-              <a:lstStyle/>
-              <a:p>
-                <a:pPr lvl="0" algn="l" defTabSz="448055">
-                  <a:defRPr sz="1100"/>
-                </a:pPr>
-              </a:p>
-            </p:txBody>
-          </p:sp>
-          <p:sp>
-            <p:nvSpPr>
-              <p:cNvPr id="69" name="Shape 69"/>
-              <p:cNvSpPr/>
-              <p:nvPr/>
-            </p:nvSpPr>
-            <p:spPr>
-              <a:xfrm flipH="1" rot="10800000">
-                <a:off x="85032" y="0"/>
-                <a:ext cx="79755" cy="78956"/>
-              </a:xfrm>
-              <a:custGeom>
-                <a:avLst/>
-                <a:gdLst/>
-                <a:ahLst/>
-                <a:cxnLst>
-                  <a:cxn ang="0">
-                    <a:pos x="wd2" y="hd2"/>
-                  </a:cxn>
-                  <a:cxn ang="5400000">
-                    <a:pos x="wd2" y="hd2"/>
-                  </a:cxn>
-                  <a:cxn ang="10800000">
-                    <a:pos x="wd2" y="hd2"/>
-                  </a:cxn>
-                  <a:cxn ang="16200000">
-                    <a:pos x="wd2" y="hd2"/>
-                  </a:cxn>
-                </a:cxnLst>
-                <a:rect l="0" t="0" r="r" b="b"/>
-                <a:pathLst>
-                  <a:path w="21168" h="21227" fill="norm" stroke="1" extrusionOk="0">
-                    <a:moveTo>
-                      <a:pt x="0" y="51"/>
-                    </a:moveTo>
-                    <a:lnTo>
-                      <a:pt x="0" y="21227"/>
-                    </a:lnTo>
-                    <a:lnTo>
-                      <a:pt x="21085" y="21227"/>
-                    </a:lnTo>
-                    <a:cubicBezTo>
-                      <a:pt x="21600" y="15702"/>
-                      <a:pt x="19696" y="10224"/>
-                      <a:pt x="15852" y="6173"/>
-                    </a:cubicBezTo>
-                    <a:cubicBezTo>
-                      <a:pt x="11776" y="1877"/>
-                      <a:pt x="5950" y="-373"/>
-                      <a:pt x="0" y="51"/>
-                    </a:cubicBezTo>
-                    <a:close/>
-                  </a:path>
-                </a:pathLst>
-              </a:custGeom>
-              <a:solidFill>
-                <a:srgbClr val="FFFFFF"/>
-              </a:solidFill>
-              <a:ln w="3175" cap="flat">
-                <a:solidFill>
-                  <a:srgbClr val="000000"/>
-                </a:solidFill>
-                <a:prstDash val="solid"/>
-                <a:miter lim="400000"/>
-              </a:ln>
-              <a:effectLst/>
-            </p:spPr>
-            <p:txBody>
-              <a:bodyPr wrap="square" lIns="0" tIns="0" rIns="0" bIns="0" numCol="1" anchor="t">
-                <a:noAutofit/>
-              </a:bodyPr>
-              <a:lstStyle/>
-              <a:p>
-                <a:pPr lvl="0" algn="l" defTabSz="448055">
-                  <a:defRPr sz="1100"/>
-                </a:pPr>
-              </a:p>
-            </p:txBody>
-          </p:sp>
-        </p:grpSp>
+      </p:grpSp>
+      <p:grpSp>
+        <p:nvGrpSpPr>
+          <p:cNvPr id="52" name="Group 52"/>
+          <p:cNvGrpSpPr/>
+          <p:nvPr/>
+        </p:nvGrpSpPr>
+        <p:grpSpPr>
+          <a:xfrm>
+            <a:off x="8578421" y="2783487"/>
+            <a:ext cx="164788" cy="78955"/>
+            <a:chOff x="0" y="0"/>
+            <a:chExt cx="164786" cy="78953"/>
+          </a:xfrm>
+        </p:grpSpPr>
         <p:sp>
           <p:nvSpPr>
-            <p:cNvPr id="71" name="Shape 71"/>
+            <p:cNvPr id="50" name="Shape 50"/>
             <p:cNvSpPr/>
             <p:nvPr/>
           </p:nvSpPr>
           <p:spPr>
-            <a:xfrm>
-              <a:off x="8913199" y="1502748"/>
-              <a:ext cx="126059" cy="137586"/>
+            <a:xfrm flipH="1">
+              <a:off x="-1" y="0"/>
+              <a:ext cx="79757" cy="78955"/>
             </a:xfrm>
-            <a:prstGeom prst="star5">
-              <a:avLst>
-                <a:gd name="adj" fmla="val 19100"/>
-                <a:gd name="hf" fmla="val 105146"/>
-                <a:gd name="vf" fmla="val 110557"/>
-              </a:avLst>
-            </a:prstGeom>
+            <a:custGeom>
+              <a:avLst/>
+              <a:gdLst/>
+              <a:ahLst/>
+              <a:cxnLst>
+                <a:cxn ang="0">
+                  <a:pos x="wd2" y="hd2"/>
+                </a:cxn>
+                <a:cxn ang="5400000">
+                  <a:pos x="wd2" y="hd2"/>
+                </a:cxn>
+                <a:cxn ang="10800000">
+                  <a:pos x="wd2" y="hd2"/>
+                </a:cxn>
+                <a:cxn ang="16200000">
+                  <a:pos x="wd2" y="hd2"/>
+                </a:cxn>
+              </a:cxnLst>
+              <a:rect l="0" t="0" r="r" b="b"/>
+              <a:pathLst>
+                <a:path w="21168" h="21227" extrusionOk="0">
+                  <a:moveTo>
+                    <a:pt x="0" y="51"/>
+                  </a:moveTo>
+                  <a:lnTo>
+                    <a:pt x="0" y="21227"/>
+                  </a:lnTo>
+                  <a:lnTo>
+                    <a:pt x="21085" y="21227"/>
+                  </a:lnTo>
+                  <a:cubicBezTo>
+                    <a:pt x="21600" y="15702"/>
+                    <a:pt x="19696" y="10224"/>
+                    <a:pt x="15852" y="6173"/>
+                  </a:cubicBezTo>
+                  <a:cubicBezTo>
+                    <a:pt x="11776" y="1877"/>
+                    <a:pt x="5950" y="-373"/>
+                    <a:pt x="0" y="51"/>
+                  </a:cubicBezTo>
+                  <a:close/>
+                </a:path>
+              </a:pathLst>
+            </a:custGeom>
             <a:solidFill>
               <a:srgbClr val="FFFFFF"/>
             </a:solidFill>
@@ -3772,40 +2630,73 @@
             <a:effectLst/>
           </p:spPr>
           <p:txBody>
-            <a:bodyPr wrap="square" lIns="0" tIns="0" rIns="0" bIns="0" numCol="1" anchor="ctr">
+            <a:bodyPr wrap="square" lIns="0" tIns="0" rIns="0" bIns="0" numCol="1" anchor="t">
               <a:noAutofit/>
             </a:bodyPr>
             <a:lstStyle/>
             <a:p>
-              <a:pPr lvl="0" algn="l" defTabSz="896111">
-                <a:defRPr>
-                  <a:latin typeface="Calibri"/>
-                  <a:ea typeface="Calibri"/>
-                  <a:cs typeface="Calibri"/>
-                  <a:sym typeface="Calibri"/>
-                </a:defRPr>
+              <a:pPr lvl="0" algn="l" defTabSz="448055">
+                <a:defRPr sz="1100"/>
               </a:pPr>
+              <a:endParaRPr/>
             </a:p>
           </p:txBody>
         </p:sp>
         <p:sp>
           <p:nvSpPr>
-            <p:cNvPr id="72" name="Shape 72"/>
+            <p:cNvPr id="51" name="Shape 51"/>
             <p:cNvSpPr/>
             <p:nvPr/>
           </p:nvSpPr>
           <p:spPr>
-            <a:xfrm>
-              <a:off x="8908857" y="2182930"/>
-              <a:ext cx="126059" cy="137586"/>
+            <a:xfrm rot="10800000" flipH="1">
+              <a:off x="85032" y="1"/>
+              <a:ext cx="79755" cy="78954"/>
             </a:xfrm>
-            <a:prstGeom prst="star5">
-              <a:avLst>
-                <a:gd name="adj" fmla="val 19100"/>
-                <a:gd name="hf" fmla="val 105146"/>
-                <a:gd name="vf" fmla="val 110557"/>
-              </a:avLst>
-            </a:prstGeom>
+            <a:custGeom>
+              <a:avLst/>
+              <a:gdLst/>
+              <a:ahLst/>
+              <a:cxnLst>
+                <a:cxn ang="0">
+                  <a:pos x="wd2" y="hd2"/>
+                </a:cxn>
+                <a:cxn ang="5400000">
+                  <a:pos x="wd2" y="hd2"/>
+                </a:cxn>
+                <a:cxn ang="10800000">
+                  <a:pos x="wd2" y="hd2"/>
+                </a:cxn>
+                <a:cxn ang="16200000">
+                  <a:pos x="wd2" y="hd2"/>
+                </a:cxn>
+              </a:cxnLst>
+              <a:rect l="0" t="0" r="r" b="b"/>
+              <a:pathLst>
+                <a:path w="21168" h="21227" extrusionOk="0">
+                  <a:moveTo>
+                    <a:pt x="0" y="51"/>
+                  </a:moveTo>
+                  <a:lnTo>
+                    <a:pt x="0" y="21227"/>
+                  </a:lnTo>
+                  <a:lnTo>
+                    <a:pt x="21085" y="21227"/>
+                  </a:lnTo>
+                  <a:cubicBezTo>
+                    <a:pt x="21600" y="15702"/>
+                    <a:pt x="19696" y="10224"/>
+                    <a:pt x="15852" y="6173"/>
+                  </a:cubicBezTo>
+                  <a:cubicBezTo>
+                    <a:pt x="11776" y="1877"/>
+                    <a:pt x="5950" y="-373"/>
+                    <a:pt x="0" y="51"/>
+                  </a:cubicBezTo>
+                  <a:close/>
+                </a:path>
+              </a:pathLst>
+            </a:custGeom>
             <a:solidFill>
               <a:srgbClr val="FFFFFF"/>
             </a:solidFill>
@@ -3819,40 +2710,88 @@
             <a:effectLst/>
           </p:spPr>
           <p:txBody>
-            <a:bodyPr wrap="square" lIns="0" tIns="0" rIns="0" bIns="0" numCol="1" anchor="ctr">
+            <a:bodyPr wrap="square" lIns="0" tIns="0" rIns="0" bIns="0" numCol="1" anchor="t">
               <a:noAutofit/>
             </a:bodyPr>
             <a:lstStyle/>
             <a:p>
-              <a:pPr lvl="0" algn="l" defTabSz="896111">
-                <a:defRPr>
-                  <a:latin typeface="Calibri"/>
-                  <a:ea typeface="Calibri"/>
-                  <a:cs typeface="Calibri"/>
-                  <a:sym typeface="Calibri"/>
-                </a:defRPr>
+              <a:pPr lvl="0" algn="l" defTabSz="448055">
+                <a:defRPr sz="1100"/>
               </a:pPr>
+              <a:endParaRPr/>
             </a:p>
           </p:txBody>
         </p:sp>
+      </p:grpSp>
+      <p:grpSp>
+        <p:nvGrpSpPr>
+          <p:cNvPr id="55" name="Group 55"/>
+          <p:cNvGrpSpPr/>
+          <p:nvPr/>
+        </p:nvGrpSpPr>
+        <p:grpSpPr>
+          <a:xfrm>
+            <a:off x="8383240" y="3938594"/>
+            <a:ext cx="78954" cy="164787"/>
+            <a:chOff x="0" y="0"/>
+            <a:chExt cx="78952" cy="164785"/>
+          </a:xfrm>
+        </p:grpSpPr>
         <p:sp>
           <p:nvSpPr>
-            <p:cNvPr id="73" name="Shape 73"/>
+            <p:cNvPr id="53" name="Shape 53"/>
             <p:cNvSpPr/>
             <p:nvPr/>
           </p:nvSpPr>
           <p:spPr>
-            <a:xfrm>
-              <a:off x="8925761" y="2754829"/>
-              <a:ext cx="126059" cy="137587"/>
+            <a:xfrm rot="16200000" flipH="1">
+              <a:off x="-401" y="85432"/>
+              <a:ext cx="79756" cy="78954"/>
             </a:xfrm>
-            <a:prstGeom prst="star5">
-              <a:avLst>
-                <a:gd name="adj" fmla="val 19100"/>
-                <a:gd name="hf" fmla="val 105146"/>
-                <a:gd name="vf" fmla="val 110557"/>
-              </a:avLst>
-            </a:prstGeom>
+            <a:custGeom>
+              <a:avLst/>
+              <a:gdLst/>
+              <a:ahLst/>
+              <a:cxnLst>
+                <a:cxn ang="0">
+                  <a:pos x="wd2" y="hd2"/>
+                </a:cxn>
+                <a:cxn ang="5400000">
+                  <a:pos x="wd2" y="hd2"/>
+                </a:cxn>
+                <a:cxn ang="10800000">
+                  <a:pos x="wd2" y="hd2"/>
+                </a:cxn>
+                <a:cxn ang="16200000">
+                  <a:pos x="wd2" y="hd2"/>
+                </a:cxn>
+              </a:cxnLst>
+              <a:rect l="0" t="0" r="r" b="b"/>
+              <a:pathLst>
+                <a:path w="21168" h="21227" extrusionOk="0">
+                  <a:moveTo>
+                    <a:pt x="0" y="51"/>
+                  </a:moveTo>
+                  <a:lnTo>
+                    <a:pt x="0" y="21227"/>
+                  </a:lnTo>
+                  <a:lnTo>
+                    <a:pt x="21085" y="21227"/>
+                  </a:lnTo>
+                  <a:cubicBezTo>
+                    <a:pt x="21600" y="15702"/>
+                    <a:pt x="19696" y="10224"/>
+                    <a:pt x="15852" y="6173"/>
+                  </a:cubicBezTo>
+                  <a:cubicBezTo>
+                    <a:pt x="11776" y="1877"/>
+                    <a:pt x="5950" y="-373"/>
+                    <a:pt x="0" y="51"/>
+                  </a:cubicBezTo>
+                  <a:close/>
+                </a:path>
+              </a:pathLst>
+            </a:custGeom>
             <a:solidFill>
               <a:srgbClr val="FFFFFF"/>
             </a:solidFill>
@@ -3866,34 +2805,1129 @@
             <a:effectLst/>
           </p:spPr>
           <p:txBody>
-            <a:bodyPr wrap="square" lIns="0" tIns="0" rIns="0" bIns="0" numCol="1" anchor="ctr">
+            <a:bodyPr wrap="square" lIns="0" tIns="0" rIns="0" bIns="0" numCol="1" anchor="t">
               <a:noAutofit/>
             </a:bodyPr>
             <a:lstStyle/>
             <a:p>
-              <a:pPr lvl="0" algn="l" defTabSz="896111">
-                <a:defRPr>
-                  <a:latin typeface="Calibri"/>
-                  <a:ea typeface="Calibri"/>
-                  <a:cs typeface="Calibri"/>
-                  <a:sym typeface="Calibri"/>
-                </a:defRPr>
+              <a:pPr lvl="0" algn="l" defTabSz="448055">
+                <a:defRPr sz="1100"/>
               </a:pPr>
+              <a:endParaRPr/>
+            </a:p>
+          </p:txBody>
+        </p:sp>
+        <p:sp>
+          <p:nvSpPr>
+            <p:cNvPr id="54" name="Shape 54"/>
+            <p:cNvSpPr/>
+            <p:nvPr/>
+          </p:nvSpPr>
+          <p:spPr>
+            <a:xfrm rot="5400000" flipH="1">
+              <a:off x="-401" y="401"/>
+              <a:ext cx="79756" cy="78953"/>
+            </a:xfrm>
+            <a:custGeom>
+              <a:avLst/>
+              <a:gdLst/>
+              <a:ahLst/>
+              <a:cxnLst>
+                <a:cxn ang="0">
+                  <a:pos x="wd2" y="hd2"/>
+                </a:cxn>
+                <a:cxn ang="5400000">
+                  <a:pos x="wd2" y="hd2"/>
+                </a:cxn>
+                <a:cxn ang="10800000">
+                  <a:pos x="wd2" y="hd2"/>
+                </a:cxn>
+                <a:cxn ang="16200000">
+                  <a:pos x="wd2" y="hd2"/>
+                </a:cxn>
+              </a:cxnLst>
+              <a:rect l="0" t="0" r="r" b="b"/>
+              <a:pathLst>
+                <a:path w="21168" h="21227" extrusionOk="0">
+                  <a:moveTo>
+                    <a:pt x="0" y="51"/>
+                  </a:moveTo>
+                  <a:lnTo>
+                    <a:pt x="0" y="21227"/>
+                  </a:lnTo>
+                  <a:lnTo>
+                    <a:pt x="21085" y="21227"/>
+                  </a:lnTo>
+                  <a:cubicBezTo>
+                    <a:pt x="21600" y="15702"/>
+                    <a:pt x="19696" y="10224"/>
+                    <a:pt x="15852" y="6173"/>
+                  </a:cubicBezTo>
+                  <a:cubicBezTo>
+                    <a:pt x="11776" y="1877"/>
+                    <a:pt x="5950" y="-373"/>
+                    <a:pt x="0" y="51"/>
+                  </a:cubicBezTo>
+                  <a:close/>
+                </a:path>
+              </a:pathLst>
+            </a:custGeom>
+            <a:solidFill>
+              <a:srgbClr val="FFFFFF"/>
+            </a:solidFill>
+            <a:ln w="3175" cap="flat">
+              <a:solidFill>
+                <a:srgbClr val="000000"/>
+              </a:solidFill>
+              <a:prstDash val="solid"/>
+              <a:miter lim="400000"/>
+            </a:ln>
+            <a:effectLst/>
+          </p:spPr>
+          <p:txBody>
+            <a:bodyPr wrap="square" lIns="0" tIns="0" rIns="0" bIns="0" numCol="1" anchor="t">
+              <a:noAutofit/>
+            </a:bodyPr>
+            <a:lstStyle/>
+            <a:p>
+              <a:pPr lvl="0" algn="l" defTabSz="448055">
+                <a:defRPr sz="1100"/>
+              </a:pPr>
+              <a:endParaRPr/>
             </a:p>
           </p:txBody>
         </p:sp>
       </p:grpSp>
+      <p:grpSp>
+        <p:nvGrpSpPr>
+          <p:cNvPr id="58" name="Group 58"/>
+          <p:cNvGrpSpPr/>
+          <p:nvPr/>
+        </p:nvGrpSpPr>
+        <p:grpSpPr>
+          <a:xfrm>
+            <a:off x="11503460" y="1368591"/>
+            <a:ext cx="78954" cy="164787"/>
+            <a:chOff x="0" y="0"/>
+            <a:chExt cx="78952" cy="164785"/>
+          </a:xfrm>
+        </p:grpSpPr>
+        <p:sp>
+          <p:nvSpPr>
+            <p:cNvPr id="56" name="Shape 56"/>
+            <p:cNvSpPr/>
+            <p:nvPr/>
+          </p:nvSpPr>
+          <p:spPr>
+            <a:xfrm rot="16200000" flipH="1">
+              <a:off x="-401" y="85432"/>
+              <a:ext cx="79756" cy="78954"/>
+            </a:xfrm>
+            <a:custGeom>
+              <a:avLst/>
+              <a:gdLst/>
+              <a:ahLst/>
+              <a:cxnLst>
+                <a:cxn ang="0">
+                  <a:pos x="wd2" y="hd2"/>
+                </a:cxn>
+                <a:cxn ang="5400000">
+                  <a:pos x="wd2" y="hd2"/>
+                </a:cxn>
+                <a:cxn ang="10800000">
+                  <a:pos x="wd2" y="hd2"/>
+                </a:cxn>
+                <a:cxn ang="16200000">
+                  <a:pos x="wd2" y="hd2"/>
+                </a:cxn>
+              </a:cxnLst>
+              <a:rect l="0" t="0" r="r" b="b"/>
+              <a:pathLst>
+                <a:path w="21168" h="21227" extrusionOk="0">
+                  <a:moveTo>
+                    <a:pt x="0" y="51"/>
+                  </a:moveTo>
+                  <a:lnTo>
+                    <a:pt x="0" y="21227"/>
+                  </a:lnTo>
+                  <a:lnTo>
+                    <a:pt x="21085" y="21227"/>
+                  </a:lnTo>
+                  <a:cubicBezTo>
+                    <a:pt x="21600" y="15702"/>
+                    <a:pt x="19696" y="10224"/>
+                    <a:pt x="15852" y="6173"/>
+                  </a:cubicBezTo>
+                  <a:cubicBezTo>
+                    <a:pt x="11776" y="1877"/>
+                    <a:pt x="5950" y="-373"/>
+                    <a:pt x="0" y="51"/>
+                  </a:cubicBezTo>
+                  <a:close/>
+                </a:path>
+              </a:pathLst>
+            </a:custGeom>
+            <a:solidFill>
+              <a:srgbClr val="FFFFFF"/>
+            </a:solidFill>
+            <a:ln w="3175" cap="flat">
+              <a:solidFill>
+                <a:srgbClr val="000000"/>
+              </a:solidFill>
+              <a:prstDash val="solid"/>
+              <a:miter lim="400000"/>
+            </a:ln>
+            <a:effectLst/>
+          </p:spPr>
+          <p:txBody>
+            <a:bodyPr wrap="square" lIns="0" tIns="0" rIns="0" bIns="0" numCol="1" anchor="t">
+              <a:noAutofit/>
+            </a:bodyPr>
+            <a:lstStyle/>
+            <a:p>
+              <a:pPr lvl="0" algn="l" defTabSz="448055">
+                <a:defRPr sz="1100"/>
+              </a:pPr>
+              <a:endParaRPr/>
+            </a:p>
+          </p:txBody>
+        </p:sp>
+        <p:sp>
+          <p:nvSpPr>
+            <p:cNvPr id="57" name="Shape 57"/>
+            <p:cNvSpPr/>
+            <p:nvPr/>
+          </p:nvSpPr>
+          <p:spPr>
+            <a:xfrm rot="5400000" flipH="1">
+              <a:off x="-401" y="401"/>
+              <a:ext cx="79756" cy="78953"/>
+            </a:xfrm>
+            <a:custGeom>
+              <a:avLst/>
+              <a:gdLst/>
+              <a:ahLst/>
+              <a:cxnLst>
+                <a:cxn ang="0">
+                  <a:pos x="wd2" y="hd2"/>
+                </a:cxn>
+                <a:cxn ang="5400000">
+                  <a:pos x="wd2" y="hd2"/>
+                </a:cxn>
+                <a:cxn ang="10800000">
+                  <a:pos x="wd2" y="hd2"/>
+                </a:cxn>
+                <a:cxn ang="16200000">
+                  <a:pos x="wd2" y="hd2"/>
+                </a:cxn>
+              </a:cxnLst>
+              <a:rect l="0" t="0" r="r" b="b"/>
+              <a:pathLst>
+                <a:path w="21168" h="21227" extrusionOk="0">
+                  <a:moveTo>
+                    <a:pt x="0" y="51"/>
+                  </a:moveTo>
+                  <a:lnTo>
+                    <a:pt x="0" y="21227"/>
+                  </a:lnTo>
+                  <a:lnTo>
+                    <a:pt x="21085" y="21227"/>
+                  </a:lnTo>
+                  <a:cubicBezTo>
+                    <a:pt x="21600" y="15702"/>
+                    <a:pt x="19696" y="10224"/>
+                    <a:pt x="15852" y="6173"/>
+                  </a:cubicBezTo>
+                  <a:cubicBezTo>
+                    <a:pt x="11776" y="1877"/>
+                    <a:pt x="5950" y="-373"/>
+                    <a:pt x="0" y="51"/>
+                  </a:cubicBezTo>
+                  <a:close/>
+                </a:path>
+              </a:pathLst>
+            </a:custGeom>
+            <a:solidFill>
+              <a:srgbClr val="FFFFFF"/>
+            </a:solidFill>
+            <a:ln w="3175" cap="flat">
+              <a:solidFill>
+                <a:srgbClr val="000000"/>
+              </a:solidFill>
+              <a:prstDash val="solid"/>
+              <a:miter lim="400000"/>
+            </a:ln>
+            <a:effectLst/>
+          </p:spPr>
+          <p:txBody>
+            <a:bodyPr wrap="square" lIns="0" tIns="0" rIns="0" bIns="0" numCol="1" anchor="t">
+              <a:noAutofit/>
+            </a:bodyPr>
+            <a:lstStyle/>
+            <a:p>
+              <a:pPr lvl="0" algn="l" defTabSz="448055">
+                <a:defRPr sz="1100"/>
+              </a:pPr>
+              <a:endParaRPr/>
+            </a:p>
+          </p:txBody>
+        </p:sp>
+      </p:grpSp>
+      <p:grpSp>
+        <p:nvGrpSpPr>
+          <p:cNvPr id="61" name="Group 61"/>
+          <p:cNvGrpSpPr/>
+          <p:nvPr/>
+        </p:nvGrpSpPr>
+        <p:grpSpPr>
+          <a:xfrm>
+            <a:off x="11503460" y="3038738"/>
+            <a:ext cx="78954" cy="164787"/>
+            <a:chOff x="0" y="0"/>
+            <a:chExt cx="78952" cy="164785"/>
+          </a:xfrm>
+        </p:grpSpPr>
+        <p:sp>
+          <p:nvSpPr>
+            <p:cNvPr id="59" name="Shape 59"/>
+            <p:cNvSpPr/>
+            <p:nvPr/>
+          </p:nvSpPr>
+          <p:spPr>
+            <a:xfrm rot="16200000" flipH="1">
+              <a:off x="-401" y="85432"/>
+              <a:ext cx="79756" cy="78954"/>
+            </a:xfrm>
+            <a:custGeom>
+              <a:avLst/>
+              <a:gdLst/>
+              <a:ahLst/>
+              <a:cxnLst>
+                <a:cxn ang="0">
+                  <a:pos x="wd2" y="hd2"/>
+                </a:cxn>
+                <a:cxn ang="5400000">
+                  <a:pos x="wd2" y="hd2"/>
+                </a:cxn>
+                <a:cxn ang="10800000">
+                  <a:pos x="wd2" y="hd2"/>
+                </a:cxn>
+                <a:cxn ang="16200000">
+                  <a:pos x="wd2" y="hd2"/>
+                </a:cxn>
+              </a:cxnLst>
+              <a:rect l="0" t="0" r="r" b="b"/>
+              <a:pathLst>
+                <a:path w="21168" h="21227" extrusionOk="0">
+                  <a:moveTo>
+                    <a:pt x="0" y="51"/>
+                  </a:moveTo>
+                  <a:lnTo>
+                    <a:pt x="0" y="21227"/>
+                  </a:lnTo>
+                  <a:lnTo>
+                    <a:pt x="21085" y="21227"/>
+                  </a:lnTo>
+                  <a:cubicBezTo>
+                    <a:pt x="21600" y="15702"/>
+                    <a:pt x="19696" y="10224"/>
+                    <a:pt x="15852" y="6173"/>
+                  </a:cubicBezTo>
+                  <a:cubicBezTo>
+                    <a:pt x="11776" y="1877"/>
+                    <a:pt x="5950" y="-373"/>
+                    <a:pt x="0" y="51"/>
+                  </a:cubicBezTo>
+                  <a:close/>
+                </a:path>
+              </a:pathLst>
+            </a:custGeom>
+            <a:solidFill>
+              <a:srgbClr val="FFFFFF"/>
+            </a:solidFill>
+            <a:ln w="3175" cap="flat">
+              <a:solidFill>
+                <a:srgbClr val="000000"/>
+              </a:solidFill>
+              <a:prstDash val="solid"/>
+              <a:miter lim="400000"/>
+            </a:ln>
+            <a:effectLst/>
+          </p:spPr>
+          <p:txBody>
+            <a:bodyPr wrap="square" lIns="0" tIns="0" rIns="0" bIns="0" numCol="1" anchor="t">
+              <a:noAutofit/>
+            </a:bodyPr>
+            <a:lstStyle/>
+            <a:p>
+              <a:pPr lvl="0" algn="l" defTabSz="448055">
+                <a:defRPr sz="1100"/>
+              </a:pPr>
+              <a:endParaRPr/>
+            </a:p>
+          </p:txBody>
+        </p:sp>
+        <p:sp>
+          <p:nvSpPr>
+            <p:cNvPr id="60" name="Shape 60"/>
+            <p:cNvSpPr/>
+            <p:nvPr/>
+          </p:nvSpPr>
+          <p:spPr>
+            <a:xfrm rot="5400000" flipH="1">
+              <a:off x="-401" y="401"/>
+              <a:ext cx="79756" cy="78953"/>
+            </a:xfrm>
+            <a:custGeom>
+              <a:avLst/>
+              <a:gdLst/>
+              <a:ahLst/>
+              <a:cxnLst>
+                <a:cxn ang="0">
+                  <a:pos x="wd2" y="hd2"/>
+                </a:cxn>
+                <a:cxn ang="5400000">
+                  <a:pos x="wd2" y="hd2"/>
+                </a:cxn>
+                <a:cxn ang="10800000">
+                  <a:pos x="wd2" y="hd2"/>
+                </a:cxn>
+                <a:cxn ang="16200000">
+                  <a:pos x="wd2" y="hd2"/>
+                </a:cxn>
+              </a:cxnLst>
+              <a:rect l="0" t="0" r="r" b="b"/>
+              <a:pathLst>
+                <a:path w="21168" h="21227" extrusionOk="0">
+                  <a:moveTo>
+                    <a:pt x="0" y="51"/>
+                  </a:moveTo>
+                  <a:lnTo>
+                    <a:pt x="0" y="21227"/>
+                  </a:lnTo>
+                  <a:lnTo>
+                    <a:pt x="21085" y="21227"/>
+                  </a:lnTo>
+                  <a:cubicBezTo>
+                    <a:pt x="21600" y="15702"/>
+                    <a:pt x="19696" y="10224"/>
+                    <a:pt x="15852" y="6173"/>
+                  </a:cubicBezTo>
+                  <a:cubicBezTo>
+                    <a:pt x="11776" y="1877"/>
+                    <a:pt x="5950" y="-373"/>
+                    <a:pt x="0" y="51"/>
+                  </a:cubicBezTo>
+                  <a:close/>
+                </a:path>
+              </a:pathLst>
+            </a:custGeom>
+            <a:solidFill>
+              <a:srgbClr val="FFFFFF"/>
+            </a:solidFill>
+            <a:ln w="3175" cap="flat">
+              <a:solidFill>
+                <a:srgbClr val="000000"/>
+              </a:solidFill>
+              <a:prstDash val="solid"/>
+              <a:miter lim="400000"/>
+            </a:ln>
+            <a:effectLst/>
+          </p:spPr>
+          <p:txBody>
+            <a:bodyPr wrap="square" lIns="0" tIns="0" rIns="0" bIns="0" numCol="1" anchor="t">
+              <a:noAutofit/>
+            </a:bodyPr>
+            <a:lstStyle/>
+            <a:p>
+              <a:pPr lvl="0" algn="l" defTabSz="448055">
+                <a:defRPr sz="1100"/>
+              </a:pPr>
+              <a:endParaRPr/>
+            </a:p>
+          </p:txBody>
+        </p:sp>
+      </p:grpSp>
+      <p:grpSp>
+        <p:nvGrpSpPr>
+          <p:cNvPr id="64" name="Group 64"/>
+          <p:cNvGrpSpPr/>
+          <p:nvPr/>
+        </p:nvGrpSpPr>
+        <p:grpSpPr>
+          <a:xfrm>
+            <a:off x="11316664" y="2783487"/>
+            <a:ext cx="164788" cy="78955"/>
+            <a:chOff x="0" y="0"/>
+            <a:chExt cx="164786" cy="78953"/>
+          </a:xfrm>
+        </p:grpSpPr>
+        <p:sp>
+          <p:nvSpPr>
+            <p:cNvPr id="62" name="Shape 62"/>
+            <p:cNvSpPr/>
+            <p:nvPr/>
+          </p:nvSpPr>
+          <p:spPr>
+            <a:xfrm flipH="1">
+              <a:off x="-1" y="0"/>
+              <a:ext cx="79757" cy="78955"/>
+            </a:xfrm>
+            <a:custGeom>
+              <a:avLst/>
+              <a:gdLst/>
+              <a:ahLst/>
+              <a:cxnLst>
+                <a:cxn ang="0">
+                  <a:pos x="wd2" y="hd2"/>
+                </a:cxn>
+                <a:cxn ang="5400000">
+                  <a:pos x="wd2" y="hd2"/>
+                </a:cxn>
+                <a:cxn ang="10800000">
+                  <a:pos x="wd2" y="hd2"/>
+                </a:cxn>
+                <a:cxn ang="16200000">
+                  <a:pos x="wd2" y="hd2"/>
+                </a:cxn>
+              </a:cxnLst>
+              <a:rect l="0" t="0" r="r" b="b"/>
+              <a:pathLst>
+                <a:path w="21168" h="21227" extrusionOk="0">
+                  <a:moveTo>
+                    <a:pt x="0" y="51"/>
+                  </a:moveTo>
+                  <a:lnTo>
+                    <a:pt x="0" y="21227"/>
+                  </a:lnTo>
+                  <a:lnTo>
+                    <a:pt x="21085" y="21227"/>
+                  </a:lnTo>
+                  <a:cubicBezTo>
+                    <a:pt x="21600" y="15702"/>
+                    <a:pt x="19696" y="10224"/>
+                    <a:pt x="15852" y="6173"/>
+                  </a:cubicBezTo>
+                  <a:cubicBezTo>
+                    <a:pt x="11776" y="1877"/>
+                    <a:pt x="5950" y="-373"/>
+                    <a:pt x="0" y="51"/>
+                  </a:cubicBezTo>
+                  <a:close/>
+                </a:path>
+              </a:pathLst>
+            </a:custGeom>
+            <a:solidFill>
+              <a:srgbClr val="FFFFFF"/>
+            </a:solidFill>
+            <a:ln w="3175" cap="flat">
+              <a:solidFill>
+                <a:srgbClr val="000000"/>
+              </a:solidFill>
+              <a:prstDash val="solid"/>
+              <a:miter lim="400000"/>
+            </a:ln>
+            <a:effectLst/>
+          </p:spPr>
+          <p:txBody>
+            <a:bodyPr wrap="square" lIns="0" tIns="0" rIns="0" bIns="0" numCol="1" anchor="t">
+              <a:noAutofit/>
+            </a:bodyPr>
+            <a:lstStyle/>
+            <a:p>
+              <a:pPr lvl="0" algn="l" defTabSz="448055">
+                <a:defRPr sz="1100"/>
+              </a:pPr>
+              <a:endParaRPr/>
+            </a:p>
+          </p:txBody>
+        </p:sp>
+        <p:sp>
+          <p:nvSpPr>
+            <p:cNvPr id="63" name="Shape 63"/>
+            <p:cNvSpPr/>
+            <p:nvPr/>
+          </p:nvSpPr>
+          <p:spPr>
+            <a:xfrm rot="10800000" flipH="1">
+              <a:off x="85032" y="1"/>
+              <a:ext cx="79755" cy="78954"/>
+            </a:xfrm>
+            <a:custGeom>
+              <a:avLst/>
+              <a:gdLst/>
+              <a:ahLst/>
+              <a:cxnLst>
+                <a:cxn ang="0">
+                  <a:pos x="wd2" y="hd2"/>
+                </a:cxn>
+                <a:cxn ang="5400000">
+                  <a:pos x="wd2" y="hd2"/>
+                </a:cxn>
+                <a:cxn ang="10800000">
+                  <a:pos x="wd2" y="hd2"/>
+                </a:cxn>
+                <a:cxn ang="16200000">
+                  <a:pos x="wd2" y="hd2"/>
+                </a:cxn>
+              </a:cxnLst>
+              <a:rect l="0" t="0" r="r" b="b"/>
+              <a:pathLst>
+                <a:path w="21168" h="21227" extrusionOk="0">
+                  <a:moveTo>
+                    <a:pt x="0" y="51"/>
+                  </a:moveTo>
+                  <a:lnTo>
+                    <a:pt x="0" y="21227"/>
+                  </a:lnTo>
+                  <a:lnTo>
+                    <a:pt x="21085" y="21227"/>
+                  </a:lnTo>
+                  <a:cubicBezTo>
+                    <a:pt x="21600" y="15702"/>
+                    <a:pt x="19696" y="10224"/>
+                    <a:pt x="15852" y="6173"/>
+                  </a:cubicBezTo>
+                  <a:cubicBezTo>
+                    <a:pt x="11776" y="1877"/>
+                    <a:pt x="5950" y="-373"/>
+                    <a:pt x="0" y="51"/>
+                  </a:cubicBezTo>
+                  <a:close/>
+                </a:path>
+              </a:pathLst>
+            </a:custGeom>
+            <a:solidFill>
+              <a:srgbClr val="FFFFFF"/>
+            </a:solidFill>
+            <a:ln w="3175" cap="flat">
+              <a:solidFill>
+                <a:srgbClr val="000000"/>
+              </a:solidFill>
+              <a:prstDash val="solid"/>
+              <a:miter lim="400000"/>
+            </a:ln>
+            <a:effectLst/>
+          </p:spPr>
+          <p:txBody>
+            <a:bodyPr wrap="square" lIns="0" tIns="0" rIns="0" bIns="0" numCol="1" anchor="t">
+              <a:noAutofit/>
+            </a:bodyPr>
+            <a:lstStyle/>
+            <a:p>
+              <a:pPr lvl="0" algn="l" defTabSz="448055">
+                <a:defRPr sz="1100"/>
+              </a:pPr>
+              <a:endParaRPr/>
+            </a:p>
+          </p:txBody>
+        </p:sp>
+      </p:grpSp>
+      <p:grpSp>
+        <p:nvGrpSpPr>
+          <p:cNvPr id="67" name="Group 67"/>
+          <p:cNvGrpSpPr/>
+          <p:nvPr/>
+        </p:nvGrpSpPr>
+        <p:grpSpPr>
+          <a:xfrm>
+            <a:off x="11119544" y="3938594"/>
+            <a:ext cx="78954" cy="164787"/>
+            <a:chOff x="0" y="0"/>
+            <a:chExt cx="78952" cy="164785"/>
+          </a:xfrm>
+        </p:grpSpPr>
+        <p:sp>
+          <p:nvSpPr>
+            <p:cNvPr id="65" name="Shape 65"/>
+            <p:cNvSpPr/>
+            <p:nvPr/>
+          </p:nvSpPr>
+          <p:spPr>
+            <a:xfrm rot="16200000" flipH="1">
+              <a:off x="-401" y="85432"/>
+              <a:ext cx="79756" cy="78954"/>
+            </a:xfrm>
+            <a:custGeom>
+              <a:avLst/>
+              <a:gdLst/>
+              <a:ahLst/>
+              <a:cxnLst>
+                <a:cxn ang="0">
+                  <a:pos x="wd2" y="hd2"/>
+                </a:cxn>
+                <a:cxn ang="5400000">
+                  <a:pos x="wd2" y="hd2"/>
+                </a:cxn>
+                <a:cxn ang="10800000">
+                  <a:pos x="wd2" y="hd2"/>
+                </a:cxn>
+                <a:cxn ang="16200000">
+                  <a:pos x="wd2" y="hd2"/>
+                </a:cxn>
+              </a:cxnLst>
+              <a:rect l="0" t="0" r="r" b="b"/>
+              <a:pathLst>
+                <a:path w="21168" h="21227" extrusionOk="0">
+                  <a:moveTo>
+                    <a:pt x="0" y="51"/>
+                  </a:moveTo>
+                  <a:lnTo>
+                    <a:pt x="0" y="21227"/>
+                  </a:lnTo>
+                  <a:lnTo>
+                    <a:pt x="21085" y="21227"/>
+                  </a:lnTo>
+                  <a:cubicBezTo>
+                    <a:pt x="21600" y="15702"/>
+                    <a:pt x="19696" y="10224"/>
+                    <a:pt x="15852" y="6173"/>
+                  </a:cubicBezTo>
+                  <a:cubicBezTo>
+                    <a:pt x="11776" y="1877"/>
+                    <a:pt x="5950" y="-373"/>
+                    <a:pt x="0" y="51"/>
+                  </a:cubicBezTo>
+                  <a:close/>
+                </a:path>
+              </a:pathLst>
+            </a:custGeom>
+            <a:solidFill>
+              <a:srgbClr val="FFFFFF"/>
+            </a:solidFill>
+            <a:ln w="3175" cap="flat">
+              <a:solidFill>
+                <a:srgbClr val="000000"/>
+              </a:solidFill>
+              <a:prstDash val="solid"/>
+              <a:miter lim="400000"/>
+            </a:ln>
+            <a:effectLst/>
+          </p:spPr>
+          <p:txBody>
+            <a:bodyPr wrap="square" lIns="0" tIns="0" rIns="0" bIns="0" numCol="1" anchor="t">
+              <a:noAutofit/>
+            </a:bodyPr>
+            <a:lstStyle/>
+            <a:p>
+              <a:pPr lvl="0" algn="l" defTabSz="448055">
+                <a:defRPr sz="1100"/>
+              </a:pPr>
+              <a:endParaRPr/>
+            </a:p>
+          </p:txBody>
+        </p:sp>
+        <p:sp>
+          <p:nvSpPr>
+            <p:cNvPr id="66" name="Shape 66"/>
+            <p:cNvSpPr/>
+            <p:nvPr/>
+          </p:nvSpPr>
+          <p:spPr>
+            <a:xfrm rot="5400000" flipH="1">
+              <a:off x="-401" y="401"/>
+              <a:ext cx="79756" cy="78953"/>
+            </a:xfrm>
+            <a:custGeom>
+              <a:avLst/>
+              <a:gdLst/>
+              <a:ahLst/>
+              <a:cxnLst>
+                <a:cxn ang="0">
+                  <a:pos x="wd2" y="hd2"/>
+                </a:cxn>
+                <a:cxn ang="5400000">
+                  <a:pos x="wd2" y="hd2"/>
+                </a:cxn>
+                <a:cxn ang="10800000">
+                  <a:pos x="wd2" y="hd2"/>
+                </a:cxn>
+                <a:cxn ang="16200000">
+                  <a:pos x="wd2" y="hd2"/>
+                </a:cxn>
+              </a:cxnLst>
+              <a:rect l="0" t="0" r="r" b="b"/>
+              <a:pathLst>
+                <a:path w="21168" h="21227" extrusionOk="0">
+                  <a:moveTo>
+                    <a:pt x="0" y="51"/>
+                  </a:moveTo>
+                  <a:lnTo>
+                    <a:pt x="0" y="21227"/>
+                  </a:lnTo>
+                  <a:lnTo>
+                    <a:pt x="21085" y="21227"/>
+                  </a:lnTo>
+                  <a:cubicBezTo>
+                    <a:pt x="21600" y="15702"/>
+                    <a:pt x="19696" y="10224"/>
+                    <a:pt x="15852" y="6173"/>
+                  </a:cubicBezTo>
+                  <a:cubicBezTo>
+                    <a:pt x="11776" y="1877"/>
+                    <a:pt x="5950" y="-373"/>
+                    <a:pt x="0" y="51"/>
+                  </a:cubicBezTo>
+                  <a:close/>
+                </a:path>
+              </a:pathLst>
+            </a:custGeom>
+            <a:solidFill>
+              <a:srgbClr val="FFFFFF"/>
+            </a:solidFill>
+            <a:ln w="3175" cap="flat">
+              <a:solidFill>
+                <a:srgbClr val="000000"/>
+              </a:solidFill>
+              <a:prstDash val="solid"/>
+              <a:miter lim="400000"/>
+            </a:ln>
+            <a:effectLst/>
+          </p:spPr>
+          <p:txBody>
+            <a:bodyPr wrap="square" lIns="0" tIns="0" rIns="0" bIns="0" numCol="1" anchor="t">
+              <a:noAutofit/>
+            </a:bodyPr>
+            <a:lstStyle/>
+            <a:p>
+              <a:pPr lvl="0" algn="l" defTabSz="448055">
+                <a:defRPr sz="1100"/>
+              </a:pPr>
+              <a:endParaRPr/>
+            </a:p>
+          </p:txBody>
+        </p:sp>
+      </p:grpSp>
+      <p:grpSp>
+        <p:nvGrpSpPr>
+          <p:cNvPr id="70" name="Group 70"/>
+          <p:cNvGrpSpPr/>
+          <p:nvPr/>
+        </p:nvGrpSpPr>
+        <p:grpSpPr>
+          <a:xfrm>
+            <a:off x="11316664" y="2131573"/>
+            <a:ext cx="164788" cy="78956"/>
+            <a:chOff x="0" y="0"/>
+            <a:chExt cx="164786" cy="78954"/>
+          </a:xfrm>
+        </p:grpSpPr>
+        <p:sp>
+          <p:nvSpPr>
+            <p:cNvPr id="68" name="Shape 68"/>
+            <p:cNvSpPr/>
+            <p:nvPr/>
+          </p:nvSpPr>
+          <p:spPr>
+            <a:xfrm flipH="1">
+              <a:off x="-1" y="0"/>
+              <a:ext cx="79757" cy="78956"/>
+            </a:xfrm>
+            <a:custGeom>
+              <a:avLst/>
+              <a:gdLst/>
+              <a:ahLst/>
+              <a:cxnLst>
+                <a:cxn ang="0">
+                  <a:pos x="wd2" y="hd2"/>
+                </a:cxn>
+                <a:cxn ang="5400000">
+                  <a:pos x="wd2" y="hd2"/>
+                </a:cxn>
+                <a:cxn ang="10800000">
+                  <a:pos x="wd2" y="hd2"/>
+                </a:cxn>
+                <a:cxn ang="16200000">
+                  <a:pos x="wd2" y="hd2"/>
+                </a:cxn>
+              </a:cxnLst>
+              <a:rect l="0" t="0" r="r" b="b"/>
+              <a:pathLst>
+                <a:path w="21168" h="21227" extrusionOk="0">
+                  <a:moveTo>
+                    <a:pt x="0" y="51"/>
+                  </a:moveTo>
+                  <a:lnTo>
+                    <a:pt x="0" y="21227"/>
+                  </a:lnTo>
+                  <a:lnTo>
+                    <a:pt x="21085" y="21227"/>
+                  </a:lnTo>
+                  <a:cubicBezTo>
+                    <a:pt x="21600" y="15702"/>
+                    <a:pt x="19696" y="10224"/>
+                    <a:pt x="15852" y="6173"/>
+                  </a:cubicBezTo>
+                  <a:cubicBezTo>
+                    <a:pt x="11776" y="1877"/>
+                    <a:pt x="5950" y="-373"/>
+                    <a:pt x="0" y="51"/>
+                  </a:cubicBezTo>
+                  <a:close/>
+                </a:path>
+              </a:pathLst>
+            </a:custGeom>
+            <a:solidFill>
+              <a:srgbClr val="FFFFFF"/>
+            </a:solidFill>
+            <a:ln w="3175" cap="flat">
+              <a:solidFill>
+                <a:srgbClr val="000000"/>
+              </a:solidFill>
+              <a:prstDash val="solid"/>
+              <a:miter lim="400000"/>
+            </a:ln>
+            <a:effectLst/>
+          </p:spPr>
+          <p:txBody>
+            <a:bodyPr wrap="square" lIns="0" tIns="0" rIns="0" bIns="0" numCol="1" anchor="t">
+              <a:noAutofit/>
+            </a:bodyPr>
+            <a:lstStyle/>
+            <a:p>
+              <a:pPr lvl="0" algn="l" defTabSz="448055">
+                <a:defRPr sz="1100"/>
+              </a:pPr>
+              <a:endParaRPr/>
+            </a:p>
+          </p:txBody>
+        </p:sp>
+        <p:sp>
+          <p:nvSpPr>
+            <p:cNvPr id="69" name="Shape 69"/>
+            <p:cNvSpPr/>
+            <p:nvPr/>
+          </p:nvSpPr>
+          <p:spPr>
+            <a:xfrm rot="10800000" flipH="1">
+              <a:off x="85032" y="0"/>
+              <a:ext cx="79755" cy="78956"/>
+            </a:xfrm>
+            <a:custGeom>
+              <a:avLst/>
+              <a:gdLst/>
+              <a:ahLst/>
+              <a:cxnLst>
+                <a:cxn ang="0">
+                  <a:pos x="wd2" y="hd2"/>
+                </a:cxn>
+                <a:cxn ang="5400000">
+                  <a:pos x="wd2" y="hd2"/>
+                </a:cxn>
+                <a:cxn ang="10800000">
+                  <a:pos x="wd2" y="hd2"/>
+                </a:cxn>
+                <a:cxn ang="16200000">
+                  <a:pos x="wd2" y="hd2"/>
+                </a:cxn>
+              </a:cxnLst>
+              <a:rect l="0" t="0" r="r" b="b"/>
+              <a:pathLst>
+                <a:path w="21168" h="21227" extrusionOk="0">
+                  <a:moveTo>
+                    <a:pt x="0" y="51"/>
+                  </a:moveTo>
+                  <a:lnTo>
+                    <a:pt x="0" y="21227"/>
+                  </a:lnTo>
+                  <a:lnTo>
+                    <a:pt x="21085" y="21227"/>
+                  </a:lnTo>
+                  <a:cubicBezTo>
+                    <a:pt x="21600" y="15702"/>
+                    <a:pt x="19696" y="10224"/>
+                    <a:pt x="15852" y="6173"/>
+                  </a:cubicBezTo>
+                  <a:cubicBezTo>
+                    <a:pt x="11776" y="1877"/>
+                    <a:pt x="5950" y="-373"/>
+                    <a:pt x="0" y="51"/>
+                  </a:cubicBezTo>
+                  <a:close/>
+                </a:path>
+              </a:pathLst>
+            </a:custGeom>
+            <a:solidFill>
+              <a:srgbClr val="FFFFFF"/>
+            </a:solidFill>
+            <a:ln w="3175" cap="flat">
+              <a:solidFill>
+                <a:srgbClr val="000000"/>
+              </a:solidFill>
+              <a:prstDash val="solid"/>
+              <a:miter lim="400000"/>
+            </a:ln>
+            <a:effectLst/>
+          </p:spPr>
+          <p:txBody>
+            <a:bodyPr wrap="square" lIns="0" tIns="0" rIns="0" bIns="0" numCol="1" anchor="t">
+              <a:noAutofit/>
+            </a:bodyPr>
+            <a:lstStyle/>
+            <a:p>
+              <a:pPr lvl="0" algn="l" defTabSz="448055">
+                <a:defRPr sz="1100"/>
+              </a:pPr>
+              <a:endParaRPr/>
+            </a:p>
+          </p:txBody>
+        </p:sp>
+      </p:grpSp>
+      <p:sp>
+        <p:nvSpPr>
+          <p:cNvPr id="71" name="Shape 71"/>
+          <p:cNvSpPr/>
+          <p:nvPr/>
+        </p:nvSpPr>
+        <p:spPr>
+          <a:xfrm>
+            <a:off x="8748675" y="1502748"/>
+            <a:ext cx="126059" cy="137586"/>
+          </a:xfrm>
+          <a:prstGeom prst="star5">
+            <a:avLst>
+              <a:gd name="adj" fmla="val 19100"/>
+              <a:gd name="hf" fmla="val 105146"/>
+              <a:gd name="vf" fmla="val 110557"/>
+            </a:avLst>
+          </a:prstGeom>
+          <a:solidFill>
+            <a:srgbClr val="FFFFFF"/>
+          </a:solidFill>
+          <a:ln w="3175" cap="flat">
+            <a:solidFill>
+              <a:srgbClr val="000000"/>
+            </a:solidFill>
+            <a:prstDash val="solid"/>
+            <a:miter lim="400000"/>
+          </a:ln>
+          <a:effectLst/>
+        </p:spPr>
+        <p:txBody>
+          <a:bodyPr wrap="square" lIns="0" tIns="0" rIns="0" bIns="0" numCol="1" anchor="ctr">
+            <a:noAutofit/>
+          </a:bodyPr>
+          <a:lstStyle/>
+          <a:p>
+            <a:pPr lvl="0" algn="l" defTabSz="896111">
+              <a:defRPr>
+                <a:latin typeface="Calibri"/>
+                <a:ea typeface="Calibri"/>
+                <a:cs typeface="Calibri"/>
+                <a:sym typeface="Calibri"/>
+              </a:defRPr>
+            </a:pPr>
+            <a:endParaRPr/>
+          </a:p>
+        </p:txBody>
+      </p:sp>
+      <p:sp>
+        <p:nvSpPr>
+          <p:cNvPr id="72" name="Shape 72"/>
+          <p:cNvSpPr/>
+          <p:nvPr/>
+        </p:nvSpPr>
+        <p:spPr>
+          <a:xfrm>
+            <a:off x="8744333" y="2182930"/>
+            <a:ext cx="126059" cy="137586"/>
+          </a:xfrm>
+          <a:prstGeom prst="star5">
+            <a:avLst>
+              <a:gd name="adj" fmla="val 19100"/>
+              <a:gd name="hf" fmla="val 105146"/>
+              <a:gd name="vf" fmla="val 110557"/>
+            </a:avLst>
+          </a:prstGeom>
+          <a:solidFill>
+            <a:srgbClr val="FFFFFF"/>
+          </a:solidFill>
+          <a:ln w="3175" cap="flat">
+            <a:solidFill>
+              <a:srgbClr val="000000"/>
+            </a:solidFill>
+            <a:prstDash val="solid"/>
+            <a:miter lim="400000"/>
+          </a:ln>
+          <a:effectLst/>
+        </p:spPr>
+        <p:txBody>
+          <a:bodyPr wrap="square" lIns="0" tIns="0" rIns="0" bIns="0" numCol="1" anchor="ctr">
+            <a:noAutofit/>
+          </a:bodyPr>
+          <a:lstStyle/>
+          <a:p>
+            <a:pPr lvl="0" algn="l" defTabSz="896111">
+              <a:defRPr>
+                <a:latin typeface="Calibri"/>
+                <a:ea typeface="Calibri"/>
+                <a:cs typeface="Calibri"/>
+                <a:sym typeface="Calibri"/>
+              </a:defRPr>
+            </a:pPr>
+            <a:endParaRPr/>
+          </a:p>
+        </p:txBody>
+      </p:sp>
+      <p:sp>
+        <p:nvSpPr>
+          <p:cNvPr id="73" name="Shape 73"/>
+          <p:cNvSpPr/>
+          <p:nvPr/>
+        </p:nvSpPr>
+        <p:spPr>
+          <a:xfrm>
+            <a:off x="8761237" y="2754829"/>
+            <a:ext cx="126059" cy="137587"/>
+          </a:xfrm>
+          <a:prstGeom prst="star5">
+            <a:avLst>
+              <a:gd name="adj" fmla="val 19100"/>
+              <a:gd name="hf" fmla="val 105146"/>
+              <a:gd name="vf" fmla="val 110557"/>
+            </a:avLst>
+          </a:prstGeom>
+          <a:solidFill>
+            <a:srgbClr val="FFFFFF"/>
+          </a:solidFill>
+          <a:ln w="3175" cap="flat">
+            <a:solidFill>
+              <a:srgbClr val="000000"/>
+            </a:solidFill>
+            <a:prstDash val="solid"/>
+            <a:miter lim="400000"/>
+          </a:ln>
+          <a:effectLst/>
+        </p:spPr>
+        <p:txBody>
+          <a:bodyPr wrap="square" lIns="0" tIns="0" rIns="0" bIns="0" numCol="1" anchor="ctr">
+            <a:noAutofit/>
+          </a:bodyPr>
+          <a:lstStyle/>
+          <a:p>
+            <a:pPr lvl="0" algn="l" defTabSz="896111">
+              <a:defRPr>
+                <a:latin typeface="Calibri"/>
+                <a:ea typeface="Calibri"/>
+                <a:cs typeface="Calibri"/>
+                <a:sym typeface="Calibri"/>
+              </a:defRPr>
+            </a:pPr>
+            <a:endParaRPr/>
+          </a:p>
+        </p:txBody>
+      </p:sp>
     </p:spTree>
   </p:cSld>
   <p:clrMapOvr>
     <a:masterClrMapping/>
   </p:clrMapOvr>
-  <p:transition spd="med" advClick="1"/>
+  <p:transition spd="med"/>
 </p:sld>
 </file>
 
 <file path=ppt/theme/theme1.xml><?xml version="1.0" encoding="utf-8"?>
-<a:theme xmlns:a="http://schemas.openxmlformats.org/drawingml/2006/main" xmlns:r="http://schemas.openxmlformats.org/officeDocument/2006/relationships" name="Default">
+<a:theme xmlns:a="http://schemas.openxmlformats.org/drawingml/2006/main" name="Default">
   <a:themeElements>
     <a:clrScheme name="Default">
       <a:dk1>
@@ -4019,7 +4053,7 @@
       <a:effectStyleLst>
         <a:effectStyle>
           <a:effectLst>
-            <a:outerShdw sx="100000" sy="100000" kx="0" ky="0" algn="b" rotWithShape="0" blurRad="0" dist="0" dir="5400000">
+            <a:outerShdw dir="5400000" rotWithShape="0">
               <a:srgbClr val="000000">
                 <a:alpha val="50000"/>
               </a:srgbClr>
@@ -4028,7 +4062,7 @@
         </a:effectStyle>
         <a:effectStyle>
           <a:effectLst>
-            <a:outerShdw sx="100000" sy="100000" kx="0" ky="0" algn="b" rotWithShape="0" blurRad="0" dist="0" dir="5400000">
+            <a:outerShdw dir="5400000" rotWithShape="0">
               <a:srgbClr val="000000">
                 <a:alpha val="50000"/>
               </a:srgbClr>
@@ -4037,7 +4071,7 @@
         </a:effectStyle>
         <a:effectStyle>
           <a:effectLst>
-            <a:outerShdw sx="100000" sy="100000" kx="0" ky="0" algn="b" rotWithShape="0" blurRad="0" dist="0" dir="5400000">
+            <a:outerShdw dir="5400000" rotWithShape="0">
               <a:srgbClr val="000000">
                 <a:alpha val="50000"/>
               </a:srgbClr>
@@ -4111,14 +4145,14 @@
           <a:bevel/>
         </a:ln>
         <a:effectLst>
-          <a:outerShdw sx="100000" sy="100000" kx="0" ky="0" algn="b" rotWithShape="0" blurRad="0" dist="0" dir="5400000">
+          <a:outerShdw dir="5400000" rotWithShape="0">
             <a:srgbClr val="000000">
               <a:alpha val="50000"/>
             </a:srgbClr>
           </a:outerShdw>
         </a:effectLst>
       </a:spPr>
-      <a:bodyPr rot="0" spcFirstLastPara="1" vertOverflow="overflow" horzOverflow="overflow" vert="horz" wrap="square" lIns="13572" tIns="13572" rIns="13572" bIns="13572" numCol="1" spcCol="38100" rtlCol="0" anchor="ctr" upright="0">
+      <a:bodyPr rot="0" spcFirstLastPara="1" vertOverflow="overflow" horzOverflow="overflow" vert="horz" wrap="square" lIns="13572" tIns="13572" rIns="13572" bIns="13572" numCol="1" spcCol="38100" rtlCol="0" anchor="ctr">
         <a:spAutoFit/>
       </a:bodyPr>
       <a:lstStyle>
@@ -4137,7 +4171,7 @@
           <a:buFontTx/>
           <a:buNone/>
           <a:tabLst/>
-          <a:defRPr b="0" baseline="0" cap="none" i="0" spc="0" strike="noStrike" sz="1800" u="none" kumimoji="0" normalizeH="0">
+          <a:defRPr kumimoji="0" sz="1800" b="0" i="0" u="none" strike="noStrike" cap="none" spc="0" normalizeH="0" baseline="0">
             <a:ln>
               <a:noFill/>
             </a:ln>
@@ -4167,7 +4201,7 @@
           <a:buFontTx/>
           <a:buNone/>
           <a:tabLst/>
-          <a:defRPr b="0" baseline="0" cap="none" i="0" spc="0" strike="noStrike" sz="1800" u="none" kumimoji="0" normalizeH="0">
+          <a:defRPr kumimoji="0" sz="1800" b="0" i="0" u="none" strike="noStrike" cap="none" spc="0" normalizeH="0" baseline="0">
             <a:ln>
               <a:noFill/>
             </a:ln>
@@ -4193,7 +4227,7 @@
           <a:buFontTx/>
           <a:buNone/>
           <a:tabLst/>
-          <a:defRPr b="0" baseline="0" cap="none" i="0" spc="0" strike="noStrike" sz="1800" u="none" kumimoji="0" normalizeH="0">
+          <a:defRPr kumimoji="0" sz="1800" b="0" i="0" u="none" strike="noStrike" cap="none" spc="0" normalizeH="0" baseline="0">
             <a:ln>
               <a:noFill/>
             </a:ln>
@@ -4219,7 +4253,7 @@
           <a:buFontTx/>
           <a:buNone/>
           <a:tabLst/>
-          <a:defRPr b="0" baseline="0" cap="none" i="0" spc="0" strike="noStrike" sz="1800" u="none" kumimoji="0" normalizeH="0">
+          <a:defRPr kumimoji="0" sz="1800" b="0" i="0" u="none" strike="noStrike" cap="none" spc="0" normalizeH="0" baseline="0">
             <a:ln>
               <a:noFill/>
             </a:ln>
@@ -4245,7 +4279,7 @@
           <a:buFontTx/>
           <a:buNone/>
           <a:tabLst/>
-          <a:defRPr b="0" baseline="0" cap="none" i="0" spc="0" strike="noStrike" sz="1800" u="none" kumimoji="0" normalizeH="0">
+          <a:defRPr kumimoji="0" sz="1800" b="0" i="0" u="none" strike="noStrike" cap="none" spc="0" normalizeH="0" baseline="0">
             <a:ln>
               <a:noFill/>
             </a:ln>
@@ -4271,7 +4305,7 @@
           <a:buFontTx/>
           <a:buNone/>
           <a:tabLst/>
-          <a:defRPr b="0" baseline="0" cap="none" i="0" spc="0" strike="noStrike" sz="1800" u="none" kumimoji="0" normalizeH="0">
+          <a:defRPr kumimoji="0" sz="1800" b="0" i="0" u="none" strike="noStrike" cap="none" spc="0" normalizeH="0" baseline="0">
             <a:ln>
               <a:noFill/>
             </a:ln>
@@ -4297,7 +4331,7 @@
           <a:buFontTx/>
           <a:buNone/>
           <a:tabLst/>
-          <a:defRPr b="0" baseline="0" cap="none" i="0" spc="0" strike="noStrike" sz="1800" u="none" kumimoji="0" normalizeH="0">
+          <a:defRPr kumimoji="0" sz="1800" b="0" i="0" u="none" strike="noStrike" cap="none" spc="0" normalizeH="0" baseline="0">
             <a:ln>
               <a:noFill/>
             </a:ln>
@@ -4323,7 +4357,7 @@
           <a:buFontTx/>
           <a:buNone/>
           <a:tabLst/>
-          <a:defRPr b="0" baseline="0" cap="none" i="0" spc="0" strike="noStrike" sz="1800" u="none" kumimoji="0" normalizeH="0">
+          <a:defRPr kumimoji="0" sz="1800" b="0" i="0" u="none" strike="noStrike" cap="none" spc="0" normalizeH="0" baseline="0">
             <a:ln>
               <a:noFill/>
             </a:ln>
@@ -4349,7 +4383,7 @@
           <a:buFontTx/>
           <a:buNone/>
           <a:tabLst/>
-          <a:defRPr b="0" baseline="0" cap="none" i="0" spc="0" strike="noStrike" sz="1800" u="none" kumimoji="0" normalizeH="0">
+          <a:defRPr kumimoji="0" sz="1800" b="0" i="0" u="none" strike="noStrike" cap="none" spc="0" normalizeH="0" baseline="0">
             <a:ln>
               <a:noFill/>
             </a:ln>
@@ -4375,7 +4409,7 @@
           <a:buFontTx/>
           <a:buNone/>
           <a:tabLst/>
-          <a:defRPr b="0" baseline="0" cap="none" i="0" spc="0" strike="noStrike" sz="1800" u="none" kumimoji="0" normalizeH="0">
+          <a:defRPr kumimoji="0" sz="1800" b="0" i="0" u="none" strike="noStrike" cap="none" spc="0" normalizeH="0" baseline="0">
             <a:ln>
               <a:noFill/>
             </a:ln>
@@ -4388,9 +4422,15 @@
         </a:lvl9pPr>
       </a:lstStyle>
       <a:style>
-        <a:lnRef idx="0"/>
-        <a:fillRef idx="0"/>
-        <a:effectRef idx="0"/>
+        <a:lnRef idx="0">
+          <a:scrgbClr r="0" g="0" b="0"/>
+        </a:lnRef>
+        <a:fillRef idx="0">
+          <a:scrgbClr r="0" g="0" b="0"/>
+        </a:fillRef>
+        <a:effectRef idx="0">
+          <a:scrgbClr r="0" g="0" b="0"/>
+        </a:effectRef>
         <a:fontRef idx="none"/>
       </a:style>
     </a:spDef>
@@ -4405,14 +4445,14 @@
           <a:bevel/>
         </a:ln>
         <a:effectLst>
-          <a:outerShdw sx="100000" sy="100000" kx="0" ky="0" algn="b" rotWithShape="0" blurRad="0" dist="0" dir="5400000">
+          <a:outerShdw dir="5400000" rotWithShape="0">
             <a:srgbClr val="000000">
               <a:alpha val="50000"/>
             </a:srgbClr>
           </a:outerShdw>
         </a:effectLst>
       </a:spPr>
-      <a:bodyPr rot="0" spcFirstLastPara="1" vertOverflow="overflow" horzOverflow="overflow" vert="horz" wrap="square" lIns="91439" tIns="45719" rIns="91439" bIns="45719" numCol="1" spcCol="38100" rtlCol="0" anchor="t" upright="0">
+      <a:bodyPr rot="0" spcFirstLastPara="1" vertOverflow="overflow" horzOverflow="overflow" vert="horz" wrap="square" lIns="91439" tIns="45719" rIns="91439" bIns="45719" numCol="1" spcCol="38100" rtlCol="0" anchor="t">
         <a:noAutofit/>
       </a:bodyPr>
       <a:lstStyle>
@@ -4431,7 +4471,7 @@
           <a:buFontTx/>
           <a:buNone/>
           <a:tabLst/>
-          <a:defRPr b="0" baseline="0" cap="none" i="0" spc="0" strike="noStrike" sz="1800" u="none" kumimoji="0" normalizeH="0">
+          <a:defRPr kumimoji="0" sz="1800" b="0" i="0" u="none" strike="noStrike" cap="none" spc="0" normalizeH="0" baseline="0">
             <a:ln>
               <a:noFill/>
             </a:ln>
@@ -4457,7 +4497,7 @@
           <a:buFontTx/>
           <a:buNone/>
           <a:tabLst/>
-          <a:defRPr b="0" baseline="0" cap="none" i="0" spc="0" strike="noStrike" sz="1800" u="none" kumimoji="0" normalizeH="0">
+          <a:defRPr kumimoji="0" sz="1800" b="0" i="0" u="none" strike="noStrike" cap="none" spc="0" normalizeH="0" baseline="0">
             <a:ln>
               <a:noFill/>
             </a:ln>
@@ -4483,7 +4523,7 @@
           <a:buFontTx/>
           <a:buNone/>
           <a:tabLst/>
-          <a:defRPr b="0" baseline="0" cap="none" i="0" spc="0" strike="noStrike" sz="1800" u="none" kumimoji="0" normalizeH="0">
+          <a:defRPr kumimoji="0" sz="1800" b="0" i="0" u="none" strike="noStrike" cap="none" spc="0" normalizeH="0" baseline="0">
             <a:ln>
               <a:noFill/>
             </a:ln>
@@ -4509,7 +4549,7 @@
           <a:buFontTx/>
           <a:buNone/>
           <a:tabLst/>
-          <a:defRPr b="0" baseline="0" cap="none" i="0" spc="0" strike="noStrike" sz="1800" u="none" kumimoji="0" normalizeH="0">
+          <a:defRPr kumimoji="0" sz="1800" b="0" i="0" u="none" strike="noStrike" cap="none" spc="0" normalizeH="0" baseline="0">
             <a:ln>
               <a:noFill/>
             </a:ln>
@@ -4535,7 +4575,7 @@
           <a:buFontTx/>
           <a:buNone/>
           <a:tabLst/>
-          <a:defRPr b="0" baseline="0" cap="none" i="0" spc="0" strike="noStrike" sz="1800" u="none" kumimoji="0" normalizeH="0">
+          <a:defRPr kumimoji="0" sz="1800" b="0" i="0" u="none" strike="noStrike" cap="none" spc="0" normalizeH="0" baseline="0">
             <a:ln>
               <a:noFill/>
             </a:ln>
@@ -4561,7 +4601,7 @@
           <a:buFontTx/>
           <a:buNone/>
           <a:tabLst/>
-          <a:defRPr b="0" baseline="0" cap="none" i="0" spc="0" strike="noStrike" sz="1800" u="none" kumimoji="0" normalizeH="0">
+          <a:defRPr kumimoji="0" sz="1800" b="0" i="0" u="none" strike="noStrike" cap="none" spc="0" normalizeH="0" baseline="0">
             <a:ln>
               <a:noFill/>
             </a:ln>
@@ -4587,7 +4627,7 @@
           <a:buFontTx/>
           <a:buNone/>
           <a:tabLst/>
-          <a:defRPr b="0" baseline="0" cap="none" i="0" spc="0" strike="noStrike" sz="1800" u="none" kumimoji="0" normalizeH="0">
+          <a:defRPr kumimoji="0" sz="1800" b="0" i="0" u="none" strike="noStrike" cap="none" spc="0" normalizeH="0" baseline="0">
             <a:ln>
               <a:noFill/>
             </a:ln>
@@ -4613,7 +4653,7 @@
           <a:buFontTx/>
           <a:buNone/>
           <a:tabLst/>
-          <a:defRPr b="0" baseline="0" cap="none" i="0" spc="0" strike="noStrike" sz="1800" u="none" kumimoji="0" normalizeH="0">
+          <a:defRPr kumimoji="0" sz="1800" b="0" i="0" u="none" strike="noStrike" cap="none" spc="0" normalizeH="0" baseline="0">
             <a:ln>
               <a:noFill/>
             </a:ln>
@@ -4639,7 +4679,7 @@
           <a:buFontTx/>
           <a:buNone/>
           <a:tabLst/>
-          <a:defRPr b="0" baseline="0" cap="none" i="0" spc="0" strike="noStrike" sz="1800" u="none" kumimoji="0" normalizeH="0">
+          <a:defRPr kumimoji="0" sz="1800" b="0" i="0" u="none" strike="noStrike" cap="none" spc="0" normalizeH="0" baseline="0">
             <a:ln>
               <a:noFill/>
             </a:ln>
@@ -4665,7 +4705,7 @@
           <a:buFontTx/>
           <a:buNone/>
           <a:tabLst/>
-          <a:defRPr b="0" baseline="0" cap="none" i="0" spc="0" strike="noStrike" sz="1800" u="none" kumimoji="0" normalizeH="0">
+          <a:defRPr kumimoji="0" sz="1800" b="0" i="0" u="none" strike="noStrike" cap="none" spc="0" normalizeH="0" baseline="0">
             <a:ln>
               <a:noFill/>
             </a:ln>
@@ -4678,9 +4718,15 @@
         </a:lvl9pPr>
       </a:lstStyle>
       <a:style>
-        <a:lnRef idx="0"/>
-        <a:fillRef idx="0"/>
-        <a:effectRef idx="0"/>
+        <a:lnRef idx="0">
+          <a:scrgbClr r="0" g="0" b="0"/>
+        </a:lnRef>
+        <a:fillRef idx="0">
+          <a:scrgbClr r="0" g="0" b="0"/>
+        </a:fillRef>
+        <a:effectRef idx="0">
+          <a:scrgbClr r="0" g="0" b="0"/>
+        </a:effectRef>
         <a:fontRef idx="none"/>
       </a:style>
     </a:lnDef>
@@ -4693,7 +4739,7 @@
         </a:ln>
         <a:effectLst/>
       </a:spPr>
-      <a:bodyPr rot="0" spcFirstLastPara="1" vertOverflow="overflow" horzOverflow="overflow" vert="horz" wrap="square" lIns="13572" tIns="13572" rIns="13572" bIns="13572" numCol="1" spcCol="38100" rtlCol="0" anchor="ctr" upright="0">
+      <a:bodyPr rot="0" spcFirstLastPara="1" vertOverflow="overflow" horzOverflow="overflow" vert="horz" wrap="square" lIns="13572" tIns="13572" rIns="13572" bIns="13572" numCol="1" spcCol="38100" rtlCol="0" anchor="ctr">
         <a:spAutoFit/>
       </a:bodyPr>
       <a:lstStyle>
@@ -4712,7 +4758,7 @@
           <a:buFontTx/>
           <a:buNone/>
           <a:tabLst/>
-          <a:defRPr b="0" baseline="0" cap="none" i="0" spc="0" strike="noStrike" sz="1800" u="none" kumimoji="0" normalizeH="0">
+          <a:defRPr kumimoji="0" sz="1800" b="0" i="0" u="none" strike="noStrike" cap="none" spc="0" normalizeH="0" baseline="0">
             <a:ln>
               <a:noFill/>
             </a:ln>
@@ -4742,7 +4788,7 @@
           <a:buFontTx/>
           <a:buNone/>
           <a:tabLst/>
-          <a:defRPr b="0" baseline="0" cap="none" i="0" spc="0" strike="noStrike" sz="1800" u="none" kumimoji="0" normalizeH="0">
+          <a:defRPr kumimoji="0" sz="1800" b="0" i="0" u="none" strike="noStrike" cap="none" spc="0" normalizeH="0" baseline="0">
             <a:ln>
               <a:noFill/>
             </a:ln>
@@ -4768,7 +4814,7 @@
           <a:buFontTx/>
           <a:buNone/>
           <a:tabLst/>
-          <a:defRPr b="0" baseline="0" cap="none" i="0" spc="0" strike="noStrike" sz="1800" u="none" kumimoji="0" normalizeH="0">
+          <a:defRPr kumimoji="0" sz="1800" b="0" i="0" u="none" strike="noStrike" cap="none" spc="0" normalizeH="0" baseline="0">
             <a:ln>
               <a:noFill/>
             </a:ln>
@@ -4794,7 +4840,7 @@
           <a:buFontTx/>
           <a:buNone/>
           <a:tabLst/>
-          <a:defRPr b="0" baseline="0" cap="none" i="0" spc="0" strike="noStrike" sz="1800" u="none" kumimoji="0" normalizeH="0">
+          <a:defRPr kumimoji="0" sz="1800" b="0" i="0" u="none" strike="noStrike" cap="none" spc="0" normalizeH="0" baseline="0">
             <a:ln>
               <a:noFill/>
             </a:ln>
@@ -4820,7 +4866,7 @@
           <a:buFontTx/>
           <a:buNone/>
           <a:tabLst/>
-          <a:defRPr b="0" baseline="0" cap="none" i="0" spc="0" strike="noStrike" sz="1800" u="none" kumimoji="0" normalizeH="0">
+          <a:defRPr kumimoji="0" sz="1800" b="0" i="0" u="none" strike="noStrike" cap="none" spc="0" normalizeH="0" baseline="0">
             <a:ln>
               <a:noFill/>
             </a:ln>
@@ -4846,7 +4892,7 @@
           <a:buFontTx/>
           <a:buNone/>
           <a:tabLst/>
-          <a:defRPr b="0" baseline="0" cap="none" i="0" spc="0" strike="noStrike" sz="1800" u="none" kumimoji="0" normalizeH="0">
+          <a:defRPr kumimoji="0" sz="1800" b="0" i="0" u="none" strike="noStrike" cap="none" spc="0" normalizeH="0" baseline="0">
             <a:ln>
               <a:noFill/>
             </a:ln>
@@ -4872,7 +4918,7 @@
           <a:buFontTx/>
           <a:buNone/>
           <a:tabLst/>
-          <a:defRPr b="0" baseline="0" cap="none" i="0" spc="0" strike="noStrike" sz="1800" u="none" kumimoji="0" normalizeH="0">
+          <a:defRPr kumimoji="0" sz="1800" b="0" i="0" u="none" strike="noStrike" cap="none" spc="0" normalizeH="0" baseline="0">
             <a:ln>
               <a:noFill/>
             </a:ln>
@@ -4898,7 +4944,7 @@
           <a:buFontTx/>
           <a:buNone/>
           <a:tabLst/>
-          <a:defRPr b="0" baseline="0" cap="none" i="0" spc="0" strike="noStrike" sz="1800" u="none" kumimoji="0" normalizeH="0">
+          <a:defRPr kumimoji="0" sz="1800" b="0" i="0" u="none" strike="noStrike" cap="none" spc="0" normalizeH="0" baseline="0">
             <a:ln>
               <a:noFill/>
             </a:ln>
@@ -4924,7 +4970,7 @@
           <a:buFontTx/>
           <a:buNone/>
           <a:tabLst/>
-          <a:defRPr b="0" baseline="0" cap="none" i="0" spc="0" strike="noStrike" sz="1800" u="none" kumimoji="0" normalizeH="0">
+          <a:defRPr kumimoji="0" sz="1800" b="0" i="0" u="none" strike="noStrike" cap="none" spc="0" normalizeH="0" baseline="0">
             <a:ln>
               <a:noFill/>
             </a:ln>
@@ -4950,7 +4996,7 @@
           <a:buFontTx/>
           <a:buNone/>
           <a:tabLst/>
-          <a:defRPr b="0" baseline="0" cap="none" i="0" spc="0" strike="noStrike" sz="1800" u="none" kumimoji="0" normalizeH="0">
+          <a:defRPr kumimoji="0" sz="1800" b="0" i="0" u="none" strike="noStrike" cap="none" spc="0" normalizeH="0" baseline="0">
             <a:ln>
               <a:noFill/>
             </a:ln>
@@ -4963,18 +5009,25 @@
         </a:lvl9pPr>
       </a:lstStyle>
       <a:style>
-        <a:lnRef idx="0"/>
-        <a:fillRef idx="0"/>
-        <a:effectRef idx="0"/>
+        <a:lnRef idx="0">
+          <a:scrgbClr r="0" g="0" b="0"/>
+        </a:lnRef>
+        <a:fillRef idx="0">
+          <a:scrgbClr r="0" g="0" b="0"/>
+        </a:fillRef>
+        <a:effectRef idx="0">
+          <a:scrgbClr r="0" g="0" b="0"/>
+        </a:effectRef>
         <a:fontRef idx="none"/>
       </a:style>
     </a:txDef>
   </a:objectDefaults>
+  <a:extraClrSchemeLst/>
 </a:theme>
 </file>
 
 <file path=ppt/theme/theme2.xml><?xml version="1.0" encoding="utf-8"?>
-<a:theme xmlns:a="http://schemas.openxmlformats.org/drawingml/2006/main" xmlns:r="http://schemas.openxmlformats.org/officeDocument/2006/relationships" name="Default">
+<a:theme xmlns:a="http://schemas.openxmlformats.org/drawingml/2006/main" name="Default">
   <a:themeElements>
     <a:clrScheme name="Default">
       <a:dk1>
@@ -5100,7 +5153,7 @@
       <a:effectStyleLst>
         <a:effectStyle>
           <a:effectLst>
-            <a:outerShdw sx="100000" sy="100000" kx="0" ky="0" algn="b" rotWithShape="0" blurRad="0" dist="0" dir="5400000">
+            <a:outerShdw dir="5400000" rotWithShape="0">
               <a:srgbClr val="000000">
                 <a:alpha val="50000"/>
               </a:srgbClr>
@@ -5109,7 +5162,7 @@
         </a:effectStyle>
         <a:effectStyle>
           <a:effectLst>
-            <a:outerShdw sx="100000" sy="100000" kx="0" ky="0" algn="b" rotWithShape="0" blurRad="0" dist="0" dir="5400000">
+            <a:outerShdw dir="5400000" rotWithShape="0">
               <a:srgbClr val="000000">
                 <a:alpha val="50000"/>
               </a:srgbClr>
@@ -5118,7 +5171,7 @@
         </a:effectStyle>
         <a:effectStyle>
           <a:effectLst>
-            <a:outerShdw sx="100000" sy="100000" kx="0" ky="0" algn="b" rotWithShape="0" blurRad="0" dist="0" dir="5400000">
+            <a:outerShdw dir="5400000" rotWithShape="0">
               <a:srgbClr val="000000">
                 <a:alpha val="50000"/>
               </a:srgbClr>
@@ -5192,14 +5245,14 @@
           <a:bevel/>
         </a:ln>
         <a:effectLst>
-          <a:outerShdw sx="100000" sy="100000" kx="0" ky="0" algn="b" rotWithShape="0" blurRad="0" dist="0" dir="5400000">
+          <a:outerShdw dir="5400000" rotWithShape="0">
             <a:srgbClr val="000000">
               <a:alpha val="50000"/>
             </a:srgbClr>
           </a:outerShdw>
         </a:effectLst>
       </a:spPr>
-      <a:bodyPr rot="0" spcFirstLastPara="1" vertOverflow="overflow" horzOverflow="overflow" vert="horz" wrap="square" lIns="13572" tIns="13572" rIns="13572" bIns="13572" numCol="1" spcCol="38100" rtlCol="0" anchor="ctr" upright="0">
+      <a:bodyPr rot="0" spcFirstLastPara="1" vertOverflow="overflow" horzOverflow="overflow" vert="horz" wrap="square" lIns="13572" tIns="13572" rIns="13572" bIns="13572" numCol="1" spcCol="38100" rtlCol="0" anchor="ctr">
         <a:spAutoFit/>
       </a:bodyPr>
       <a:lstStyle>
@@ -5218,7 +5271,7 @@
           <a:buFontTx/>
           <a:buNone/>
           <a:tabLst/>
-          <a:defRPr b="0" baseline="0" cap="none" i="0" spc="0" strike="noStrike" sz="1800" u="none" kumimoji="0" normalizeH="0">
+          <a:defRPr kumimoji="0" sz="1800" b="0" i="0" u="none" strike="noStrike" cap="none" spc="0" normalizeH="0" baseline="0">
             <a:ln>
               <a:noFill/>
             </a:ln>
@@ -5248,7 +5301,7 @@
           <a:buFontTx/>
           <a:buNone/>
           <a:tabLst/>
-          <a:defRPr b="0" baseline="0" cap="none" i="0" spc="0" strike="noStrike" sz="1800" u="none" kumimoji="0" normalizeH="0">
+          <a:defRPr kumimoji="0" sz="1800" b="0" i="0" u="none" strike="noStrike" cap="none" spc="0" normalizeH="0" baseline="0">
             <a:ln>
               <a:noFill/>
             </a:ln>
@@ -5274,7 +5327,7 @@
           <a:buFontTx/>
           <a:buNone/>
           <a:tabLst/>
-          <a:defRPr b="0" baseline="0" cap="none" i="0" spc="0" strike="noStrike" sz="1800" u="none" kumimoji="0" normalizeH="0">
+          <a:defRPr kumimoji="0" sz="1800" b="0" i="0" u="none" strike="noStrike" cap="none" spc="0" normalizeH="0" baseline="0">
             <a:ln>
               <a:noFill/>
             </a:ln>
@@ -5300,7 +5353,7 @@
           <a:buFontTx/>
           <a:buNone/>
           <a:tabLst/>
-          <a:defRPr b="0" baseline="0" cap="none" i="0" spc="0" strike="noStrike" sz="1800" u="none" kumimoji="0" normalizeH="0">
+          <a:defRPr kumimoji="0" sz="1800" b="0" i="0" u="none" strike="noStrike" cap="none" spc="0" normalizeH="0" baseline="0">
             <a:ln>
               <a:noFill/>
             </a:ln>
@@ -5326,7 +5379,7 @@
           <a:buFontTx/>
           <a:buNone/>
           <a:tabLst/>
-          <a:defRPr b="0" baseline="0" cap="none" i="0" spc="0" strike="noStrike" sz="1800" u="none" kumimoji="0" normalizeH="0">
+          <a:defRPr kumimoji="0" sz="1800" b="0" i="0" u="none" strike="noStrike" cap="none" spc="0" normalizeH="0" baseline="0">
             <a:ln>
               <a:noFill/>
             </a:ln>
@@ -5352,7 +5405,7 @@
           <a:buFontTx/>
           <a:buNone/>
           <a:tabLst/>
-          <a:defRPr b="0" baseline="0" cap="none" i="0" spc="0" strike="noStrike" sz="1800" u="none" kumimoji="0" normalizeH="0">
+          <a:defRPr kumimoji="0" sz="1800" b="0" i="0" u="none" strike="noStrike" cap="none" spc="0" normalizeH="0" baseline="0">
             <a:ln>
               <a:noFill/>
             </a:ln>
@@ -5378,7 +5431,7 @@
           <a:buFontTx/>
           <a:buNone/>
           <a:tabLst/>
-          <a:defRPr b="0" baseline="0" cap="none" i="0" spc="0" strike="noStrike" sz="1800" u="none" kumimoji="0" normalizeH="0">
+          <a:defRPr kumimoji="0" sz="1800" b="0" i="0" u="none" strike="noStrike" cap="none" spc="0" normalizeH="0" baseline="0">
             <a:ln>
               <a:noFill/>
             </a:ln>
@@ -5404,7 +5457,7 @@
           <a:buFontTx/>
           <a:buNone/>
           <a:tabLst/>
-          <a:defRPr b="0" baseline="0" cap="none" i="0" spc="0" strike="noStrike" sz="1800" u="none" kumimoji="0" normalizeH="0">
+          <a:defRPr kumimoji="0" sz="1800" b="0" i="0" u="none" strike="noStrike" cap="none" spc="0" normalizeH="0" baseline="0">
             <a:ln>
               <a:noFill/>
             </a:ln>
@@ -5430,7 +5483,7 @@
           <a:buFontTx/>
           <a:buNone/>
           <a:tabLst/>
-          <a:defRPr b="0" baseline="0" cap="none" i="0" spc="0" strike="noStrike" sz="1800" u="none" kumimoji="0" normalizeH="0">
+          <a:defRPr kumimoji="0" sz="1800" b="0" i="0" u="none" strike="noStrike" cap="none" spc="0" normalizeH="0" baseline="0">
             <a:ln>
               <a:noFill/>
             </a:ln>
@@ -5456,7 +5509,7 @@
           <a:buFontTx/>
           <a:buNone/>
           <a:tabLst/>
-          <a:defRPr b="0" baseline="0" cap="none" i="0" spc="0" strike="noStrike" sz="1800" u="none" kumimoji="0" normalizeH="0">
+          <a:defRPr kumimoji="0" sz="1800" b="0" i="0" u="none" strike="noStrike" cap="none" spc="0" normalizeH="0" baseline="0">
             <a:ln>
               <a:noFill/>
             </a:ln>
@@ -5469,9 +5522,15 @@
         </a:lvl9pPr>
       </a:lstStyle>
       <a:style>
-        <a:lnRef idx="0"/>
-        <a:fillRef idx="0"/>
-        <a:effectRef idx="0"/>
+        <a:lnRef idx="0">
+          <a:scrgbClr r="0" g="0" b="0"/>
+        </a:lnRef>
+        <a:fillRef idx="0">
+          <a:scrgbClr r="0" g="0" b="0"/>
+        </a:fillRef>
+        <a:effectRef idx="0">
+          <a:scrgbClr r="0" g="0" b="0"/>
+        </a:effectRef>
         <a:fontRef idx="none"/>
       </a:style>
     </a:spDef>
@@ -5486,14 +5545,14 @@
           <a:bevel/>
         </a:ln>
         <a:effectLst>
-          <a:outerShdw sx="100000" sy="100000" kx="0" ky="0" algn="b" rotWithShape="0" blurRad="0" dist="0" dir="5400000">
+          <a:outerShdw dir="5400000" rotWithShape="0">
             <a:srgbClr val="000000">
               <a:alpha val="50000"/>
             </a:srgbClr>
           </a:outerShdw>
         </a:effectLst>
       </a:spPr>
-      <a:bodyPr rot="0" spcFirstLastPara="1" vertOverflow="overflow" horzOverflow="overflow" vert="horz" wrap="square" lIns="91439" tIns="45719" rIns="91439" bIns="45719" numCol="1" spcCol="38100" rtlCol="0" anchor="t" upright="0">
+      <a:bodyPr rot="0" spcFirstLastPara="1" vertOverflow="overflow" horzOverflow="overflow" vert="horz" wrap="square" lIns="91439" tIns="45719" rIns="91439" bIns="45719" numCol="1" spcCol="38100" rtlCol="0" anchor="t">
         <a:noAutofit/>
       </a:bodyPr>
       <a:lstStyle>
@@ -5512,7 +5571,7 @@
           <a:buFontTx/>
           <a:buNone/>
           <a:tabLst/>
-          <a:defRPr b="0" baseline="0" cap="none" i="0" spc="0" strike="noStrike" sz="1800" u="none" kumimoji="0" normalizeH="0">
+          <a:defRPr kumimoji="0" sz="1800" b="0" i="0" u="none" strike="noStrike" cap="none" spc="0" normalizeH="0" baseline="0">
             <a:ln>
               <a:noFill/>
             </a:ln>
@@ -5538,7 +5597,7 @@
           <a:buFontTx/>
           <a:buNone/>
           <a:tabLst/>
-          <a:defRPr b="0" baseline="0" cap="none" i="0" spc="0" strike="noStrike" sz="1800" u="none" kumimoji="0" normalizeH="0">
+          <a:defRPr kumimoji="0" sz="1800" b="0" i="0" u="none" strike="noStrike" cap="none" spc="0" normalizeH="0" baseline="0">
             <a:ln>
               <a:noFill/>
             </a:ln>
@@ -5564,7 +5623,7 @@
           <a:buFontTx/>
           <a:buNone/>
           <a:tabLst/>
-          <a:defRPr b="0" baseline="0" cap="none" i="0" spc="0" strike="noStrike" sz="1800" u="none" kumimoji="0" normalizeH="0">
+          <a:defRPr kumimoji="0" sz="1800" b="0" i="0" u="none" strike="noStrike" cap="none" spc="0" normalizeH="0" baseline="0">
             <a:ln>
               <a:noFill/>
             </a:ln>
@@ -5590,7 +5649,7 @@
           <a:buFontTx/>
           <a:buNone/>
           <a:tabLst/>
-          <a:defRPr b="0" baseline="0" cap="none" i="0" spc="0" strike="noStrike" sz="1800" u="none" kumimoji="0" normalizeH="0">
+          <a:defRPr kumimoji="0" sz="1800" b="0" i="0" u="none" strike="noStrike" cap="none" spc="0" normalizeH="0" baseline="0">
             <a:ln>
               <a:noFill/>
             </a:ln>
@@ -5616,7 +5675,7 @@
           <a:buFontTx/>
           <a:buNone/>
           <a:tabLst/>
-          <a:defRPr b="0" baseline="0" cap="none" i="0" spc="0" strike="noStrike" sz="1800" u="none" kumimoji="0" normalizeH="0">
+          <a:defRPr kumimoji="0" sz="1800" b="0" i="0" u="none" strike="noStrike" cap="none" spc="0" normalizeH="0" baseline="0">
             <a:ln>
               <a:noFill/>
             </a:ln>
@@ -5642,7 +5701,7 @@
           <a:buFontTx/>
           <a:buNone/>
           <a:tabLst/>
-          <a:defRPr b="0" baseline="0" cap="none" i="0" spc="0" strike="noStrike" sz="1800" u="none" kumimoji="0" normalizeH="0">
+          <a:defRPr kumimoji="0" sz="1800" b="0" i="0" u="none" strike="noStrike" cap="none" spc="0" normalizeH="0" baseline="0">
             <a:ln>
               <a:noFill/>
             </a:ln>
@@ -5668,7 +5727,7 @@
           <a:buFontTx/>
           <a:buNone/>
           <a:tabLst/>
-          <a:defRPr b="0" baseline="0" cap="none" i="0" spc="0" strike="noStrike" sz="1800" u="none" kumimoji="0" normalizeH="0">
+          <a:defRPr kumimoji="0" sz="1800" b="0" i="0" u="none" strike="noStrike" cap="none" spc="0" normalizeH="0" baseline="0">
             <a:ln>
               <a:noFill/>
             </a:ln>
@@ -5694,7 +5753,7 @@
           <a:buFontTx/>
           <a:buNone/>
           <a:tabLst/>
-          <a:defRPr b="0" baseline="0" cap="none" i="0" spc="0" strike="noStrike" sz="1800" u="none" kumimoji="0" normalizeH="0">
+          <a:defRPr kumimoji="0" sz="1800" b="0" i="0" u="none" strike="noStrike" cap="none" spc="0" normalizeH="0" baseline="0">
             <a:ln>
               <a:noFill/>
             </a:ln>
@@ -5720,7 +5779,7 @@
           <a:buFontTx/>
           <a:buNone/>
           <a:tabLst/>
-          <a:defRPr b="0" baseline="0" cap="none" i="0" spc="0" strike="noStrike" sz="1800" u="none" kumimoji="0" normalizeH="0">
+          <a:defRPr kumimoji="0" sz="1800" b="0" i="0" u="none" strike="noStrike" cap="none" spc="0" normalizeH="0" baseline="0">
             <a:ln>
               <a:noFill/>
             </a:ln>
@@ -5746,7 +5805,7 @@
           <a:buFontTx/>
           <a:buNone/>
           <a:tabLst/>
-          <a:defRPr b="0" baseline="0" cap="none" i="0" spc="0" strike="noStrike" sz="1800" u="none" kumimoji="0" normalizeH="0">
+          <a:defRPr kumimoji="0" sz="1800" b="0" i="0" u="none" strike="noStrike" cap="none" spc="0" normalizeH="0" baseline="0">
             <a:ln>
               <a:noFill/>
             </a:ln>
@@ -5759,9 +5818,15 @@
         </a:lvl9pPr>
       </a:lstStyle>
       <a:style>
-        <a:lnRef idx="0"/>
-        <a:fillRef idx="0"/>
-        <a:effectRef idx="0"/>
+        <a:lnRef idx="0">
+          <a:scrgbClr r="0" g="0" b="0"/>
+        </a:lnRef>
+        <a:fillRef idx="0">
+          <a:scrgbClr r="0" g="0" b="0"/>
+        </a:fillRef>
+        <a:effectRef idx="0">
+          <a:scrgbClr r="0" g="0" b="0"/>
+        </a:effectRef>
         <a:fontRef idx="none"/>
       </a:style>
     </a:lnDef>
@@ -5774,7 +5839,7 @@
         </a:ln>
         <a:effectLst/>
       </a:spPr>
-      <a:bodyPr rot="0" spcFirstLastPara="1" vertOverflow="overflow" horzOverflow="overflow" vert="horz" wrap="square" lIns="13572" tIns="13572" rIns="13572" bIns="13572" numCol="1" spcCol="38100" rtlCol="0" anchor="ctr" upright="0">
+      <a:bodyPr rot="0" spcFirstLastPara="1" vertOverflow="overflow" horzOverflow="overflow" vert="horz" wrap="square" lIns="13572" tIns="13572" rIns="13572" bIns="13572" numCol="1" spcCol="38100" rtlCol="0" anchor="ctr">
         <a:spAutoFit/>
       </a:bodyPr>
       <a:lstStyle>
@@ -5793,7 +5858,7 @@
           <a:buFontTx/>
           <a:buNone/>
           <a:tabLst/>
-          <a:defRPr b="0" baseline="0" cap="none" i="0" spc="0" strike="noStrike" sz="1800" u="none" kumimoji="0" normalizeH="0">
+          <a:defRPr kumimoji="0" sz="1800" b="0" i="0" u="none" strike="noStrike" cap="none" spc="0" normalizeH="0" baseline="0">
             <a:ln>
               <a:noFill/>
             </a:ln>
@@ -5823,7 +5888,7 @@
           <a:buFontTx/>
           <a:buNone/>
           <a:tabLst/>
-          <a:defRPr b="0" baseline="0" cap="none" i="0" spc="0" strike="noStrike" sz="1800" u="none" kumimoji="0" normalizeH="0">
+          <a:defRPr kumimoji="0" sz="1800" b="0" i="0" u="none" strike="noStrike" cap="none" spc="0" normalizeH="0" baseline="0">
             <a:ln>
               <a:noFill/>
             </a:ln>
@@ -5849,7 +5914,7 @@
           <a:buFontTx/>
           <a:buNone/>
           <a:tabLst/>
-          <a:defRPr b="0" baseline="0" cap="none" i="0" spc="0" strike="noStrike" sz="1800" u="none" kumimoji="0" normalizeH="0">
+          <a:defRPr kumimoji="0" sz="1800" b="0" i="0" u="none" strike="noStrike" cap="none" spc="0" normalizeH="0" baseline="0">
             <a:ln>
               <a:noFill/>
             </a:ln>
@@ -5875,7 +5940,7 @@
           <a:buFontTx/>
           <a:buNone/>
           <a:tabLst/>
-          <a:defRPr b="0" baseline="0" cap="none" i="0" spc="0" strike="noStrike" sz="1800" u="none" kumimoji="0" normalizeH="0">
+          <a:defRPr kumimoji="0" sz="1800" b="0" i="0" u="none" strike="noStrike" cap="none" spc="0" normalizeH="0" baseline="0">
             <a:ln>
               <a:noFill/>
             </a:ln>
@@ -5901,7 +5966,7 @@
           <a:buFontTx/>
           <a:buNone/>
           <a:tabLst/>
-          <a:defRPr b="0" baseline="0" cap="none" i="0" spc="0" strike="noStrike" sz="1800" u="none" kumimoji="0" normalizeH="0">
+          <a:defRPr kumimoji="0" sz="1800" b="0" i="0" u="none" strike="noStrike" cap="none" spc="0" normalizeH="0" baseline="0">
             <a:ln>
               <a:noFill/>
             </a:ln>
@@ -5927,7 +5992,7 @@
           <a:buFontTx/>
           <a:buNone/>
           <a:tabLst/>
-          <a:defRPr b="0" baseline="0" cap="none" i="0" spc="0" strike="noStrike" sz="1800" u="none" kumimoji="0" normalizeH="0">
+          <a:defRPr kumimoji="0" sz="1800" b="0" i="0" u="none" strike="noStrike" cap="none" spc="0" normalizeH="0" baseline="0">
             <a:ln>
               <a:noFill/>
             </a:ln>
@@ -5953,7 +6018,7 @@
           <a:buFontTx/>
           <a:buNone/>
           <a:tabLst/>
-          <a:defRPr b="0" baseline="0" cap="none" i="0" spc="0" strike="noStrike" sz="1800" u="none" kumimoji="0" normalizeH="0">
+          <a:defRPr kumimoji="0" sz="1800" b="0" i="0" u="none" strike="noStrike" cap="none" spc="0" normalizeH="0" baseline="0">
             <a:ln>
               <a:noFill/>
             </a:ln>
@@ -5979,7 +6044,7 @@
           <a:buFontTx/>
           <a:buNone/>
           <a:tabLst/>
-          <a:defRPr b="0" baseline="0" cap="none" i="0" spc="0" strike="noStrike" sz="1800" u="none" kumimoji="0" normalizeH="0">
+          <a:defRPr kumimoji="0" sz="1800" b="0" i="0" u="none" strike="noStrike" cap="none" spc="0" normalizeH="0" baseline="0">
             <a:ln>
               <a:noFill/>
             </a:ln>
@@ -6005,7 +6070,7 @@
           <a:buFontTx/>
           <a:buNone/>
           <a:tabLst/>
-          <a:defRPr b="0" baseline="0" cap="none" i="0" spc="0" strike="noStrike" sz="1800" u="none" kumimoji="0" normalizeH="0">
+          <a:defRPr kumimoji="0" sz="1800" b="0" i="0" u="none" strike="noStrike" cap="none" spc="0" normalizeH="0" baseline="0">
             <a:ln>
               <a:noFill/>
             </a:ln>
@@ -6031,7 +6096,7 @@
           <a:buFontTx/>
           <a:buNone/>
           <a:tabLst/>
-          <a:defRPr b="0" baseline="0" cap="none" i="0" spc="0" strike="noStrike" sz="1800" u="none" kumimoji="0" normalizeH="0">
+          <a:defRPr kumimoji="0" sz="1800" b="0" i="0" u="none" strike="noStrike" cap="none" spc="0" normalizeH="0" baseline="0">
             <a:ln>
               <a:noFill/>
             </a:ln>
@@ -6044,12 +6109,19 @@
         </a:lvl9pPr>
       </a:lstStyle>
       <a:style>
-        <a:lnRef idx="0"/>
-        <a:fillRef idx="0"/>
-        <a:effectRef idx="0"/>
+        <a:lnRef idx="0">
+          <a:scrgbClr r="0" g="0" b="0"/>
+        </a:lnRef>
+        <a:fillRef idx="0">
+          <a:scrgbClr r="0" g="0" b="0"/>
+        </a:fillRef>
+        <a:effectRef idx="0">
+          <a:scrgbClr r="0" g="0" b="0"/>
+        </a:effectRef>
         <a:fontRef idx="none"/>
       </a:style>
     </a:txDef>
   </a:objectDefaults>
+  <a:extraClrSchemeLst/>
 </a:theme>
 </file>